--- a/workspace/results/plots.pptx
+++ b/workspace/results/plots.pptx
@@ -5,13 +5,14 @@
     <p:sldMasterId id="2147483660" r:id="rId1"/>
   </p:sldMasterIdLst>
   <p:notesMasterIdLst>
-    <p:notesMasterId r:id="rId6"/>
+    <p:notesMasterId r:id="rId7"/>
   </p:notesMasterIdLst>
   <p:sldIdLst>
     <p:sldId id="273" r:id="rId2"/>
     <p:sldId id="274" r:id="rId3"/>
     <p:sldId id="275" r:id="rId4"/>
     <p:sldId id="276" r:id="rId5"/>
+    <p:sldId id="277" r:id="rId6"/>
   </p:sldIdLst>
   <p:sldSz cx="27432000" cy="27432000"/>
   <p:notesSz cx="6858000" cy="9144000"/>
@@ -212,7 +213,7 @@
           <a:p>
             <a:fld id="{F2499265-4902-4D12-9F29-F50D9E7A04F8}" type="datetimeFigureOut">
               <a:rPr lang="en-US" smtClean="0"/>
-              <a:t>1/14/2021</a:t>
+              <a:t>1/18/2021</a:t>
             </a:fld>
             <a:endParaRPr lang="en-US"/>
           </a:p>
@@ -697,7 +698,7 @@
           <a:p>
             <a:fld id="{D33114D3-7C8E-4A85-97DC-A0E08C5E6A03}" type="datetimeFigureOut">
               <a:rPr lang="en-US" smtClean="0"/>
-              <a:t>1/14/2021</a:t>
+              <a:t>1/18/2021</a:t>
             </a:fld>
             <a:endParaRPr lang="en-US"/>
           </a:p>
@@ -867,7 +868,7 @@
           <a:p>
             <a:fld id="{D33114D3-7C8E-4A85-97DC-A0E08C5E6A03}" type="datetimeFigureOut">
               <a:rPr lang="en-US" smtClean="0"/>
-              <a:t>1/14/2021</a:t>
+              <a:t>1/18/2021</a:t>
             </a:fld>
             <a:endParaRPr lang="en-US"/>
           </a:p>
@@ -1047,7 +1048,7 @@
           <a:p>
             <a:fld id="{D33114D3-7C8E-4A85-97DC-A0E08C5E6A03}" type="datetimeFigureOut">
               <a:rPr lang="en-US" smtClean="0"/>
-              <a:t>1/14/2021</a:t>
+              <a:t>1/18/2021</a:t>
             </a:fld>
             <a:endParaRPr lang="en-US"/>
           </a:p>
@@ -1217,7 +1218,7 @@
           <a:p>
             <a:fld id="{D33114D3-7C8E-4A85-97DC-A0E08C5E6A03}" type="datetimeFigureOut">
               <a:rPr lang="en-US" smtClean="0"/>
-              <a:t>1/14/2021</a:t>
+              <a:t>1/18/2021</a:t>
             </a:fld>
             <a:endParaRPr lang="en-US"/>
           </a:p>
@@ -1461,7 +1462,7 @@
           <a:p>
             <a:fld id="{D33114D3-7C8E-4A85-97DC-A0E08C5E6A03}" type="datetimeFigureOut">
               <a:rPr lang="en-US" smtClean="0"/>
-              <a:t>1/14/2021</a:t>
+              <a:t>1/18/2021</a:t>
             </a:fld>
             <a:endParaRPr lang="en-US"/>
           </a:p>
@@ -1693,7 +1694,7 @@
           <a:p>
             <a:fld id="{D33114D3-7C8E-4A85-97DC-A0E08C5E6A03}" type="datetimeFigureOut">
               <a:rPr lang="en-US" smtClean="0"/>
-              <a:t>1/14/2021</a:t>
+              <a:t>1/18/2021</a:t>
             </a:fld>
             <a:endParaRPr lang="en-US"/>
           </a:p>
@@ -2060,7 +2061,7 @@
           <a:p>
             <a:fld id="{D33114D3-7C8E-4A85-97DC-A0E08C5E6A03}" type="datetimeFigureOut">
               <a:rPr lang="en-US" smtClean="0"/>
-              <a:t>1/14/2021</a:t>
+              <a:t>1/18/2021</a:t>
             </a:fld>
             <a:endParaRPr lang="en-US"/>
           </a:p>
@@ -2178,7 +2179,7 @@
           <a:p>
             <a:fld id="{D33114D3-7C8E-4A85-97DC-A0E08C5E6A03}" type="datetimeFigureOut">
               <a:rPr lang="en-US" smtClean="0"/>
-              <a:t>1/14/2021</a:t>
+              <a:t>1/18/2021</a:t>
             </a:fld>
             <a:endParaRPr lang="en-US"/>
           </a:p>
@@ -2273,7 +2274,7 @@
           <a:p>
             <a:fld id="{D33114D3-7C8E-4A85-97DC-A0E08C5E6A03}" type="datetimeFigureOut">
               <a:rPr lang="en-US" smtClean="0"/>
-              <a:t>1/14/2021</a:t>
+              <a:t>1/18/2021</a:t>
             </a:fld>
             <a:endParaRPr lang="en-US"/>
           </a:p>
@@ -2550,7 +2551,7 @@
           <a:p>
             <a:fld id="{D33114D3-7C8E-4A85-97DC-A0E08C5E6A03}" type="datetimeFigureOut">
               <a:rPr lang="en-US" smtClean="0"/>
-              <a:t>1/14/2021</a:t>
+              <a:t>1/18/2021</a:t>
             </a:fld>
             <a:endParaRPr lang="en-US"/>
           </a:p>
@@ -2807,7 +2808,7 @@
           <a:p>
             <a:fld id="{D33114D3-7C8E-4A85-97DC-A0E08C5E6A03}" type="datetimeFigureOut">
               <a:rPr lang="en-US" smtClean="0"/>
-              <a:t>1/14/2021</a:t>
+              <a:t>1/18/2021</a:t>
             </a:fld>
             <a:endParaRPr lang="en-US"/>
           </a:p>
@@ -3020,7 +3021,7 @@
           <a:p>
             <a:fld id="{D33114D3-7C8E-4A85-97DC-A0E08C5E6A03}" type="datetimeFigureOut">
               <a:rPr lang="en-US" smtClean="0"/>
-              <a:t>1/14/2021</a:t>
+              <a:t>1/18/2021</a:t>
             </a:fld>
             <a:endParaRPr lang="en-US"/>
           </a:p>
@@ -8353,6 +8354,42 @@
           </a:prstGeom>
         </p:spPr>
       </p:pic>
+      <p:sp>
+        <p:nvSpPr>
+          <p:cNvPr id="37" name="TextBox 36">
+            <a:extLst>
+              <a:ext uri="{FF2B5EF4-FFF2-40B4-BE49-F238E27FC236}">
+                <a16:creationId xmlns:a16="http://schemas.microsoft.com/office/drawing/2014/main" id="{30EEDEB2-30DE-4CCD-8CD7-CF9442D69EB9}"/>
+              </a:ext>
+            </a:extLst>
+          </p:cNvPr>
+          <p:cNvSpPr txBox="1"/>
+          <p:nvPr/>
+        </p:nvSpPr>
+        <p:spPr>
+          <a:xfrm>
+            <a:off x="22978547" y="25479413"/>
+            <a:ext cx="1527118" cy="369332"/>
+          </a:xfrm>
+          <a:prstGeom prst="rect">
+            <a:avLst/>
+          </a:prstGeom>
+          <a:noFill/>
+        </p:spPr>
+        <p:txBody>
+          <a:bodyPr wrap="square" rtlCol="0">
+            <a:spAutoFit/>
+          </a:bodyPr>
+          <a:lstStyle/>
+          <a:p>
+            <a:pPr algn="r"/>
+            <a:r>
+              <a:rPr lang="en-US" dirty="0"/>
+              <a:t>Tan, C. (2021)</a:t>
+            </a:r>
+          </a:p>
+        </p:txBody>
+      </p:sp>
     </p:spTree>
     <p:extLst>
       <p:ext uri="{BB962C8B-B14F-4D97-AF65-F5344CB8AC3E}">
@@ -8383,6 +8420,60 @@
           <a:chExt cx="0" cy="0"/>
         </a:xfrm>
       </p:grpSpPr>
+      <p:sp>
+        <p:nvSpPr>
+          <p:cNvPr id="2" name="Rectangle 1">
+            <a:extLst>
+              <a:ext uri="{FF2B5EF4-FFF2-40B4-BE49-F238E27FC236}">
+                <a16:creationId xmlns:a16="http://schemas.microsoft.com/office/drawing/2014/main" id="{68288C87-7349-4202-A30C-4046504906F1}"/>
+              </a:ext>
+            </a:extLst>
+          </p:cNvPr>
+          <p:cNvSpPr/>
+          <p:nvPr/>
+        </p:nvSpPr>
+        <p:spPr>
+          <a:xfrm>
+            <a:off x="11132284" y="12158326"/>
+            <a:ext cx="4572009" cy="3888439"/>
+          </a:xfrm>
+          <a:prstGeom prst="rect">
+            <a:avLst/>
+          </a:prstGeom>
+          <a:solidFill>
+            <a:schemeClr val="bg1"/>
+          </a:solidFill>
+          <a:ln>
+            <a:solidFill>
+              <a:schemeClr val="bg1"/>
+            </a:solidFill>
+          </a:ln>
+        </p:spPr>
+        <p:style>
+          <a:lnRef idx="2">
+            <a:schemeClr val="accent1">
+              <a:shade val="50000"/>
+            </a:schemeClr>
+          </a:lnRef>
+          <a:fillRef idx="1">
+            <a:schemeClr val="accent1"/>
+          </a:fillRef>
+          <a:effectRef idx="0">
+            <a:schemeClr val="accent1"/>
+          </a:effectRef>
+          <a:fontRef idx="minor">
+            <a:schemeClr val="lt1"/>
+          </a:fontRef>
+        </p:style>
+        <p:txBody>
+          <a:bodyPr rtlCol="0" anchor="ctr"/>
+          <a:lstStyle/>
+          <a:p>
+            <a:pPr algn="ctr"/>
+            <a:endParaRPr lang="en-US"/>
+          </a:p>
+        </p:txBody>
+      </p:sp>
       <p:pic>
         <p:nvPicPr>
           <p:cNvPr id="15" name="Picture 14" descr="Chart, scatter chart&#10;&#10;Description automatically generated">
@@ -8559,10 +8650,348 @@
           </a:p>
         </p:txBody>
       </p:sp>
+      <p:sp>
+        <p:nvSpPr>
+          <p:cNvPr id="7" name="TextBox 6">
+            <a:extLst>
+              <a:ext uri="{FF2B5EF4-FFF2-40B4-BE49-F238E27FC236}">
+                <a16:creationId xmlns:a16="http://schemas.microsoft.com/office/drawing/2014/main" id="{3938E3B4-CFB0-41F6-8CB9-734AF8993C86}"/>
+              </a:ext>
+            </a:extLst>
+          </p:cNvPr>
+          <p:cNvSpPr txBox="1"/>
+          <p:nvPr/>
+        </p:nvSpPr>
+        <p:spPr>
+          <a:xfrm>
+            <a:off x="14153367" y="15815933"/>
+            <a:ext cx="1527118" cy="230832"/>
+          </a:xfrm>
+          <a:prstGeom prst="rect">
+            <a:avLst/>
+          </a:prstGeom>
+          <a:noFill/>
+        </p:spPr>
+        <p:txBody>
+          <a:bodyPr wrap="square" rtlCol="0">
+            <a:spAutoFit/>
+          </a:bodyPr>
+          <a:lstStyle/>
+          <a:p>
+            <a:pPr algn="r"/>
+            <a:r>
+              <a:rPr lang="en-US" sz="900" dirty="0"/>
+              <a:t>Tan, C. (2021)</a:t>
+            </a:r>
+          </a:p>
+        </p:txBody>
+      </p:sp>
     </p:spTree>
     <p:extLst>
       <p:ext uri="{BB962C8B-B14F-4D97-AF65-F5344CB8AC3E}">
         <p14:creationId xmlns:p14="http://schemas.microsoft.com/office/powerpoint/2010/main" val="2860857909"/>
+      </p:ext>
+    </p:extLst>
+  </p:cSld>
+  <p:clrMapOvr>
+    <a:masterClrMapping/>
+  </p:clrMapOvr>
+</p:sld>
+</file>
+
+<file path=ppt/slides/slide5.xml><?xml version="1.0" encoding="utf-8"?>
+<p:sld xmlns:a="http://schemas.openxmlformats.org/drawingml/2006/main" xmlns:r="http://schemas.openxmlformats.org/officeDocument/2006/relationships" xmlns:p="http://schemas.openxmlformats.org/presentationml/2006/main">
+  <p:cSld>
+    <p:spTree>
+      <p:nvGrpSpPr>
+        <p:cNvPr id="1" name=""/>
+        <p:cNvGrpSpPr/>
+        <p:nvPr/>
+      </p:nvGrpSpPr>
+      <p:grpSpPr>
+        <a:xfrm>
+          <a:off x="0" y="0"/>
+          <a:ext cx="0" cy="0"/>
+          <a:chOff x="0" y="0"/>
+          <a:chExt cx="0" cy="0"/>
+        </a:xfrm>
+      </p:grpSpPr>
+      <p:sp>
+        <p:nvSpPr>
+          <p:cNvPr id="2" name="Rectangle 1">
+            <a:extLst>
+              <a:ext uri="{FF2B5EF4-FFF2-40B4-BE49-F238E27FC236}">
+                <a16:creationId xmlns:a16="http://schemas.microsoft.com/office/drawing/2014/main" id="{8A497F2E-AA39-4405-BFAE-E121678ECB1F}"/>
+              </a:ext>
+            </a:extLst>
+          </p:cNvPr>
+          <p:cNvSpPr/>
+          <p:nvPr/>
+        </p:nvSpPr>
+        <p:spPr>
+          <a:xfrm>
+            <a:off x="10628417" y="11519065"/>
+            <a:ext cx="7089568" cy="4560125"/>
+          </a:xfrm>
+          <a:prstGeom prst="rect">
+            <a:avLst/>
+          </a:prstGeom>
+          <a:solidFill>
+            <a:schemeClr val="bg1"/>
+          </a:solidFill>
+          <a:ln>
+            <a:solidFill>
+              <a:schemeClr val="bg1"/>
+            </a:solidFill>
+          </a:ln>
+        </p:spPr>
+        <p:style>
+          <a:lnRef idx="2">
+            <a:schemeClr val="accent1">
+              <a:shade val="50000"/>
+            </a:schemeClr>
+          </a:lnRef>
+          <a:fillRef idx="1">
+            <a:schemeClr val="accent1"/>
+          </a:fillRef>
+          <a:effectRef idx="0">
+            <a:schemeClr val="accent1"/>
+          </a:effectRef>
+          <a:fontRef idx="minor">
+            <a:schemeClr val="lt1"/>
+          </a:fontRef>
+        </p:style>
+        <p:txBody>
+          <a:bodyPr rtlCol="0" anchor="ctr"/>
+          <a:lstStyle/>
+          <a:p>
+            <a:pPr algn="ctr"/>
+            <a:endParaRPr lang="en-US"/>
+          </a:p>
+        </p:txBody>
+      </p:sp>
+      <p:pic>
+        <p:nvPicPr>
+          <p:cNvPr id="12" name="Picture 11" descr="Diagram&#10;&#10;Description automatically generated">
+            <a:extLst>
+              <a:ext uri="{FF2B5EF4-FFF2-40B4-BE49-F238E27FC236}">
+                <a16:creationId xmlns:a16="http://schemas.microsoft.com/office/drawing/2014/main" id="{449E358E-77F1-4C3D-8D26-70A4F7C01920}"/>
+              </a:ext>
+            </a:extLst>
+          </p:cNvPr>
+          <p:cNvPicPr>
+            <a:picLocks noChangeAspect="1"/>
+          </p:cNvPicPr>
+          <p:nvPr/>
+        </p:nvPicPr>
+        <p:blipFill>
+          <a:blip r:embed="rId2">
+            <a:extLst>
+              <a:ext uri="{28A0092B-C50C-407E-A947-70E740481C1C}">
+                <a14:useLocalDpi xmlns:a14="http://schemas.microsoft.com/office/drawing/2010/main" val="0"/>
+              </a:ext>
+            </a:extLst>
+          </a:blip>
+          <a:stretch>
+            <a:fillRect/>
+          </a:stretch>
+        </p:blipFill>
+        <p:spPr>
+          <a:xfrm>
+            <a:off x="10712923" y="11682128"/>
+            <a:ext cx="5934903" cy="4067743"/>
+          </a:xfrm>
+          <a:prstGeom prst="rect">
+            <a:avLst/>
+          </a:prstGeom>
+        </p:spPr>
+      </p:pic>
+      <p:cxnSp>
+        <p:nvCxnSpPr>
+          <p:cNvPr id="7" name="Straight Connector 6">
+            <a:extLst>
+              <a:ext uri="{FF2B5EF4-FFF2-40B4-BE49-F238E27FC236}">
+                <a16:creationId xmlns:a16="http://schemas.microsoft.com/office/drawing/2014/main" id="{1304ACC1-2B6D-49DD-B708-788622454AFC}"/>
+              </a:ext>
+            </a:extLst>
+          </p:cNvPr>
+          <p:cNvCxnSpPr>
+            <a:cxnSpLocks/>
+          </p:cNvCxnSpPr>
+          <p:nvPr/>
+        </p:nvCxnSpPr>
+        <p:spPr>
+          <a:xfrm>
+            <a:off x="12349009" y="13145415"/>
+            <a:ext cx="574201" cy="175565"/>
+          </a:xfrm>
+          <a:prstGeom prst="line">
+            <a:avLst/>
+          </a:prstGeom>
+          <a:ln w="19050"/>
+        </p:spPr>
+        <p:style>
+          <a:lnRef idx="1">
+            <a:schemeClr val="dk1"/>
+          </a:lnRef>
+          <a:fillRef idx="0">
+            <a:schemeClr val="dk1"/>
+          </a:fillRef>
+          <a:effectRef idx="0">
+            <a:schemeClr val="dk1"/>
+          </a:effectRef>
+          <a:fontRef idx="minor">
+            <a:schemeClr val="tx1"/>
+          </a:fontRef>
+        </p:style>
+      </p:cxnSp>
+      <p:sp>
+        <p:nvSpPr>
+          <p:cNvPr id="10" name="TextBox 9">
+            <a:extLst>
+              <a:ext uri="{FF2B5EF4-FFF2-40B4-BE49-F238E27FC236}">
+                <a16:creationId xmlns:a16="http://schemas.microsoft.com/office/drawing/2014/main" id="{D14C24E6-F3FA-45F5-91C0-B7DE7AD3BC93}"/>
+              </a:ext>
+            </a:extLst>
+          </p:cNvPr>
+          <p:cNvSpPr txBox="1"/>
+          <p:nvPr/>
+        </p:nvSpPr>
+        <p:spPr>
+          <a:xfrm>
+            <a:off x="15615813" y="14059813"/>
+            <a:ext cx="2034765" cy="923330"/>
+          </a:xfrm>
+          <a:prstGeom prst="rect">
+            <a:avLst/>
+          </a:prstGeom>
+          <a:noFill/>
+        </p:spPr>
+        <p:txBody>
+          <a:bodyPr wrap="square" rtlCol="0">
+            <a:spAutoFit/>
+          </a:bodyPr>
+          <a:lstStyle/>
+          <a:p>
+            <a:pPr marL="285750" indent="-285750">
+              <a:buFont typeface="Arial" panose="020B0604020202020204" pitchFamily="34" charset="0"/>
+              <a:buChar char="•"/>
+            </a:pPr>
+            <a:r>
+              <a:rPr lang="en-US" dirty="0">
+                <a:solidFill>
+                  <a:srgbClr val="0070C0"/>
+                </a:solidFill>
+              </a:rPr>
+              <a:t>Nucleocapsid</a:t>
+            </a:r>
+          </a:p>
+          <a:p>
+            <a:pPr marL="285750" indent="-285750">
+              <a:buFont typeface="Arial" panose="020B0604020202020204" pitchFamily="34" charset="0"/>
+              <a:buChar char="•"/>
+            </a:pPr>
+            <a:r>
+              <a:rPr lang="en-US" dirty="0">
+                <a:solidFill>
+                  <a:srgbClr val="0070C0"/>
+                </a:solidFill>
+              </a:rPr>
+              <a:t>Rep-like protein</a:t>
+            </a:r>
+          </a:p>
+          <a:p>
+            <a:endParaRPr lang="en-US" dirty="0">
+              <a:solidFill>
+                <a:srgbClr val="0070C0"/>
+              </a:solidFill>
+            </a:endParaRPr>
+          </a:p>
+        </p:txBody>
+      </p:sp>
+      <p:sp>
+        <p:nvSpPr>
+          <p:cNvPr id="14" name="TextBox 13">
+            <a:extLst>
+              <a:ext uri="{FF2B5EF4-FFF2-40B4-BE49-F238E27FC236}">
+                <a16:creationId xmlns:a16="http://schemas.microsoft.com/office/drawing/2014/main" id="{064DB039-3253-47FD-9D73-53046E37EB48}"/>
+              </a:ext>
+            </a:extLst>
+          </p:cNvPr>
+          <p:cNvSpPr txBox="1"/>
+          <p:nvPr/>
+        </p:nvSpPr>
+        <p:spPr>
+          <a:xfrm>
+            <a:off x="14287535" y="15641416"/>
+            <a:ext cx="2034765" cy="369332"/>
+          </a:xfrm>
+          <a:prstGeom prst="rect">
+            <a:avLst/>
+          </a:prstGeom>
+          <a:noFill/>
+        </p:spPr>
+        <p:txBody>
+          <a:bodyPr wrap="square" rtlCol="0">
+            <a:spAutoFit/>
+          </a:bodyPr>
+          <a:lstStyle/>
+          <a:p>
+            <a:pPr marL="285750" indent="-285750">
+              <a:buFont typeface="Arial" panose="020B0604020202020204" pitchFamily="34" charset="0"/>
+              <a:buChar char="•"/>
+            </a:pPr>
+            <a:r>
+              <a:rPr lang="en-US" dirty="0">
+                <a:solidFill>
+                  <a:srgbClr val="0070C0"/>
+                </a:solidFill>
+              </a:rPr>
+              <a:t>TAIP</a:t>
+            </a:r>
+          </a:p>
+        </p:txBody>
+      </p:sp>
+      <p:sp>
+        <p:nvSpPr>
+          <p:cNvPr id="6" name="TextBox 5">
+            <a:extLst>
+              <a:ext uri="{FF2B5EF4-FFF2-40B4-BE49-F238E27FC236}">
+                <a16:creationId xmlns:a16="http://schemas.microsoft.com/office/drawing/2014/main" id="{6339F1B8-3B73-46E9-A940-AB78C5D7A56A}"/>
+              </a:ext>
+            </a:extLst>
+          </p:cNvPr>
+          <p:cNvSpPr txBox="1"/>
+          <p:nvPr/>
+        </p:nvSpPr>
+        <p:spPr>
+          <a:xfrm>
+            <a:off x="16123460" y="11682128"/>
+            <a:ext cx="1527118" cy="307777"/>
+          </a:xfrm>
+          <a:prstGeom prst="rect">
+            <a:avLst/>
+          </a:prstGeom>
+          <a:noFill/>
+        </p:spPr>
+        <p:txBody>
+          <a:bodyPr wrap="square" rtlCol="0">
+            <a:spAutoFit/>
+          </a:bodyPr>
+          <a:lstStyle/>
+          <a:p>
+            <a:pPr algn="r"/>
+            <a:r>
+              <a:rPr lang="en-US" sz="1400" dirty="0"/>
+              <a:t>Tan, C. (2021)</a:t>
+            </a:r>
+          </a:p>
+        </p:txBody>
+      </p:sp>
+    </p:spTree>
+    <p:extLst>
+      <p:ext uri="{BB962C8B-B14F-4D97-AF65-F5344CB8AC3E}">
+        <p14:creationId xmlns:p14="http://schemas.microsoft.com/office/powerpoint/2010/main" val="3171672561"/>
       </p:ext>
     </p:extLst>
   </p:cSld>

--- a/workspace/results/plots.pptx
+++ b/workspace/results/plots.pptx
@@ -213,7 +213,7 @@
           <a:p>
             <a:fld id="{F2499265-4902-4D12-9F29-F50D9E7A04F8}" type="datetimeFigureOut">
               <a:rPr lang="en-US" smtClean="0"/>
-              <a:t>1/18/2021</a:t>
+              <a:t>1/20/2021</a:t>
             </a:fld>
             <a:endParaRPr lang="en-US"/>
           </a:p>
@@ -698,7 +698,7 @@
           <a:p>
             <a:fld id="{D33114D3-7C8E-4A85-97DC-A0E08C5E6A03}" type="datetimeFigureOut">
               <a:rPr lang="en-US" smtClean="0"/>
-              <a:t>1/18/2021</a:t>
+              <a:t>1/20/2021</a:t>
             </a:fld>
             <a:endParaRPr lang="en-US"/>
           </a:p>
@@ -868,7 +868,7 @@
           <a:p>
             <a:fld id="{D33114D3-7C8E-4A85-97DC-A0E08C5E6A03}" type="datetimeFigureOut">
               <a:rPr lang="en-US" smtClean="0"/>
-              <a:t>1/18/2021</a:t>
+              <a:t>1/20/2021</a:t>
             </a:fld>
             <a:endParaRPr lang="en-US"/>
           </a:p>
@@ -1048,7 +1048,7 @@
           <a:p>
             <a:fld id="{D33114D3-7C8E-4A85-97DC-A0E08C5E6A03}" type="datetimeFigureOut">
               <a:rPr lang="en-US" smtClean="0"/>
-              <a:t>1/18/2021</a:t>
+              <a:t>1/20/2021</a:t>
             </a:fld>
             <a:endParaRPr lang="en-US"/>
           </a:p>
@@ -1218,7 +1218,7 @@
           <a:p>
             <a:fld id="{D33114D3-7C8E-4A85-97DC-A0E08C5E6A03}" type="datetimeFigureOut">
               <a:rPr lang="en-US" smtClean="0"/>
-              <a:t>1/18/2021</a:t>
+              <a:t>1/20/2021</a:t>
             </a:fld>
             <a:endParaRPr lang="en-US"/>
           </a:p>
@@ -1462,7 +1462,7 @@
           <a:p>
             <a:fld id="{D33114D3-7C8E-4A85-97DC-A0E08C5E6A03}" type="datetimeFigureOut">
               <a:rPr lang="en-US" smtClean="0"/>
-              <a:t>1/18/2021</a:t>
+              <a:t>1/20/2021</a:t>
             </a:fld>
             <a:endParaRPr lang="en-US"/>
           </a:p>
@@ -1694,7 +1694,7 @@
           <a:p>
             <a:fld id="{D33114D3-7C8E-4A85-97DC-A0E08C5E6A03}" type="datetimeFigureOut">
               <a:rPr lang="en-US" smtClean="0"/>
-              <a:t>1/18/2021</a:t>
+              <a:t>1/20/2021</a:t>
             </a:fld>
             <a:endParaRPr lang="en-US"/>
           </a:p>
@@ -2061,7 +2061,7 @@
           <a:p>
             <a:fld id="{D33114D3-7C8E-4A85-97DC-A0E08C5E6A03}" type="datetimeFigureOut">
               <a:rPr lang="en-US" smtClean="0"/>
-              <a:t>1/18/2021</a:t>
+              <a:t>1/20/2021</a:t>
             </a:fld>
             <a:endParaRPr lang="en-US"/>
           </a:p>
@@ -2179,7 +2179,7 @@
           <a:p>
             <a:fld id="{D33114D3-7C8E-4A85-97DC-A0E08C5E6A03}" type="datetimeFigureOut">
               <a:rPr lang="en-US" smtClean="0"/>
-              <a:t>1/18/2021</a:t>
+              <a:t>1/20/2021</a:t>
             </a:fld>
             <a:endParaRPr lang="en-US"/>
           </a:p>
@@ -2274,7 +2274,7 @@
           <a:p>
             <a:fld id="{D33114D3-7C8E-4A85-97DC-A0E08C5E6A03}" type="datetimeFigureOut">
               <a:rPr lang="en-US" smtClean="0"/>
-              <a:t>1/18/2021</a:t>
+              <a:t>1/20/2021</a:t>
             </a:fld>
             <a:endParaRPr lang="en-US"/>
           </a:p>
@@ -2551,7 +2551,7 @@
           <a:p>
             <a:fld id="{D33114D3-7C8E-4A85-97DC-A0E08C5E6A03}" type="datetimeFigureOut">
               <a:rPr lang="en-US" smtClean="0"/>
-              <a:t>1/18/2021</a:t>
+              <a:t>1/20/2021</a:t>
             </a:fld>
             <a:endParaRPr lang="en-US"/>
           </a:p>
@@ -2808,7 +2808,7 @@
           <a:p>
             <a:fld id="{D33114D3-7C8E-4A85-97DC-A0E08C5E6A03}" type="datetimeFigureOut">
               <a:rPr lang="en-US" smtClean="0"/>
-              <a:t>1/18/2021</a:t>
+              <a:t>1/20/2021</a:t>
             </a:fld>
             <a:endParaRPr lang="en-US"/>
           </a:p>
@@ -3021,7 +3021,7 @@
           <a:p>
             <a:fld id="{D33114D3-7C8E-4A85-97DC-A0E08C5E6A03}" type="datetimeFigureOut">
               <a:rPr lang="en-US" smtClean="0"/>
-              <a:t>1/18/2021</a:t>
+              <a:t>1/20/2021</a:t>
             </a:fld>
             <a:endParaRPr lang="en-US"/>
           </a:p>
@@ -8730,8 +8730,8 @@
         </p:nvSpPr>
         <p:spPr>
           <a:xfrm>
-            <a:off x="10628417" y="11519065"/>
-            <a:ext cx="7089568" cy="4560125"/>
+            <a:off x="9834170" y="11519065"/>
+            <a:ext cx="9016119" cy="12088189"/>
           </a:xfrm>
           <a:prstGeom prst="rect">
             <a:avLst/>
@@ -8923,7 +8923,7 @@
         </p:nvSpPr>
         <p:spPr>
           <a:xfrm>
-            <a:off x="14287535" y="15641416"/>
+            <a:off x="14287535" y="15946215"/>
             <a:ext cx="2034765" cy="369332"/>
           </a:xfrm>
           <a:prstGeom prst="rect">
@@ -8966,7 +8966,7 @@
         </p:nvSpPr>
         <p:spPr>
           <a:xfrm>
-            <a:off x="16123460" y="11682128"/>
+            <a:off x="17158657" y="23604276"/>
             <a:ext cx="1527118" cy="307777"/>
           </a:xfrm>
           <a:prstGeom prst="rect">
@@ -8984,6 +8984,2144 @@
             <a:r>
               <a:rPr lang="en-US" sz="1400" dirty="0"/>
               <a:t>Tan, C. (2021)</a:t>
+            </a:r>
+          </a:p>
+        </p:txBody>
+      </p:sp>
+      <p:sp>
+        <p:nvSpPr>
+          <p:cNvPr id="5" name="TextBox 4">
+            <a:extLst>
+              <a:ext uri="{FF2B5EF4-FFF2-40B4-BE49-F238E27FC236}">
+                <a16:creationId xmlns:a16="http://schemas.microsoft.com/office/drawing/2014/main" id="{15E6B6A9-7241-46B9-80F9-6FCDCDD43583}"/>
+              </a:ext>
+            </a:extLst>
+          </p:cNvPr>
+          <p:cNvSpPr txBox="1"/>
+          <p:nvPr/>
+        </p:nvSpPr>
+        <p:spPr>
+          <a:xfrm>
+            <a:off x="9873673" y="17004612"/>
+            <a:ext cx="1348509" cy="369332"/>
+          </a:xfrm>
+          <a:prstGeom prst="rect">
+            <a:avLst/>
+          </a:prstGeom>
+          <a:noFill/>
+        </p:spPr>
+        <p:txBody>
+          <a:bodyPr wrap="square" rtlCol="0">
+            <a:spAutoFit/>
+          </a:bodyPr>
+          <a:lstStyle/>
+          <a:p>
+            <a:r>
+              <a:rPr lang="en-US" dirty="0"/>
+              <a:t>Genome 1</a:t>
+            </a:r>
+          </a:p>
+        </p:txBody>
+      </p:sp>
+      <p:sp>
+        <p:nvSpPr>
+          <p:cNvPr id="11" name="TextBox 10">
+            <a:extLst>
+              <a:ext uri="{FF2B5EF4-FFF2-40B4-BE49-F238E27FC236}">
+                <a16:creationId xmlns:a16="http://schemas.microsoft.com/office/drawing/2014/main" id="{66D0B603-0ACB-4BCD-B16C-3CF20403D7F3}"/>
+              </a:ext>
+            </a:extLst>
+          </p:cNvPr>
+          <p:cNvSpPr txBox="1"/>
+          <p:nvPr/>
+        </p:nvSpPr>
+        <p:spPr>
+          <a:xfrm>
+            <a:off x="9873673" y="18544491"/>
+            <a:ext cx="1348509" cy="369332"/>
+          </a:xfrm>
+          <a:prstGeom prst="rect">
+            <a:avLst/>
+          </a:prstGeom>
+          <a:noFill/>
+        </p:spPr>
+        <p:txBody>
+          <a:bodyPr wrap="square" rtlCol="0">
+            <a:spAutoFit/>
+          </a:bodyPr>
+          <a:lstStyle/>
+          <a:p>
+            <a:r>
+              <a:rPr lang="en-US" dirty="0"/>
+              <a:t>Genome 2</a:t>
+            </a:r>
+          </a:p>
+        </p:txBody>
+      </p:sp>
+      <p:sp>
+        <p:nvSpPr>
+          <p:cNvPr id="13" name="TextBox 12">
+            <a:extLst>
+              <a:ext uri="{FF2B5EF4-FFF2-40B4-BE49-F238E27FC236}">
+                <a16:creationId xmlns:a16="http://schemas.microsoft.com/office/drawing/2014/main" id="{30893D60-42A0-47AF-A756-8AA8AB1007EE}"/>
+              </a:ext>
+            </a:extLst>
+          </p:cNvPr>
+          <p:cNvSpPr txBox="1"/>
+          <p:nvPr/>
+        </p:nvSpPr>
+        <p:spPr>
+          <a:xfrm>
+            <a:off x="9873672" y="19904275"/>
+            <a:ext cx="1348509" cy="369332"/>
+          </a:xfrm>
+          <a:prstGeom prst="rect">
+            <a:avLst/>
+          </a:prstGeom>
+          <a:noFill/>
+        </p:spPr>
+        <p:txBody>
+          <a:bodyPr wrap="square" rtlCol="0">
+            <a:spAutoFit/>
+          </a:bodyPr>
+          <a:lstStyle/>
+          <a:p>
+            <a:r>
+              <a:rPr lang="en-US" dirty="0"/>
+              <a:t>Genome N</a:t>
+            </a:r>
+          </a:p>
+        </p:txBody>
+      </p:sp>
+      <p:sp>
+        <p:nvSpPr>
+          <p:cNvPr id="16" name="TextBox 15">
+            <a:extLst>
+              <a:ext uri="{FF2B5EF4-FFF2-40B4-BE49-F238E27FC236}">
+                <a16:creationId xmlns:a16="http://schemas.microsoft.com/office/drawing/2014/main" id="{BD569039-FC90-4154-BDD3-BA766509BB21}"/>
+              </a:ext>
+            </a:extLst>
+          </p:cNvPr>
+          <p:cNvSpPr txBox="1"/>
+          <p:nvPr/>
+        </p:nvSpPr>
+        <p:spPr>
+          <a:xfrm rot="5400000">
+            <a:off x="9852743" y="19661736"/>
+            <a:ext cx="1348509" cy="369332"/>
+          </a:xfrm>
+          <a:prstGeom prst="rect">
+            <a:avLst/>
+          </a:prstGeom>
+          <a:noFill/>
+        </p:spPr>
+        <p:txBody>
+          <a:bodyPr wrap="square" rtlCol="0">
+            <a:spAutoFit/>
+          </a:bodyPr>
+          <a:lstStyle/>
+          <a:p>
+            <a:r>
+              <a:rPr lang="en-US" dirty="0"/>
+              <a:t>…</a:t>
+            </a:r>
+          </a:p>
+        </p:txBody>
+      </p:sp>
+      <p:pic>
+        <p:nvPicPr>
+          <p:cNvPr id="20" name="Picture 19">
+            <a:extLst>
+              <a:ext uri="{FF2B5EF4-FFF2-40B4-BE49-F238E27FC236}">
+                <a16:creationId xmlns:a16="http://schemas.microsoft.com/office/drawing/2014/main" id="{670A9496-8451-45D1-84C1-86735006E86B}"/>
+              </a:ext>
+            </a:extLst>
+          </p:cNvPr>
+          <p:cNvPicPr>
+            <a:picLocks noChangeAspect="1"/>
+          </p:cNvPicPr>
+          <p:nvPr/>
+        </p:nvPicPr>
+        <p:blipFill>
+          <a:blip r:embed="rId3"/>
+          <a:stretch>
+            <a:fillRect/>
+          </a:stretch>
+        </p:blipFill>
+        <p:spPr>
+          <a:xfrm>
+            <a:off x="11838646" y="17316099"/>
+            <a:ext cx="1371600" cy="200025"/>
+          </a:xfrm>
+          <a:prstGeom prst="rect">
+            <a:avLst/>
+          </a:prstGeom>
+        </p:spPr>
+      </p:pic>
+      <p:pic>
+        <p:nvPicPr>
+          <p:cNvPr id="22" name="Picture 21">
+            <a:extLst>
+              <a:ext uri="{FF2B5EF4-FFF2-40B4-BE49-F238E27FC236}">
+                <a16:creationId xmlns:a16="http://schemas.microsoft.com/office/drawing/2014/main" id="{775BABAB-B2E3-4CD4-A53F-5A378A6360F2}"/>
+              </a:ext>
+            </a:extLst>
+          </p:cNvPr>
+          <p:cNvPicPr>
+            <a:picLocks noChangeAspect="1"/>
+          </p:cNvPicPr>
+          <p:nvPr/>
+        </p:nvPicPr>
+        <p:blipFill>
+          <a:blip r:embed="rId4"/>
+          <a:stretch>
+            <a:fillRect/>
+          </a:stretch>
+        </p:blipFill>
+        <p:spPr>
+          <a:xfrm>
+            <a:off x="14561102" y="17083724"/>
+            <a:ext cx="1914525" cy="200025"/>
+          </a:xfrm>
+          <a:prstGeom prst="rect">
+            <a:avLst/>
+          </a:prstGeom>
+        </p:spPr>
+      </p:pic>
+      <p:pic>
+        <p:nvPicPr>
+          <p:cNvPr id="24" name="Picture 23">
+            <a:extLst>
+              <a:ext uri="{FF2B5EF4-FFF2-40B4-BE49-F238E27FC236}">
+                <a16:creationId xmlns:a16="http://schemas.microsoft.com/office/drawing/2014/main" id="{9391D18F-DCCC-440A-8AC7-09438769A96B}"/>
+              </a:ext>
+            </a:extLst>
+          </p:cNvPr>
+          <p:cNvPicPr>
+            <a:picLocks noChangeAspect="1"/>
+          </p:cNvPicPr>
+          <p:nvPr/>
+        </p:nvPicPr>
+        <p:blipFill>
+          <a:blip r:embed="rId5"/>
+          <a:stretch>
+            <a:fillRect/>
+          </a:stretch>
+        </p:blipFill>
+        <p:spPr>
+          <a:xfrm>
+            <a:off x="13412119" y="17306574"/>
+            <a:ext cx="1895475" cy="209550"/>
+          </a:xfrm>
+          <a:prstGeom prst="rect">
+            <a:avLst/>
+          </a:prstGeom>
+        </p:spPr>
+      </p:pic>
+      <p:grpSp>
+        <p:nvGrpSpPr>
+          <p:cNvPr id="29" name="Group 28">
+            <a:extLst>
+              <a:ext uri="{FF2B5EF4-FFF2-40B4-BE49-F238E27FC236}">
+                <a16:creationId xmlns:a16="http://schemas.microsoft.com/office/drawing/2014/main" id="{E09DD6B7-B171-4220-AAC3-A45CDCE12535}"/>
+              </a:ext>
+            </a:extLst>
+          </p:cNvPr>
+          <p:cNvGrpSpPr/>
+          <p:nvPr/>
+        </p:nvGrpSpPr>
+        <p:grpSpPr>
+          <a:xfrm>
+            <a:off x="12331316" y="17627023"/>
+            <a:ext cx="3003321" cy="200025"/>
+            <a:chOff x="12649707" y="16517144"/>
+            <a:chExt cx="3003321" cy="200025"/>
+          </a:xfrm>
+        </p:grpSpPr>
+        <p:pic>
+          <p:nvPicPr>
+            <p:cNvPr id="26" name="Picture 25">
+              <a:extLst>
+                <a:ext uri="{FF2B5EF4-FFF2-40B4-BE49-F238E27FC236}">
+                  <a16:creationId xmlns:a16="http://schemas.microsoft.com/office/drawing/2014/main" id="{D330FB4F-497E-45C6-B87F-EF4AD8EA3881}"/>
+                </a:ext>
+              </a:extLst>
+            </p:cNvPr>
+            <p:cNvPicPr>
+              <a:picLocks noChangeAspect="1"/>
+            </p:cNvPicPr>
+            <p:nvPr/>
+          </p:nvPicPr>
+          <p:blipFill>
+            <a:blip r:embed="rId6"/>
+            <a:stretch>
+              <a:fillRect/>
+            </a:stretch>
+          </p:blipFill>
+          <p:spPr>
+            <a:xfrm>
+              <a:off x="12986028" y="16525372"/>
+              <a:ext cx="2667000" cy="190500"/>
+            </a:xfrm>
+            <a:prstGeom prst="rect">
+              <a:avLst/>
+            </a:prstGeom>
+          </p:spPr>
+        </p:pic>
+        <p:pic>
+          <p:nvPicPr>
+            <p:cNvPr id="28" name="Picture 27">
+              <a:extLst>
+                <a:ext uri="{FF2B5EF4-FFF2-40B4-BE49-F238E27FC236}">
+                  <a16:creationId xmlns:a16="http://schemas.microsoft.com/office/drawing/2014/main" id="{EAB9D6DA-EA41-4E91-8D43-0C1F65D86A3A}"/>
+                </a:ext>
+              </a:extLst>
+            </p:cNvPr>
+            <p:cNvPicPr>
+              <a:picLocks noChangeAspect="1"/>
+            </p:cNvPicPr>
+            <p:nvPr/>
+          </p:nvPicPr>
+          <p:blipFill>
+            <a:blip r:embed="rId7"/>
+            <a:stretch>
+              <a:fillRect/>
+            </a:stretch>
+          </p:blipFill>
+          <p:spPr>
+            <a:xfrm>
+              <a:off x="12649707" y="16517144"/>
+              <a:ext cx="371475" cy="200025"/>
+            </a:xfrm>
+            <a:prstGeom prst="rect">
+              <a:avLst/>
+            </a:prstGeom>
+          </p:spPr>
+        </p:pic>
+      </p:grpSp>
+      <p:sp>
+        <p:nvSpPr>
+          <p:cNvPr id="31" name="Rectangle 30">
+            <a:extLst>
+              <a:ext uri="{FF2B5EF4-FFF2-40B4-BE49-F238E27FC236}">
+                <a16:creationId xmlns:a16="http://schemas.microsoft.com/office/drawing/2014/main" id="{071130D2-08A1-4E71-A30F-BE8E43E71AA6}"/>
+              </a:ext>
+            </a:extLst>
+          </p:cNvPr>
+          <p:cNvSpPr/>
+          <p:nvPr/>
+        </p:nvSpPr>
+        <p:spPr>
+          <a:xfrm>
+            <a:off x="13696121" y="17004612"/>
+            <a:ext cx="848139" cy="905365"/>
+          </a:xfrm>
+          <a:prstGeom prst="rect">
+            <a:avLst/>
+          </a:prstGeom>
+          <a:solidFill>
+            <a:schemeClr val="bg2">
+              <a:lumMod val="90000"/>
+              <a:alpha val="35000"/>
+            </a:schemeClr>
+          </a:solidFill>
+          <a:ln w="19050">
+            <a:solidFill>
+              <a:schemeClr val="tx1"/>
+            </a:solidFill>
+          </a:ln>
+        </p:spPr>
+        <p:style>
+          <a:lnRef idx="2">
+            <a:schemeClr val="accent1">
+              <a:shade val="50000"/>
+            </a:schemeClr>
+          </a:lnRef>
+          <a:fillRef idx="1">
+            <a:schemeClr val="accent1"/>
+          </a:fillRef>
+          <a:effectRef idx="0">
+            <a:schemeClr val="accent1"/>
+          </a:effectRef>
+          <a:fontRef idx="minor">
+            <a:schemeClr val="lt1"/>
+          </a:fontRef>
+        </p:style>
+        <p:txBody>
+          <a:bodyPr rtlCol="0" anchor="ctr"/>
+          <a:lstStyle/>
+          <a:p>
+            <a:pPr algn="ctr"/>
+            <a:endParaRPr lang="en-US"/>
+          </a:p>
+        </p:txBody>
+      </p:sp>
+      <p:sp>
+        <p:nvSpPr>
+          <p:cNvPr id="32" name="Rectangle 31">
+            <a:extLst>
+              <a:ext uri="{FF2B5EF4-FFF2-40B4-BE49-F238E27FC236}">
+                <a16:creationId xmlns:a16="http://schemas.microsoft.com/office/drawing/2014/main" id="{2DFD2445-4F9C-412C-A219-5C21129C4466}"/>
+              </a:ext>
+            </a:extLst>
+          </p:cNvPr>
+          <p:cNvSpPr/>
+          <p:nvPr/>
+        </p:nvSpPr>
+        <p:spPr>
+          <a:xfrm>
+            <a:off x="12476585" y="17001628"/>
+            <a:ext cx="256883" cy="905365"/>
+          </a:xfrm>
+          <a:prstGeom prst="rect">
+            <a:avLst/>
+          </a:prstGeom>
+          <a:solidFill>
+            <a:schemeClr val="bg2">
+              <a:lumMod val="90000"/>
+              <a:alpha val="35000"/>
+            </a:schemeClr>
+          </a:solidFill>
+          <a:ln w="19050">
+            <a:solidFill>
+              <a:schemeClr val="tx1"/>
+            </a:solidFill>
+          </a:ln>
+        </p:spPr>
+        <p:style>
+          <a:lnRef idx="2">
+            <a:schemeClr val="accent1">
+              <a:shade val="50000"/>
+            </a:schemeClr>
+          </a:lnRef>
+          <a:fillRef idx="1">
+            <a:schemeClr val="accent1"/>
+          </a:fillRef>
+          <a:effectRef idx="0">
+            <a:schemeClr val="accent1"/>
+          </a:effectRef>
+          <a:fontRef idx="minor">
+            <a:schemeClr val="lt1"/>
+          </a:fontRef>
+        </p:style>
+        <p:txBody>
+          <a:bodyPr rtlCol="0" anchor="ctr"/>
+          <a:lstStyle/>
+          <a:p>
+            <a:pPr algn="ctr"/>
+            <a:endParaRPr lang="en-US"/>
+          </a:p>
+        </p:txBody>
+      </p:sp>
+      <p:sp>
+        <p:nvSpPr>
+          <p:cNvPr id="33" name="Rectangle 32">
+            <a:extLst>
+              <a:ext uri="{FF2B5EF4-FFF2-40B4-BE49-F238E27FC236}">
+                <a16:creationId xmlns:a16="http://schemas.microsoft.com/office/drawing/2014/main" id="{E025541D-E055-4392-BC7C-17ADAC05F64E}"/>
+              </a:ext>
+            </a:extLst>
+          </p:cNvPr>
+          <p:cNvSpPr/>
+          <p:nvPr/>
+        </p:nvSpPr>
+        <p:spPr>
+          <a:xfrm>
+            <a:off x="13081804" y="17001628"/>
+            <a:ext cx="330315" cy="905365"/>
+          </a:xfrm>
+          <a:prstGeom prst="rect">
+            <a:avLst/>
+          </a:prstGeom>
+          <a:solidFill>
+            <a:schemeClr val="bg2">
+              <a:lumMod val="90000"/>
+              <a:alpha val="35000"/>
+            </a:schemeClr>
+          </a:solidFill>
+          <a:ln w="19050">
+            <a:solidFill>
+              <a:schemeClr val="tx1"/>
+            </a:solidFill>
+          </a:ln>
+        </p:spPr>
+        <p:style>
+          <a:lnRef idx="2">
+            <a:schemeClr val="accent1">
+              <a:shade val="50000"/>
+            </a:schemeClr>
+          </a:lnRef>
+          <a:fillRef idx="1">
+            <a:schemeClr val="accent1"/>
+          </a:fillRef>
+          <a:effectRef idx="0">
+            <a:schemeClr val="accent1"/>
+          </a:effectRef>
+          <a:fontRef idx="minor">
+            <a:schemeClr val="lt1"/>
+          </a:fontRef>
+        </p:style>
+        <p:txBody>
+          <a:bodyPr rtlCol="0" anchor="ctr"/>
+          <a:lstStyle/>
+          <a:p>
+            <a:pPr algn="ctr"/>
+            <a:endParaRPr lang="en-US"/>
+          </a:p>
+        </p:txBody>
+      </p:sp>
+      <p:sp>
+        <p:nvSpPr>
+          <p:cNvPr id="34" name="TextBox 33">
+            <a:extLst>
+              <a:ext uri="{FF2B5EF4-FFF2-40B4-BE49-F238E27FC236}">
+                <a16:creationId xmlns:a16="http://schemas.microsoft.com/office/drawing/2014/main" id="{63AE3436-0653-4C22-AEC7-FE2952CDD4C4}"/>
+              </a:ext>
+            </a:extLst>
+          </p:cNvPr>
+          <p:cNvSpPr txBox="1"/>
+          <p:nvPr/>
+        </p:nvSpPr>
+        <p:spPr>
+          <a:xfrm>
+            <a:off x="10017115" y="16457941"/>
+            <a:ext cx="2835965" cy="369332"/>
+          </a:xfrm>
+          <a:prstGeom prst="rect">
+            <a:avLst/>
+          </a:prstGeom>
+          <a:noFill/>
+          <a:ln w="31750">
+            <a:solidFill>
+              <a:schemeClr val="tx1"/>
+            </a:solidFill>
+          </a:ln>
+        </p:spPr>
+        <p:txBody>
+          <a:bodyPr wrap="square" rtlCol="0">
+            <a:spAutoFit/>
+          </a:bodyPr>
+          <a:lstStyle/>
+          <a:p>
+            <a:pPr algn="ctr"/>
+            <a:r>
+              <a:rPr lang="en-US" b="1" dirty="0"/>
+              <a:t>‘Core’ Genome Extraction</a:t>
+            </a:r>
+          </a:p>
+        </p:txBody>
+      </p:sp>
+      <p:pic>
+        <p:nvPicPr>
+          <p:cNvPr id="43" name="Picture 42">
+            <a:extLst>
+              <a:ext uri="{FF2B5EF4-FFF2-40B4-BE49-F238E27FC236}">
+                <a16:creationId xmlns:a16="http://schemas.microsoft.com/office/drawing/2014/main" id="{3B744111-4763-4292-A6F6-4DC8CCFF93D9}"/>
+              </a:ext>
+            </a:extLst>
+          </p:cNvPr>
+          <p:cNvPicPr>
+            <a:picLocks noChangeAspect="1"/>
+          </p:cNvPicPr>
+          <p:nvPr/>
+        </p:nvPicPr>
+        <p:blipFill>
+          <a:blip r:embed="rId3"/>
+          <a:stretch>
+            <a:fillRect/>
+          </a:stretch>
+        </p:blipFill>
+        <p:spPr>
+          <a:xfrm>
+            <a:off x="11273594" y="18518691"/>
+            <a:ext cx="1371600" cy="200025"/>
+          </a:xfrm>
+          <a:prstGeom prst="rect">
+            <a:avLst/>
+          </a:prstGeom>
+        </p:spPr>
+      </p:pic>
+      <p:pic>
+        <p:nvPicPr>
+          <p:cNvPr id="44" name="Picture 43">
+            <a:extLst>
+              <a:ext uri="{FF2B5EF4-FFF2-40B4-BE49-F238E27FC236}">
+                <a16:creationId xmlns:a16="http://schemas.microsoft.com/office/drawing/2014/main" id="{1A79E8DE-31C6-4072-9175-CA7E232C5C71}"/>
+              </a:ext>
+            </a:extLst>
+          </p:cNvPr>
+          <p:cNvPicPr>
+            <a:picLocks noChangeAspect="1"/>
+          </p:cNvPicPr>
+          <p:nvPr/>
+        </p:nvPicPr>
+        <p:blipFill>
+          <a:blip r:embed="rId5"/>
+          <a:stretch>
+            <a:fillRect/>
+          </a:stretch>
+        </p:blipFill>
+        <p:spPr>
+          <a:xfrm>
+            <a:off x="14066269" y="18509166"/>
+            <a:ext cx="1895475" cy="209550"/>
+          </a:xfrm>
+          <a:prstGeom prst="rect">
+            <a:avLst/>
+          </a:prstGeom>
+        </p:spPr>
+      </p:pic>
+      <p:grpSp>
+        <p:nvGrpSpPr>
+          <p:cNvPr id="45" name="Group 44">
+            <a:extLst>
+              <a:ext uri="{FF2B5EF4-FFF2-40B4-BE49-F238E27FC236}">
+                <a16:creationId xmlns:a16="http://schemas.microsoft.com/office/drawing/2014/main" id="{1AA28FDE-1851-4CA4-8C2E-BD36AF0F21B7}"/>
+              </a:ext>
+            </a:extLst>
+          </p:cNvPr>
+          <p:cNvGrpSpPr/>
+          <p:nvPr/>
+        </p:nvGrpSpPr>
+        <p:grpSpPr>
+          <a:xfrm>
+            <a:off x="12329686" y="18829615"/>
+            <a:ext cx="3003321" cy="200025"/>
+            <a:chOff x="12649707" y="16517144"/>
+            <a:chExt cx="3003321" cy="200025"/>
+          </a:xfrm>
+        </p:grpSpPr>
+        <p:pic>
+          <p:nvPicPr>
+            <p:cNvPr id="46" name="Picture 45">
+              <a:extLst>
+                <a:ext uri="{FF2B5EF4-FFF2-40B4-BE49-F238E27FC236}">
+                  <a16:creationId xmlns:a16="http://schemas.microsoft.com/office/drawing/2014/main" id="{992DAA86-A676-4F2D-94B8-6CF62D872410}"/>
+                </a:ext>
+              </a:extLst>
+            </p:cNvPr>
+            <p:cNvPicPr>
+              <a:picLocks noChangeAspect="1"/>
+            </p:cNvPicPr>
+            <p:nvPr/>
+          </p:nvPicPr>
+          <p:blipFill>
+            <a:blip r:embed="rId6"/>
+            <a:stretch>
+              <a:fillRect/>
+            </a:stretch>
+          </p:blipFill>
+          <p:spPr>
+            <a:xfrm>
+              <a:off x="12986028" y="16525372"/>
+              <a:ext cx="2667000" cy="190500"/>
+            </a:xfrm>
+            <a:prstGeom prst="rect">
+              <a:avLst/>
+            </a:prstGeom>
+          </p:spPr>
+        </p:pic>
+        <p:pic>
+          <p:nvPicPr>
+            <p:cNvPr id="47" name="Picture 46">
+              <a:extLst>
+                <a:ext uri="{FF2B5EF4-FFF2-40B4-BE49-F238E27FC236}">
+                  <a16:creationId xmlns:a16="http://schemas.microsoft.com/office/drawing/2014/main" id="{3020CF69-D956-4A33-A654-179449E330A2}"/>
+                </a:ext>
+              </a:extLst>
+            </p:cNvPr>
+            <p:cNvPicPr>
+              <a:picLocks noChangeAspect="1"/>
+            </p:cNvPicPr>
+            <p:nvPr/>
+          </p:nvPicPr>
+          <p:blipFill>
+            <a:blip r:embed="rId7"/>
+            <a:stretch>
+              <a:fillRect/>
+            </a:stretch>
+          </p:blipFill>
+          <p:spPr>
+            <a:xfrm>
+              <a:off x="12649707" y="16517144"/>
+              <a:ext cx="371475" cy="200025"/>
+            </a:xfrm>
+            <a:prstGeom prst="rect">
+              <a:avLst/>
+            </a:prstGeom>
+          </p:spPr>
+        </p:pic>
+      </p:grpSp>
+      <p:sp>
+        <p:nvSpPr>
+          <p:cNvPr id="48" name="Rectangle 47">
+            <a:extLst>
+              <a:ext uri="{FF2B5EF4-FFF2-40B4-BE49-F238E27FC236}">
+                <a16:creationId xmlns:a16="http://schemas.microsoft.com/office/drawing/2014/main" id="{7CC01E8B-D815-4EF7-AFF6-C48585267D37}"/>
+              </a:ext>
+            </a:extLst>
+          </p:cNvPr>
+          <p:cNvSpPr/>
+          <p:nvPr/>
+        </p:nvSpPr>
+        <p:spPr>
+          <a:xfrm>
+            <a:off x="14276094" y="18262785"/>
+            <a:ext cx="848139" cy="905365"/>
+          </a:xfrm>
+          <a:prstGeom prst="rect">
+            <a:avLst/>
+          </a:prstGeom>
+          <a:solidFill>
+            <a:schemeClr val="bg2">
+              <a:lumMod val="90000"/>
+              <a:alpha val="35000"/>
+            </a:schemeClr>
+          </a:solidFill>
+          <a:ln w="19050">
+            <a:solidFill>
+              <a:schemeClr val="tx1"/>
+            </a:solidFill>
+          </a:ln>
+        </p:spPr>
+        <p:style>
+          <a:lnRef idx="2">
+            <a:schemeClr val="accent1">
+              <a:shade val="50000"/>
+            </a:schemeClr>
+          </a:lnRef>
+          <a:fillRef idx="1">
+            <a:schemeClr val="accent1"/>
+          </a:fillRef>
+          <a:effectRef idx="0">
+            <a:schemeClr val="accent1"/>
+          </a:effectRef>
+          <a:fontRef idx="minor">
+            <a:schemeClr val="lt1"/>
+          </a:fontRef>
+        </p:style>
+        <p:txBody>
+          <a:bodyPr rtlCol="0" anchor="ctr"/>
+          <a:lstStyle/>
+          <a:p>
+            <a:pPr algn="ctr"/>
+            <a:endParaRPr lang="en-US"/>
+          </a:p>
+        </p:txBody>
+      </p:sp>
+      <p:sp>
+        <p:nvSpPr>
+          <p:cNvPr id="49" name="Rectangle 48">
+            <a:extLst>
+              <a:ext uri="{FF2B5EF4-FFF2-40B4-BE49-F238E27FC236}">
+                <a16:creationId xmlns:a16="http://schemas.microsoft.com/office/drawing/2014/main" id="{0DFEB29B-2385-4A1C-8931-1FF6861AB1C6}"/>
+              </a:ext>
+            </a:extLst>
+          </p:cNvPr>
+          <p:cNvSpPr/>
+          <p:nvPr/>
+        </p:nvSpPr>
+        <p:spPr>
+          <a:xfrm>
+            <a:off x="11778907" y="18216778"/>
+            <a:ext cx="256883" cy="905365"/>
+          </a:xfrm>
+          <a:prstGeom prst="rect">
+            <a:avLst/>
+          </a:prstGeom>
+          <a:solidFill>
+            <a:schemeClr val="bg2">
+              <a:lumMod val="90000"/>
+              <a:alpha val="35000"/>
+            </a:schemeClr>
+          </a:solidFill>
+          <a:ln w="19050">
+            <a:solidFill>
+              <a:schemeClr val="tx1"/>
+            </a:solidFill>
+          </a:ln>
+        </p:spPr>
+        <p:style>
+          <a:lnRef idx="2">
+            <a:schemeClr val="accent1">
+              <a:shade val="50000"/>
+            </a:schemeClr>
+          </a:lnRef>
+          <a:fillRef idx="1">
+            <a:schemeClr val="accent1"/>
+          </a:fillRef>
+          <a:effectRef idx="0">
+            <a:schemeClr val="accent1"/>
+          </a:effectRef>
+          <a:fontRef idx="minor">
+            <a:schemeClr val="lt1"/>
+          </a:fontRef>
+        </p:style>
+        <p:txBody>
+          <a:bodyPr rtlCol="0" anchor="ctr"/>
+          <a:lstStyle/>
+          <a:p>
+            <a:pPr algn="ctr"/>
+            <a:endParaRPr lang="en-US"/>
+          </a:p>
+        </p:txBody>
+      </p:sp>
+      <p:sp>
+        <p:nvSpPr>
+          <p:cNvPr id="51" name="Rectangle 50">
+            <a:extLst>
+              <a:ext uri="{FF2B5EF4-FFF2-40B4-BE49-F238E27FC236}">
+                <a16:creationId xmlns:a16="http://schemas.microsoft.com/office/drawing/2014/main" id="{47DA9CBB-727E-41BC-A3C5-538B11CCA266}"/>
+              </a:ext>
+            </a:extLst>
+          </p:cNvPr>
+          <p:cNvSpPr/>
+          <p:nvPr/>
+        </p:nvSpPr>
+        <p:spPr>
+          <a:xfrm>
+            <a:off x="12522765" y="18212123"/>
+            <a:ext cx="330315" cy="905365"/>
+          </a:xfrm>
+          <a:prstGeom prst="rect">
+            <a:avLst/>
+          </a:prstGeom>
+          <a:solidFill>
+            <a:schemeClr val="bg2">
+              <a:lumMod val="90000"/>
+              <a:alpha val="35000"/>
+            </a:schemeClr>
+          </a:solidFill>
+          <a:ln w="19050">
+            <a:solidFill>
+              <a:schemeClr val="tx1"/>
+            </a:solidFill>
+          </a:ln>
+        </p:spPr>
+        <p:style>
+          <a:lnRef idx="2">
+            <a:schemeClr val="accent1">
+              <a:shade val="50000"/>
+            </a:schemeClr>
+          </a:lnRef>
+          <a:fillRef idx="1">
+            <a:schemeClr val="accent1"/>
+          </a:fillRef>
+          <a:effectRef idx="0">
+            <a:schemeClr val="accent1"/>
+          </a:effectRef>
+          <a:fontRef idx="minor">
+            <a:schemeClr val="lt1"/>
+          </a:fontRef>
+        </p:style>
+        <p:txBody>
+          <a:bodyPr rtlCol="0" anchor="ctr"/>
+          <a:lstStyle/>
+          <a:p>
+            <a:pPr algn="ctr"/>
+            <a:endParaRPr lang="en-US"/>
+          </a:p>
+        </p:txBody>
+      </p:sp>
+      <p:pic>
+        <p:nvPicPr>
+          <p:cNvPr id="52" name="Picture 51">
+            <a:extLst>
+              <a:ext uri="{FF2B5EF4-FFF2-40B4-BE49-F238E27FC236}">
+                <a16:creationId xmlns:a16="http://schemas.microsoft.com/office/drawing/2014/main" id="{008E21E1-1383-4941-8A22-B81C8F42A803}"/>
+              </a:ext>
+            </a:extLst>
+          </p:cNvPr>
+          <p:cNvPicPr>
+            <a:picLocks noChangeAspect="1"/>
+          </p:cNvPicPr>
+          <p:nvPr/>
+        </p:nvPicPr>
+        <p:blipFill>
+          <a:blip r:embed="rId3"/>
+          <a:stretch>
+            <a:fillRect/>
+          </a:stretch>
+        </p:blipFill>
+        <p:spPr>
+          <a:xfrm>
+            <a:off x="11273594" y="19882618"/>
+            <a:ext cx="1371600" cy="200025"/>
+          </a:xfrm>
+          <a:prstGeom prst="rect">
+            <a:avLst/>
+          </a:prstGeom>
+        </p:spPr>
+      </p:pic>
+      <p:pic>
+        <p:nvPicPr>
+          <p:cNvPr id="53" name="Picture 52">
+            <a:extLst>
+              <a:ext uri="{FF2B5EF4-FFF2-40B4-BE49-F238E27FC236}">
+                <a16:creationId xmlns:a16="http://schemas.microsoft.com/office/drawing/2014/main" id="{8BE82AC9-6773-4054-B445-03DAD0C5BD12}"/>
+              </a:ext>
+            </a:extLst>
+          </p:cNvPr>
+          <p:cNvPicPr>
+            <a:picLocks noChangeAspect="1"/>
+          </p:cNvPicPr>
+          <p:nvPr/>
+        </p:nvPicPr>
+        <p:blipFill>
+          <a:blip r:embed="rId5"/>
+          <a:stretch>
+            <a:fillRect/>
+          </a:stretch>
+        </p:blipFill>
+        <p:spPr>
+          <a:xfrm>
+            <a:off x="14885498" y="19851434"/>
+            <a:ext cx="1895475" cy="209550"/>
+          </a:xfrm>
+          <a:prstGeom prst="rect">
+            <a:avLst/>
+          </a:prstGeom>
+        </p:spPr>
+      </p:pic>
+      <p:grpSp>
+        <p:nvGrpSpPr>
+          <p:cNvPr id="54" name="Group 53">
+            <a:extLst>
+              <a:ext uri="{FF2B5EF4-FFF2-40B4-BE49-F238E27FC236}">
+                <a16:creationId xmlns:a16="http://schemas.microsoft.com/office/drawing/2014/main" id="{F03C811D-282A-4F27-BB5F-62BC8C758BCB}"/>
+              </a:ext>
+            </a:extLst>
+          </p:cNvPr>
+          <p:cNvGrpSpPr/>
+          <p:nvPr/>
+        </p:nvGrpSpPr>
+        <p:grpSpPr>
+          <a:xfrm>
+            <a:off x="12746375" y="20193542"/>
+            <a:ext cx="3003321" cy="200025"/>
+            <a:chOff x="12649707" y="16517144"/>
+            <a:chExt cx="3003321" cy="200025"/>
+          </a:xfrm>
+        </p:grpSpPr>
+        <p:pic>
+          <p:nvPicPr>
+            <p:cNvPr id="55" name="Picture 54">
+              <a:extLst>
+                <a:ext uri="{FF2B5EF4-FFF2-40B4-BE49-F238E27FC236}">
+                  <a16:creationId xmlns:a16="http://schemas.microsoft.com/office/drawing/2014/main" id="{627F977A-818D-40FF-820C-91D321B6784B}"/>
+                </a:ext>
+              </a:extLst>
+            </p:cNvPr>
+            <p:cNvPicPr>
+              <a:picLocks noChangeAspect="1"/>
+            </p:cNvPicPr>
+            <p:nvPr/>
+          </p:nvPicPr>
+          <p:blipFill>
+            <a:blip r:embed="rId6"/>
+            <a:stretch>
+              <a:fillRect/>
+            </a:stretch>
+          </p:blipFill>
+          <p:spPr>
+            <a:xfrm>
+              <a:off x="12986028" y="16525372"/>
+              <a:ext cx="2667000" cy="190500"/>
+            </a:xfrm>
+            <a:prstGeom prst="rect">
+              <a:avLst/>
+            </a:prstGeom>
+          </p:spPr>
+        </p:pic>
+        <p:pic>
+          <p:nvPicPr>
+            <p:cNvPr id="56" name="Picture 55">
+              <a:extLst>
+                <a:ext uri="{FF2B5EF4-FFF2-40B4-BE49-F238E27FC236}">
+                  <a16:creationId xmlns:a16="http://schemas.microsoft.com/office/drawing/2014/main" id="{BB8EAB03-1820-4C1F-8AE3-3C310EEA2FCB}"/>
+                </a:ext>
+              </a:extLst>
+            </p:cNvPr>
+            <p:cNvPicPr>
+              <a:picLocks noChangeAspect="1"/>
+            </p:cNvPicPr>
+            <p:nvPr/>
+          </p:nvPicPr>
+          <p:blipFill>
+            <a:blip r:embed="rId7"/>
+            <a:stretch>
+              <a:fillRect/>
+            </a:stretch>
+          </p:blipFill>
+          <p:spPr>
+            <a:xfrm>
+              <a:off x="12649707" y="16517144"/>
+              <a:ext cx="371475" cy="200025"/>
+            </a:xfrm>
+            <a:prstGeom prst="rect">
+              <a:avLst/>
+            </a:prstGeom>
+          </p:spPr>
+        </p:pic>
+      </p:grpSp>
+      <p:sp>
+        <p:nvSpPr>
+          <p:cNvPr id="57" name="Rectangle 56">
+            <a:extLst>
+              <a:ext uri="{FF2B5EF4-FFF2-40B4-BE49-F238E27FC236}">
+                <a16:creationId xmlns:a16="http://schemas.microsoft.com/office/drawing/2014/main" id="{C7261CD5-B3AE-46D4-86EC-2921B64EFE5B}"/>
+              </a:ext>
+            </a:extLst>
+          </p:cNvPr>
+          <p:cNvSpPr/>
+          <p:nvPr/>
+        </p:nvSpPr>
+        <p:spPr>
+          <a:xfrm>
+            <a:off x="14692783" y="19603562"/>
+            <a:ext cx="848139" cy="905365"/>
+          </a:xfrm>
+          <a:prstGeom prst="rect">
+            <a:avLst/>
+          </a:prstGeom>
+          <a:solidFill>
+            <a:schemeClr val="bg2">
+              <a:lumMod val="90000"/>
+              <a:alpha val="35000"/>
+            </a:schemeClr>
+          </a:solidFill>
+          <a:ln w="19050">
+            <a:solidFill>
+              <a:schemeClr val="tx1"/>
+            </a:solidFill>
+          </a:ln>
+        </p:spPr>
+        <p:style>
+          <a:lnRef idx="2">
+            <a:schemeClr val="accent1">
+              <a:shade val="50000"/>
+            </a:schemeClr>
+          </a:lnRef>
+          <a:fillRef idx="1">
+            <a:schemeClr val="accent1"/>
+          </a:fillRef>
+          <a:effectRef idx="0">
+            <a:schemeClr val="accent1"/>
+          </a:effectRef>
+          <a:fontRef idx="minor">
+            <a:schemeClr val="lt1"/>
+          </a:fontRef>
+        </p:style>
+        <p:txBody>
+          <a:bodyPr rtlCol="0" anchor="ctr"/>
+          <a:lstStyle/>
+          <a:p>
+            <a:pPr algn="ctr"/>
+            <a:endParaRPr lang="en-US"/>
+          </a:p>
+        </p:txBody>
+      </p:sp>
+      <p:sp>
+        <p:nvSpPr>
+          <p:cNvPr id="58" name="Rectangle 57">
+            <a:extLst>
+              <a:ext uri="{FF2B5EF4-FFF2-40B4-BE49-F238E27FC236}">
+                <a16:creationId xmlns:a16="http://schemas.microsoft.com/office/drawing/2014/main" id="{863E0590-7FB1-4CA9-AF8D-47310301CE0D}"/>
+              </a:ext>
+            </a:extLst>
+          </p:cNvPr>
+          <p:cNvSpPr/>
+          <p:nvPr/>
+        </p:nvSpPr>
+        <p:spPr>
+          <a:xfrm>
+            <a:off x="11584509" y="19591986"/>
+            <a:ext cx="256883" cy="905365"/>
+          </a:xfrm>
+          <a:prstGeom prst="rect">
+            <a:avLst/>
+          </a:prstGeom>
+          <a:solidFill>
+            <a:schemeClr val="bg2">
+              <a:lumMod val="90000"/>
+              <a:alpha val="35000"/>
+            </a:schemeClr>
+          </a:solidFill>
+          <a:ln w="19050">
+            <a:solidFill>
+              <a:schemeClr val="tx1"/>
+            </a:solidFill>
+          </a:ln>
+        </p:spPr>
+        <p:style>
+          <a:lnRef idx="2">
+            <a:schemeClr val="accent1">
+              <a:shade val="50000"/>
+            </a:schemeClr>
+          </a:lnRef>
+          <a:fillRef idx="1">
+            <a:schemeClr val="accent1"/>
+          </a:fillRef>
+          <a:effectRef idx="0">
+            <a:schemeClr val="accent1"/>
+          </a:effectRef>
+          <a:fontRef idx="minor">
+            <a:schemeClr val="lt1"/>
+          </a:fontRef>
+        </p:style>
+        <p:txBody>
+          <a:bodyPr rtlCol="0" anchor="ctr"/>
+          <a:lstStyle/>
+          <a:p>
+            <a:pPr algn="ctr"/>
+            <a:endParaRPr lang="en-US"/>
+          </a:p>
+        </p:txBody>
+      </p:sp>
+      <p:sp>
+        <p:nvSpPr>
+          <p:cNvPr id="59" name="Rectangle 58">
+            <a:extLst>
+              <a:ext uri="{FF2B5EF4-FFF2-40B4-BE49-F238E27FC236}">
+                <a16:creationId xmlns:a16="http://schemas.microsoft.com/office/drawing/2014/main" id="{44D55D1C-F01F-49BC-B2B3-C6F9F2F08E7F}"/>
+              </a:ext>
+            </a:extLst>
+          </p:cNvPr>
+          <p:cNvSpPr/>
+          <p:nvPr/>
+        </p:nvSpPr>
+        <p:spPr>
+          <a:xfrm>
+            <a:off x="12546284" y="19585221"/>
+            <a:ext cx="330315" cy="905365"/>
+          </a:xfrm>
+          <a:prstGeom prst="rect">
+            <a:avLst/>
+          </a:prstGeom>
+          <a:solidFill>
+            <a:schemeClr val="bg2">
+              <a:lumMod val="90000"/>
+              <a:alpha val="35000"/>
+            </a:schemeClr>
+          </a:solidFill>
+          <a:ln w="19050">
+            <a:solidFill>
+              <a:schemeClr val="tx1"/>
+            </a:solidFill>
+          </a:ln>
+        </p:spPr>
+        <p:style>
+          <a:lnRef idx="2">
+            <a:schemeClr val="accent1">
+              <a:shade val="50000"/>
+            </a:schemeClr>
+          </a:lnRef>
+          <a:fillRef idx="1">
+            <a:schemeClr val="accent1"/>
+          </a:fillRef>
+          <a:effectRef idx="0">
+            <a:schemeClr val="accent1"/>
+          </a:effectRef>
+          <a:fontRef idx="minor">
+            <a:schemeClr val="lt1"/>
+          </a:fontRef>
+        </p:style>
+        <p:txBody>
+          <a:bodyPr rtlCol="0" anchor="ctr"/>
+          <a:lstStyle/>
+          <a:p>
+            <a:pPr algn="ctr"/>
+            <a:endParaRPr lang="en-US"/>
+          </a:p>
+        </p:txBody>
+      </p:sp>
+      <p:sp>
+        <p:nvSpPr>
+          <p:cNvPr id="60" name="TextBox 59">
+            <a:extLst>
+              <a:ext uri="{FF2B5EF4-FFF2-40B4-BE49-F238E27FC236}">
+                <a16:creationId xmlns:a16="http://schemas.microsoft.com/office/drawing/2014/main" id="{B81FAFF1-2480-4077-B725-05559D1B4454}"/>
+              </a:ext>
+            </a:extLst>
+          </p:cNvPr>
+          <p:cNvSpPr txBox="1"/>
+          <p:nvPr/>
+        </p:nvSpPr>
+        <p:spPr>
+          <a:xfrm>
+            <a:off x="13719734" y="13526550"/>
+            <a:ext cx="574202" cy="378897"/>
+          </a:xfrm>
+          <a:prstGeom prst="rect">
+            <a:avLst/>
+          </a:prstGeom>
+          <a:solidFill>
+            <a:schemeClr val="bg1"/>
+          </a:solidFill>
+          <a:ln w="31750">
+            <a:solidFill>
+              <a:schemeClr val="tx1"/>
+            </a:solidFill>
+          </a:ln>
+        </p:spPr>
+        <p:txBody>
+          <a:bodyPr wrap="square" rtlCol="0">
+            <a:spAutoFit/>
+          </a:bodyPr>
+          <a:lstStyle/>
+          <a:p>
+            <a:pPr algn="ctr"/>
+            <a:r>
+              <a:rPr lang="en-US" b="1" dirty="0"/>
+              <a:t>TTV</a:t>
+            </a:r>
+          </a:p>
+        </p:txBody>
+      </p:sp>
+      <p:sp>
+        <p:nvSpPr>
+          <p:cNvPr id="61" name="Arrow: Right 60">
+            <a:extLst>
+              <a:ext uri="{FF2B5EF4-FFF2-40B4-BE49-F238E27FC236}">
+                <a16:creationId xmlns:a16="http://schemas.microsoft.com/office/drawing/2014/main" id="{FBE3985B-3DE7-498B-AF48-58A8E62D7AFD}"/>
+              </a:ext>
+            </a:extLst>
+          </p:cNvPr>
+          <p:cNvSpPr/>
+          <p:nvPr/>
+        </p:nvSpPr>
+        <p:spPr>
+          <a:xfrm rot="5400000">
+            <a:off x="11863022" y="20993248"/>
+            <a:ext cx="699337" cy="506593"/>
+          </a:xfrm>
+          <a:prstGeom prst="rightArrow">
+            <a:avLst/>
+          </a:prstGeom>
+          <a:solidFill>
+            <a:schemeClr val="tx1"/>
+          </a:solidFill>
+        </p:spPr>
+        <p:style>
+          <a:lnRef idx="2">
+            <a:schemeClr val="accent1">
+              <a:shade val="50000"/>
+            </a:schemeClr>
+          </a:lnRef>
+          <a:fillRef idx="1">
+            <a:schemeClr val="accent1"/>
+          </a:fillRef>
+          <a:effectRef idx="0">
+            <a:schemeClr val="accent1"/>
+          </a:effectRef>
+          <a:fontRef idx="minor">
+            <a:schemeClr val="lt1"/>
+          </a:fontRef>
+        </p:style>
+        <p:txBody>
+          <a:bodyPr rtlCol="0" anchor="ctr"/>
+          <a:lstStyle/>
+          <a:p>
+            <a:pPr algn="ctr"/>
+            <a:endParaRPr lang="en-US"/>
+          </a:p>
+        </p:txBody>
+      </p:sp>
+      <p:sp>
+        <p:nvSpPr>
+          <p:cNvPr id="68" name="Rectangle 67">
+            <a:extLst>
+              <a:ext uri="{FF2B5EF4-FFF2-40B4-BE49-F238E27FC236}">
+                <a16:creationId xmlns:a16="http://schemas.microsoft.com/office/drawing/2014/main" id="{9338E67F-6A90-4EDB-9E59-67E109D583E0}"/>
+              </a:ext>
+            </a:extLst>
+          </p:cNvPr>
+          <p:cNvSpPr/>
+          <p:nvPr/>
+        </p:nvSpPr>
+        <p:spPr>
+          <a:xfrm>
+            <a:off x="12500021" y="21759369"/>
+            <a:ext cx="848139" cy="365760"/>
+          </a:xfrm>
+          <a:prstGeom prst="rect">
+            <a:avLst/>
+          </a:prstGeom>
+          <a:solidFill>
+            <a:schemeClr val="bg2">
+              <a:lumMod val="90000"/>
+              <a:alpha val="35000"/>
+            </a:schemeClr>
+          </a:solidFill>
+          <a:ln w="19050">
+            <a:solidFill>
+              <a:schemeClr val="tx1"/>
+            </a:solidFill>
+          </a:ln>
+        </p:spPr>
+        <p:style>
+          <a:lnRef idx="2">
+            <a:schemeClr val="accent1">
+              <a:shade val="50000"/>
+            </a:schemeClr>
+          </a:lnRef>
+          <a:fillRef idx="1">
+            <a:schemeClr val="accent1"/>
+          </a:fillRef>
+          <a:effectRef idx="0">
+            <a:schemeClr val="accent1"/>
+          </a:effectRef>
+          <a:fontRef idx="minor">
+            <a:schemeClr val="lt1"/>
+          </a:fontRef>
+        </p:style>
+        <p:txBody>
+          <a:bodyPr rtlCol="0" anchor="ctr"/>
+          <a:lstStyle/>
+          <a:p>
+            <a:pPr algn="ctr"/>
+            <a:endParaRPr lang="en-US"/>
+          </a:p>
+        </p:txBody>
+      </p:sp>
+      <p:sp>
+        <p:nvSpPr>
+          <p:cNvPr id="69" name="Rectangle 68">
+            <a:extLst>
+              <a:ext uri="{FF2B5EF4-FFF2-40B4-BE49-F238E27FC236}">
+                <a16:creationId xmlns:a16="http://schemas.microsoft.com/office/drawing/2014/main" id="{B5277AD6-6CF6-45C5-976C-374107CF8AAE}"/>
+              </a:ext>
+            </a:extLst>
+          </p:cNvPr>
+          <p:cNvSpPr/>
+          <p:nvPr/>
+        </p:nvSpPr>
+        <p:spPr>
+          <a:xfrm>
+            <a:off x="11784077" y="21747792"/>
+            <a:ext cx="240742" cy="365760"/>
+          </a:xfrm>
+          <a:prstGeom prst="rect">
+            <a:avLst/>
+          </a:prstGeom>
+          <a:solidFill>
+            <a:schemeClr val="bg2">
+              <a:lumMod val="90000"/>
+              <a:alpha val="35000"/>
+            </a:schemeClr>
+          </a:solidFill>
+          <a:ln w="19050">
+            <a:solidFill>
+              <a:schemeClr val="tx1"/>
+            </a:solidFill>
+          </a:ln>
+        </p:spPr>
+        <p:style>
+          <a:lnRef idx="2">
+            <a:schemeClr val="accent1">
+              <a:shade val="50000"/>
+            </a:schemeClr>
+          </a:lnRef>
+          <a:fillRef idx="1">
+            <a:schemeClr val="accent1"/>
+          </a:fillRef>
+          <a:effectRef idx="0">
+            <a:schemeClr val="accent1"/>
+          </a:effectRef>
+          <a:fontRef idx="minor">
+            <a:schemeClr val="lt1"/>
+          </a:fontRef>
+        </p:style>
+        <p:txBody>
+          <a:bodyPr rtlCol="0" anchor="ctr"/>
+          <a:lstStyle/>
+          <a:p>
+            <a:pPr algn="ctr"/>
+            <a:endParaRPr lang="en-US"/>
+          </a:p>
+        </p:txBody>
+      </p:sp>
+      <p:sp>
+        <p:nvSpPr>
+          <p:cNvPr id="70" name="Rectangle 69">
+            <a:extLst>
+              <a:ext uri="{FF2B5EF4-FFF2-40B4-BE49-F238E27FC236}">
+                <a16:creationId xmlns:a16="http://schemas.microsoft.com/office/drawing/2014/main" id="{98AFB71A-11B4-4206-8719-508AF92EB730}"/>
+              </a:ext>
+            </a:extLst>
+          </p:cNvPr>
+          <p:cNvSpPr/>
+          <p:nvPr/>
+        </p:nvSpPr>
+        <p:spPr>
+          <a:xfrm>
+            <a:off x="12097262" y="21751661"/>
+            <a:ext cx="330315" cy="365760"/>
+          </a:xfrm>
+          <a:prstGeom prst="rect">
+            <a:avLst/>
+          </a:prstGeom>
+          <a:solidFill>
+            <a:schemeClr val="bg2">
+              <a:lumMod val="90000"/>
+              <a:alpha val="35000"/>
+            </a:schemeClr>
+          </a:solidFill>
+          <a:ln w="19050">
+            <a:solidFill>
+              <a:schemeClr val="tx1"/>
+            </a:solidFill>
+          </a:ln>
+        </p:spPr>
+        <p:style>
+          <a:lnRef idx="2">
+            <a:schemeClr val="accent1">
+              <a:shade val="50000"/>
+            </a:schemeClr>
+          </a:lnRef>
+          <a:fillRef idx="1">
+            <a:schemeClr val="accent1"/>
+          </a:fillRef>
+          <a:effectRef idx="0">
+            <a:schemeClr val="accent1"/>
+          </a:effectRef>
+          <a:fontRef idx="minor">
+            <a:schemeClr val="lt1"/>
+          </a:fontRef>
+        </p:style>
+        <p:txBody>
+          <a:bodyPr rtlCol="0" anchor="ctr"/>
+          <a:lstStyle/>
+          <a:p>
+            <a:pPr algn="ctr"/>
+            <a:endParaRPr lang="en-US"/>
+          </a:p>
+        </p:txBody>
+      </p:sp>
+      <p:sp>
+        <p:nvSpPr>
+          <p:cNvPr id="71" name="Rectangle 70">
+            <a:extLst>
+              <a:ext uri="{FF2B5EF4-FFF2-40B4-BE49-F238E27FC236}">
+                <a16:creationId xmlns:a16="http://schemas.microsoft.com/office/drawing/2014/main" id="{F4C7A656-5523-4D4E-8534-4C8866AFB199}"/>
+              </a:ext>
+            </a:extLst>
+          </p:cNvPr>
+          <p:cNvSpPr/>
+          <p:nvPr/>
+        </p:nvSpPr>
+        <p:spPr>
+          <a:xfrm>
+            <a:off x="12503561" y="22252011"/>
+            <a:ext cx="848139" cy="365760"/>
+          </a:xfrm>
+          <a:prstGeom prst="rect">
+            <a:avLst/>
+          </a:prstGeom>
+          <a:solidFill>
+            <a:schemeClr val="bg2">
+              <a:lumMod val="90000"/>
+              <a:alpha val="35000"/>
+            </a:schemeClr>
+          </a:solidFill>
+          <a:ln w="19050">
+            <a:solidFill>
+              <a:schemeClr val="tx1"/>
+            </a:solidFill>
+          </a:ln>
+        </p:spPr>
+        <p:style>
+          <a:lnRef idx="2">
+            <a:schemeClr val="accent1">
+              <a:shade val="50000"/>
+            </a:schemeClr>
+          </a:lnRef>
+          <a:fillRef idx="1">
+            <a:schemeClr val="accent1"/>
+          </a:fillRef>
+          <a:effectRef idx="0">
+            <a:schemeClr val="accent1"/>
+          </a:effectRef>
+          <a:fontRef idx="minor">
+            <a:schemeClr val="lt1"/>
+          </a:fontRef>
+        </p:style>
+        <p:txBody>
+          <a:bodyPr rtlCol="0" anchor="ctr"/>
+          <a:lstStyle/>
+          <a:p>
+            <a:pPr algn="ctr"/>
+            <a:endParaRPr lang="en-US"/>
+          </a:p>
+        </p:txBody>
+      </p:sp>
+      <p:sp>
+        <p:nvSpPr>
+          <p:cNvPr id="72" name="Rectangle 71">
+            <a:extLst>
+              <a:ext uri="{FF2B5EF4-FFF2-40B4-BE49-F238E27FC236}">
+                <a16:creationId xmlns:a16="http://schemas.microsoft.com/office/drawing/2014/main" id="{B9BB4C30-F0DB-4201-9B3F-B9B2851FADBE}"/>
+              </a:ext>
+            </a:extLst>
+          </p:cNvPr>
+          <p:cNvSpPr/>
+          <p:nvPr/>
+        </p:nvSpPr>
+        <p:spPr>
+          <a:xfrm>
+            <a:off x="11787617" y="22240434"/>
+            <a:ext cx="240742" cy="365760"/>
+          </a:xfrm>
+          <a:prstGeom prst="rect">
+            <a:avLst/>
+          </a:prstGeom>
+          <a:solidFill>
+            <a:schemeClr val="bg2">
+              <a:lumMod val="90000"/>
+              <a:alpha val="35000"/>
+            </a:schemeClr>
+          </a:solidFill>
+          <a:ln w="19050">
+            <a:solidFill>
+              <a:schemeClr val="tx1"/>
+            </a:solidFill>
+          </a:ln>
+        </p:spPr>
+        <p:style>
+          <a:lnRef idx="2">
+            <a:schemeClr val="accent1">
+              <a:shade val="50000"/>
+            </a:schemeClr>
+          </a:lnRef>
+          <a:fillRef idx="1">
+            <a:schemeClr val="accent1"/>
+          </a:fillRef>
+          <a:effectRef idx="0">
+            <a:schemeClr val="accent1"/>
+          </a:effectRef>
+          <a:fontRef idx="minor">
+            <a:schemeClr val="lt1"/>
+          </a:fontRef>
+        </p:style>
+        <p:txBody>
+          <a:bodyPr rtlCol="0" anchor="ctr"/>
+          <a:lstStyle/>
+          <a:p>
+            <a:pPr algn="ctr"/>
+            <a:endParaRPr lang="en-US"/>
+          </a:p>
+        </p:txBody>
+      </p:sp>
+      <p:sp>
+        <p:nvSpPr>
+          <p:cNvPr id="73" name="Rectangle 72">
+            <a:extLst>
+              <a:ext uri="{FF2B5EF4-FFF2-40B4-BE49-F238E27FC236}">
+                <a16:creationId xmlns:a16="http://schemas.microsoft.com/office/drawing/2014/main" id="{866DFC1A-97EB-4324-B570-C44F932BA705}"/>
+              </a:ext>
+            </a:extLst>
+          </p:cNvPr>
+          <p:cNvSpPr/>
+          <p:nvPr/>
+        </p:nvSpPr>
+        <p:spPr>
+          <a:xfrm>
+            <a:off x="12100802" y="22244303"/>
+            <a:ext cx="330315" cy="365760"/>
+          </a:xfrm>
+          <a:prstGeom prst="rect">
+            <a:avLst/>
+          </a:prstGeom>
+          <a:solidFill>
+            <a:schemeClr val="bg2">
+              <a:lumMod val="90000"/>
+              <a:alpha val="35000"/>
+            </a:schemeClr>
+          </a:solidFill>
+          <a:ln w="19050">
+            <a:solidFill>
+              <a:schemeClr val="tx1"/>
+            </a:solidFill>
+          </a:ln>
+        </p:spPr>
+        <p:style>
+          <a:lnRef idx="2">
+            <a:schemeClr val="accent1">
+              <a:shade val="50000"/>
+            </a:schemeClr>
+          </a:lnRef>
+          <a:fillRef idx="1">
+            <a:schemeClr val="accent1"/>
+          </a:fillRef>
+          <a:effectRef idx="0">
+            <a:schemeClr val="accent1"/>
+          </a:effectRef>
+          <a:fontRef idx="minor">
+            <a:schemeClr val="lt1"/>
+          </a:fontRef>
+        </p:style>
+        <p:txBody>
+          <a:bodyPr rtlCol="0" anchor="ctr"/>
+          <a:lstStyle/>
+          <a:p>
+            <a:pPr algn="ctr"/>
+            <a:endParaRPr lang="en-US"/>
+          </a:p>
+        </p:txBody>
+      </p:sp>
+      <p:sp>
+        <p:nvSpPr>
+          <p:cNvPr id="74" name="Rectangle 73">
+            <a:extLst>
+              <a:ext uri="{FF2B5EF4-FFF2-40B4-BE49-F238E27FC236}">
+                <a16:creationId xmlns:a16="http://schemas.microsoft.com/office/drawing/2014/main" id="{F5FCEBA4-0FD3-45FE-A741-4F7C916E82C7}"/>
+              </a:ext>
+            </a:extLst>
+          </p:cNvPr>
+          <p:cNvSpPr/>
+          <p:nvPr/>
+        </p:nvSpPr>
+        <p:spPr>
+          <a:xfrm>
+            <a:off x="12503564" y="22985662"/>
+            <a:ext cx="848139" cy="365760"/>
+          </a:xfrm>
+          <a:prstGeom prst="rect">
+            <a:avLst/>
+          </a:prstGeom>
+          <a:solidFill>
+            <a:schemeClr val="bg2">
+              <a:lumMod val="90000"/>
+              <a:alpha val="35000"/>
+            </a:schemeClr>
+          </a:solidFill>
+          <a:ln w="19050">
+            <a:solidFill>
+              <a:schemeClr val="tx1"/>
+            </a:solidFill>
+          </a:ln>
+        </p:spPr>
+        <p:style>
+          <a:lnRef idx="2">
+            <a:schemeClr val="accent1">
+              <a:shade val="50000"/>
+            </a:schemeClr>
+          </a:lnRef>
+          <a:fillRef idx="1">
+            <a:schemeClr val="accent1"/>
+          </a:fillRef>
+          <a:effectRef idx="0">
+            <a:schemeClr val="accent1"/>
+          </a:effectRef>
+          <a:fontRef idx="minor">
+            <a:schemeClr val="lt1"/>
+          </a:fontRef>
+        </p:style>
+        <p:txBody>
+          <a:bodyPr rtlCol="0" anchor="ctr"/>
+          <a:lstStyle/>
+          <a:p>
+            <a:pPr algn="ctr"/>
+            <a:endParaRPr lang="en-US"/>
+          </a:p>
+        </p:txBody>
+      </p:sp>
+      <p:sp>
+        <p:nvSpPr>
+          <p:cNvPr id="75" name="Rectangle 74">
+            <a:extLst>
+              <a:ext uri="{FF2B5EF4-FFF2-40B4-BE49-F238E27FC236}">
+                <a16:creationId xmlns:a16="http://schemas.microsoft.com/office/drawing/2014/main" id="{53F06A43-0F99-465B-B582-B3CEAE9189A8}"/>
+              </a:ext>
+            </a:extLst>
+          </p:cNvPr>
+          <p:cNvSpPr/>
+          <p:nvPr/>
+        </p:nvSpPr>
+        <p:spPr>
+          <a:xfrm>
+            <a:off x="11787620" y="22974085"/>
+            <a:ext cx="240742" cy="365760"/>
+          </a:xfrm>
+          <a:prstGeom prst="rect">
+            <a:avLst/>
+          </a:prstGeom>
+          <a:solidFill>
+            <a:schemeClr val="bg2">
+              <a:lumMod val="90000"/>
+              <a:alpha val="35000"/>
+            </a:schemeClr>
+          </a:solidFill>
+          <a:ln w="19050">
+            <a:solidFill>
+              <a:schemeClr val="tx1"/>
+            </a:solidFill>
+          </a:ln>
+        </p:spPr>
+        <p:style>
+          <a:lnRef idx="2">
+            <a:schemeClr val="accent1">
+              <a:shade val="50000"/>
+            </a:schemeClr>
+          </a:lnRef>
+          <a:fillRef idx="1">
+            <a:schemeClr val="accent1"/>
+          </a:fillRef>
+          <a:effectRef idx="0">
+            <a:schemeClr val="accent1"/>
+          </a:effectRef>
+          <a:fontRef idx="minor">
+            <a:schemeClr val="lt1"/>
+          </a:fontRef>
+        </p:style>
+        <p:txBody>
+          <a:bodyPr rtlCol="0" anchor="ctr"/>
+          <a:lstStyle/>
+          <a:p>
+            <a:pPr algn="ctr"/>
+            <a:endParaRPr lang="en-US"/>
+          </a:p>
+        </p:txBody>
+      </p:sp>
+      <p:sp>
+        <p:nvSpPr>
+          <p:cNvPr id="76" name="Rectangle 75">
+            <a:extLst>
+              <a:ext uri="{FF2B5EF4-FFF2-40B4-BE49-F238E27FC236}">
+                <a16:creationId xmlns:a16="http://schemas.microsoft.com/office/drawing/2014/main" id="{8F066926-14E1-454B-BF43-28C0DD7F4F73}"/>
+              </a:ext>
+            </a:extLst>
+          </p:cNvPr>
+          <p:cNvSpPr/>
+          <p:nvPr/>
+        </p:nvSpPr>
+        <p:spPr>
+          <a:xfrm>
+            <a:off x="12100805" y="22977954"/>
+            <a:ext cx="330315" cy="365760"/>
+          </a:xfrm>
+          <a:prstGeom prst="rect">
+            <a:avLst/>
+          </a:prstGeom>
+          <a:solidFill>
+            <a:schemeClr val="bg2">
+              <a:lumMod val="90000"/>
+              <a:alpha val="35000"/>
+            </a:schemeClr>
+          </a:solidFill>
+          <a:ln w="19050">
+            <a:solidFill>
+              <a:schemeClr val="tx1"/>
+            </a:solidFill>
+          </a:ln>
+        </p:spPr>
+        <p:style>
+          <a:lnRef idx="2">
+            <a:schemeClr val="accent1">
+              <a:shade val="50000"/>
+            </a:schemeClr>
+          </a:lnRef>
+          <a:fillRef idx="1">
+            <a:schemeClr val="accent1"/>
+          </a:fillRef>
+          <a:effectRef idx="0">
+            <a:schemeClr val="accent1"/>
+          </a:effectRef>
+          <a:fontRef idx="minor">
+            <a:schemeClr val="lt1"/>
+          </a:fontRef>
+        </p:style>
+        <p:txBody>
+          <a:bodyPr rtlCol="0" anchor="ctr"/>
+          <a:lstStyle/>
+          <a:p>
+            <a:pPr algn="ctr"/>
+            <a:endParaRPr lang="en-US"/>
+          </a:p>
+        </p:txBody>
+      </p:sp>
+      <p:sp>
+        <p:nvSpPr>
+          <p:cNvPr id="78" name="TextBox 77">
+            <a:extLst>
+              <a:ext uri="{FF2B5EF4-FFF2-40B4-BE49-F238E27FC236}">
+                <a16:creationId xmlns:a16="http://schemas.microsoft.com/office/drawing/2014/main" id="{99196295-D7EC-44A4-ADBD-80681FBBC6E3}"/>
+              </a:ext>
+            </a:extLst>
+          </p:cNvPr>
+          <p:cNvSpPr txBox="1"/>
+          <p:nvPr/>
+        </p:nvSpPr>
+        <p:spPr>
+          <a:xfrm>
+            <a:off x="9898481" y="21782185"/>
+            <a:ext cx="1348509" cy="369332"/>
+          </a:xfrm>
+          <a:prstGeom prst="rect">
+            <a:avLst/>
+          </a:prstGeom>
+          <a:noFill/>
+        </p:spPr>
+        <p:txBody>
+          <a:bodyPr wrap="square" rtlCol="0">
+            <a:spAutoFit/>
+          </a:bodyPr>
+          <a:lstStyle/>
+          <a:p>
+            <a:r>
+              <a:rPr lang="en-US" dirty="0"/>
+              <a:t>Genome 1</a:t>
+            </a:r>
+          </a:p>
+        </p:txBody>
+      </p:sp>
+      <p:sp>
+        <p:nvSpPr>
+          <p:cNvPr id="79" name="TextBox 78">
+            <a:extLst>
+              <a:ext uri="{FF2B5EF4-FFF2-40B4-BE49-F238E27FC236}">
+                <a16:creationId xmlns:a16="http://schemas.microsoft.com/office/drawing/2014/main" id="{07CD0627-2018-4E8E-B3DF-35B37C14A897}"/>
+              </a:ext>
+            </a:extLst>
+          </p:cNvPr>
+          <p:cNvSpPr txBox="1"/>
+          <p:nvPr/>
+        </p:nvSpPr>
+        <p:spPr>
+          <a:xfrm>
+            <a:off x="9898481" y="22248169"/>
+            <a:ext cx="1348509" cy="369332"/>
+          </a:xfrm>
+          <a:prstGeom prst="rect">
+            <a:avLst/>
+          </a:prstGeom>
+          <a:noFill/>
+        </p:spPr>
+        <p:txBody>
+          <a:bodyPr wrap="square" rtlCol="0">
+            <a:spAutoFit/>
+          </a:bodyPr>
+          <a:lstStyle/>
+          <a:p>
+            <a:r>
+              <a:rPr lang="en-US" dirty="0"/>
+              <a:t>Genome 2</a:t>
+            </a:r>
+          </a:p>
+        </p:txBody>
+      </p:sp>
+      <p:sp>
+        <p:nvSpPr>
+          <p:cNvPr id="80" name="TextBox 79">
+            <a:extLst>
+              <a:ext uri="{FF2B5EF4-FFF2-40B4-BE49-F238E27FC236}">
+                <a16:creationId xmlns:a16="http://schemas.microsoft.com/office/drawing/2014/main" id="{A090CBA2-907F-4058-91D1-42B50CDBFEB5}"/>
+              </a:ext>
+            </a:extLst>
+          </p:cNvPr>
+          <p:cNvSpPr txBox="1"/>
+          <p:nvPr/>
+        </p:nvSpPr>
+        <p:spPr>
+          <a:xfrm>
+            <a:off x="9873671" y="22968094"/>
+            <a:ext cx="1348509" cy="369332"/>
+          </a:xfrm>
+          <a:prstGeom prst="rect">
+            <a:avLst/>
+          </a:prstGeom>
+          <a:noFill/>
+        </p:spPr>
+        <p:txBody>
+          <a:bodyPr wrap="square" rtlCol="0">
+            <a:spAutoFit/>
+          </a:bodyPr>
+          <a:lstStyle/>
+          <a:p>
+            <a:r>
+              <a:rPr lang="en-US" dirty="0"/>
+              <a:t>Genome N</a:t>
+            </a:r>
+          </a:p>
+        </p:txBody>
+      </p:sp>
+      <p:sp>
+        <p:nvSpPr>
+          <p:cNvPr id="81" name="TextBox 80">
+            <a:extLst>
+              <a:ext uri="{FF2B5EF4-FFF2-40B4-BE49-F238E27FC236}">
+                <a16:creationId xmlns:a16="http://schemas.microsoft.com/office/drawing/2014/main" id="{48516301-CD26-4F6A-9710-C46A0E4172BE}"/>
+              </a:ext>
+            </a:extLst>
+          </p:cNvPr>
+          <p:cNvSpPr txBox="1"/>
+          <p:nvPr/>
+        </p:nvSpPr>
+        <p:spPr>
+          <a:xfrm rot="5400000">
+            <a:off x="9835025" y="23152760"/>
+            <a:ext cx="1348509" cy="369332"/>
+          </a:xfrm>
+          <a:prstGeom prst="rect">
+            <a:avLst/>
+          </a:prstGeom>
+          <a:noFill/>
+        </p:spPr>
+        <p:txBody>
+          <a:bodyPr wrap="square" rtlCol="0">
+            <a:spAutoFit/>
+          </a:bodyPr>
+          <a:lstStyle/>
+          <a:p>
+            <a:r>
+              <a:rPr lang="en-US" dirty="0"/>
+              <a:t>…</a:t>
+            </a:r>
+          </a:p>
+        </p:txBody>
+      </p:sp>
+      <p:sp>
+        <p:nvSpPr>
+          <p:cNvPr id="82" name="Right Brace 81">
+            <a:extLst>
+              <a:ext uri="{FF2B5EF4-FFF2-40B4-BE49-F238E27FC236}">
+                <a16:creationId xmlns:a16="http://schemas.microsoft.com/office/drawing/2014/main" id="{F564CCAA-ACD4-4BAB-87DA-FC094EC22051}"/>
+              </a:ext>
+            </a:extLst>
+          </p:cNvPr>
+          <p:cNvSpPr/>
+          <p:nvPr/>
+        </p:nvSpPr>
+        <p:spPr>
+          <a:xfrm>
+            <a:off x="13486072" y="21747793"/>
+            <a:ext cx="194536" cy="1603630"/>
+          </a:xfrm>
+          <a:prstGeom prst="rightBrace">
+            <a:avLst/>
+          </a:prstGeom>
+          <a:ln w="19050">
+            <a:solidFill>
+              <a:schemeClr val="tx1"/>
+            </a:solidFill>
+          </a:ln>
+        </p:spPr>
+        <p:style>
+          <a:lnRef idx="1">
+            <a:schemeClr val="accent1"/>
+          </a:lnRef>
+          <a:fillRef idx="0">
+            <a:schemeClr val="accent1"/>
+          </a:fillRef>
+          <a:effectRef idx="0">
+            <a:schemeClr val="accent1"/>
+          </a:effectRef>
+          <a:fontRef idx="minor">
+            <a:schemeClr val="tx1"/>
+          </a:fontRef>
+        </p:style>
+        <p:txBody>
+          <a:bodyPr rtlCol="0" anchor="ctr"/>
+          <a:lstStyle/>
+          <a:p>
+            <a:pPr algn="ctr"/>
+            <a:endParaRPr lang="en-US"/>
+          </a:p>
+        </p:txBody>
+      </p:sp>
+      <p:sp>
+        <p:nvSpPr>
+          <p:cNvPr id="84" name="Right Brace 83">
+            <a:extLst>
+              <a:ext uri="{FF2B5EF4-FFF2-40B4-BE49-F238E27FC236}">
+                <a16:creationId xmlns:a16="http://schemas.microsoft.com/office/drawing/2014/main" id="{35E591E4-C989-4EB0-AF49-37E78B9C4D1A}"/>
+              </a:ext>
+            </a:extLst>
+          </p:cNvPr>
+          <p:cNvSpPr/>
+          <p:nvPr/>
+        </p:nvSpPr>
+        <p:spPr>
+          <a:xfrm>
+            <a:off x="17077665" y="17023935"/>
+            <a:ext cx="113700" cy="3496721"/>
+          </a:xfrm>
+          <a:prstGeom prst="rightBrace">
+            <a:avLst/>
+          </a:prstGeom>
+          <a:ln w="19050">
+            <a:solidFill>
+              <a:schemeClr val="tx1"/>
+            </a:solidFill>
+          </a:ln>
+        </p:spPr>
+        <p:style>
+          <a:lnRef idx="1">
+            <a:schemeClr val="accent1"/>
+          </a:lnRef>
+          <a:fillRef idx="0">
+            <a:schemeClr val="accent1"/>
+          </a:fillRef>
+          <a:effectRef idx="0">
+            <a:schemeClr val="accent1"/>
+          </a:effectRef>
+          <a:fontRef idx="minor">
+            <a:schemeClr val="tx1"/>
+          </a:fontRef>
+        </p:style>
+        <p:txBody>
+          <a:bodyPr rtlCol="0" anchor="ctr"/>
+          <a:lstStyle/>
+          <a:p>
+            <a:pPr algn="ctr"/>
+            <a:endParaRPr lang="en-US"/>
+          </a:p>
+        </p:txBody>
+      </p:sp>
+      <p:sp>
+        <p:nvSpPr>
+          <p:cNvPr id="85" name="TextBox 84">
+            <a:extLst>
+              <a:ext uri="{FF2B5EF4-FFF2-40B4-BE49-F238E27FC236}">
+                <a16:creationId xmlns:a16="http://schemas.microsoft.com/office/drawing/2014/main" id="{D55794BB-D8F4-438B-A4AF-053DD02F0612}"/>
+              </a:ext>
+            </a:extLst>
+          </p:cNvPr>
+          <p:cNvSpPr txBox="1"/>
+          <p:nvPr/>
+        </p:nvSpPr>
+        <p:spPr>
+          <a:xfrm>
+            <a:off x="13806522" y="22364942"/>
+            <a:ext cx="1943174" cy="369332"/>
+          </a:xfrm>
+          <a:prstGeom prst="rect">
+            <a:avLst/>
+          </a:prstGeom>
+          <a:noFill/>
+        </p:spPr>
+        <p:txBody>
+          <a:bodyPr wrap="square" rtlCol="0">
+            <a:spAutoFit/>
+          </a:bodyPr>
+          <a:lstStyle/>
+          <a:p>
+            <a:r>
+              <a:rPr lang="en-US" dirty="0"/>
+              <a:t>‘Core’ alignment</a:t>
+            </a:r>
+          </a:p>
+        </p:txBody>
+      </p:sp>
+      <p:sp>
+        <p:nvSpPr>
+          <p:cNvPr id="86" name="TextBox 85">
+            <a:extLst>
+              <a:ext uri="{FF2B5EF4-FFF2-40B4-BE49-F238E27FC236}">
+                <a16:creationId xmlns:a16="http://schemas.microsoft.com/office/drawing/2014/main" id="{411C735D-272A-4A3A-9F6A-A660887F422C}"/>
+              </a:ext>
+            </a:extLst>
+          </p:cNvPr>
+          <p:cNvSpPr txBox="1"/>
+          <p:nvPr/>
+        </p:nvSpPr>
+        <p:spPr>
+          <a:xfrm>
+            <a:off x="17364537" y="18560295"/>
+            <a:ext cx="1485752" cy="369332"/>
+          </a:xfrm>
+          <a:prstGeom prst="rect">
+            <a:avLst/>
+          </a:prstGeom>
+          <a:noFill/>
+        </p:spPr>
+        <p:txBody>
+          <a:bodyPr wrap="square" rtlCol="0">
+            <a:spAutoFit/>
+          </a:bodyPr>
+          <a:lstStyle/>
+          <a:p>
+            <a:r>
+              <a:rPr lang="en-US" dirty="0"/>
+              <a:t>‘Un-</a:t>
+            </a:r>
+            <a:r>
+              <a:rPr lang="en-US" dirty="0" err="1"/>
+              <a:t>alignable</a:t>
+            </a:r>
+            <a:r>
+              <a:rPr lang="en-US" dirty="0"/>
+              <a:t>’</a:t>
+            </a:r>
+          </a:p>
+        </p:txBody>
+      </p:sp>
+      <p:sp>
+        <p:nvSpPr>
+          <p:cNvPr id="3" name="TextBox 2">
+            <a:extLst>
+              <a:ext uri="{FF2B5EF4-FFF2-40B4-BE49-F238E27FC236}">
+                <a16:creationId xmlns:a16="http://schemas.microsoft.com/office/drawing/2014/main" id="{E554C61A-AEB7-4A26-9021-879DB2CBA756}"/>
+              </a:ext>
+            </a:extLst>
+          </p:cNvPr>
+          <p:cNvSpPr txBox="1"/>
+          <p:nvPr/>
+        </p:nvSpPr>
+        <p:spPr>
+          <a:xfrm>
+            <a:off x="18411542" y="12032974"/>
+            <a:ext cx="438747" cy="369332"/>
+          </a:xfrm>
+          <a:prstGeom prst="rect">
+            <a:avLst/>
+          </a:prstGeom>
+          <a:noFill/>
+        </p:spPr>
+        <p:txBody>
+          <a:bodyPr wrap="square" rtlCol="0">
+            <a:spAutoFit/>
+          </a:bodyPr>
+          <a:lstStyle/>
+          <a:p>
+            <a:r>
+              <a:rPr lang="en-US" dirty="0"/>
+              <a:t>(a)</a:t>
+            </a:r>
+          </a:p>
+        </p:txBody>
+      </p:sp>
+      <p:sp>
+        <p:nvSpPr>
+          <p:cNvPr id="62" name="TextBox 61">
+            <a:extLst>
+              <a:ext uri="{FF2B5EF4-FFF2-40B4-BE49-F238E27FC236}">
+                <a16:creationId xmlns:a16="http://schemas.microsoft.com/office/drawing/2014/main" id="{AB289EC9-933E-4A5C-B0F3-7ADA22B2C94F}"/>
+              </a:ext>
+            </a:extLst>
+          </p:cNvPr>
+          <p:cNvSpPr txBox="1"/>
+          <p:nvPr/>
+        </p:nvSpPr>
+        <p:spPr>
+          <a:xfrm>
+            <a:off x="18410614" y="16387258"/>
+            <a:ext cx="558945" cy="369332"/>
+          </a:xfrm>
+          <a:prstGeom prst="rect">
+            <a:avLst/>
+          </a:prstGeom>
+          <a:noFill/>
+        </p:spPr>
+        <p:txBody>
+          <a:bodyPr wrap="square" rtlCol="0">
+            <a:spAutoFit/>
+          </a:bodyPr>
+          <a:lstStyle/>
+          <a:p>
+            <a:r>
+              <a:rPr lang="en-US" dirty="0"/>
+              <a:t>(b)</a:t>
             </a:r>
           </a:p>
         </p:txBody>

--- a/workspace/results/plots.pptx
+++ b/workspace/results/plots.pptx
@@ -5,7 +5,7 @@
     <p:sldMasterId id="2147483660" r:id="rId1"/>
   </p:sldMasterIdLst>
   <p:notesMasterIdLst>
-    <p:notesMasterId r:id="rId7"/>
+    <p:notesMasterId r:id="rId8"/>
   </p:notesMasterIdLst>
   <p:sldIdLst>
     <p:sldId id="273" r:id="rId2"/>
@@ -13,6 +13,7 @@
     <p:sldId id="275" r:id="rId4"/>
     <p:sldId id="276" r:id="rId5"/>
     <p:sldId id="277" r:id="rId6"/>
+    <p:sldId id="278" r:id="rId7"/>
   </p:sldIdLst>
   <p:sldSz cx="27432000" cy="27432000"/>
   <p:notesSz cx="6858000" cy="9144000"/>
@@ -213,7 +214,7 @@
           <a:p>
             <a:fld id="{F2499265-4902-4D12-9F29-F50D9E7A04F8}" type="datetimeFigureOut">
               <a:rPr lang="en-US" smtClean="0"/>
-              <a:t>1/20/2021</a:t>
+              <a:t>2/2/2021</a:t>
             </a:fld>
             <a:endParaRPr lang="en-US"/>
           </a:p>
@@ -698,7 +699,7 @@
           <a:p>
             <a:fld id="{D33114D3-7C8E-4A85-97DC-A0E08C5E6A03}" type="datetimeFigureOut">
               <a:rPr lang="en-US" smtClean="0"/>
-              <a:t>1/20/2021</a:t>
+              <a:t>2/2/2021</a:t>
             </a:fld>
             <a:endParaRPr lang="en-US"/>
           </a:p>
@@ -868,7 +869,7 @@
           <a:p>
             <a:fld id="{D33114D3-7C8E-4A85-97DC-A0E08C5E6A03}" type="datetimeFigureOut">
               <a:rPr lang="en-US" smtClean="0"/>
-              <a:t>1/20/2021</a:t>
+              <a:t>2/2/2021</a:t>
             </a:fld>
             <a:endParaRPr lang="en-US"/>
           </a:p>
@@ -1048,7 +1049,7 @@
           <a:p>
             <a:fld id="{D33114D3-7C8E-4A85-97DC-A0E08C5E6A03}" type="datetimeFigureOut">
               <a:rPr lang="en-US" smtClean="0"/>
-              <a:t>1/20/2021</a:t>
+              <a:t>2/2/2021</a:t>
             </a:fld>
             <a:endParaRPr lang="en-US"/>
           </a:p>
@@ -1218,7 +1219,7 @@
           <a:p>
             <a:fld id="{D33114D3-7C8E-4A85-97DC-A0E08C5E6A03}" type="datetimeFigureOut">
               <a:rPr lang="en-US" smtClean="0"/>
-              <a:t>1/20/2021</a:t>
+              <a:t>2/2/2021</a:t>
             </a:fld>
             <a:endParaRPr lang="en-US"/>
           </a:p>
@@ -1462,7 +1463,7 @@
           <a:p>
             <a:fld id="{D33114D3-7C8E-4A85-97DC-A0E08C5E6A03}" type="datetimeFigureOut">
               <a:rPr lang="en-US" smtClean="0"/>
-              <a:t>1/20/2021</a:t>
+              <a:t>2/2/2021</a:t>
             </a:fld>
             <a:endParaRPr lang="en-US"/>
           </a:p>
@@ -1694,7 +1695,7 @@
           <a:p>
             <a:fld id="{D33114D3-7C8E-4A85-97DC-A0E08C5E6A03}" type="datetimeFigureOut">
               <a:rPr lang="en-US" smtClean="0"/>
-              <a:t>1/20/2021</a:t>
+              <a:t>2/2/2021</a:t>
             </a:fld>
             <a:endParaRPr lang="en-US"/>
           </a:p>
@@ -2061,7 +2062,7 @@
           <a:p>
             <a:fld id="{D33114D3-7C8E-4A85-97DC-A0E08C5E6A03}" type="datetimeFigureOut">
               <a:rPr lang="en-US" smtClean="0"/>
-              <a:t>1/20/2021</a:t>
+              <a:t>2/2/2021</a:t>
             </a:fld>
             <a:endParaRPr lang="en-US"/>
           </a:p>
@@ -2179,7 +2180,7 @@
           <a:p>
             <a:fld id="{D33114D3-7C8E-4A85-97DC-A0E08C5E6A03}" type="datetimeFigureOut">
               <a:rPr lang="en-US" smtClean="0"/>
-              <a:t>1/20/2021</a:t>
+              <a:t>2/2/2021</a:t>
             </a:fld>
             <a:endParaRPr lang="en-US"/>
           </a:p>
@@ -2274,7 +2275,7 @@
           <a:p>
             <a:fld id="{D33114D3-7C8E-4A85-97DC-A0E08C5E6A03}" type="datetimeFigureOut">
               <a:rPr lang="en-US" smtClean="0"/>
-              <a:t>1/20/2021</a:t>
+              <a:t>2/2/2021</a:t>
             </a:fld>
             <a:endParaRPr lang="en-US"/>
           </a:p>
@@ -2551,7 +2552,7 @@
           <a:p>
             <a:fld id="{D33114D3-7C8E-4A85-97DC-A0E08C5E6A03}" type="datetimeFigureOut">
               <a:rPr lang="en-US" smtClean="0"/>
-              <a:t>1/20/2021</a:t>
+              <a:t>2/2/2021</a:t>
             </a:fld>
             <a:endParaRPr lang="en-US"/>
           </a:p>
@@ -2808,7 +2809,7 @@
           <a:p>
             <a:fld id="{D33114D3-7C8E-4A85-97DC-A0E08C5E6A03}" type="datetimeFigureOut">
               <a:rPr lang="en-US" smtClean="0"/>
-              <a:t>1/20/2021</a:t>
+              <a:t>2/2/2021</a:t>
             </a:fld>
             <a:endParaRPr lang="en-US"/>
           </a:p>
@@ -3021,7 +3022,7 @@
           <a:p>
             <a:fld id="{D33114D3-7C8E-4A85-97DC-A0E08C5E6A03}" type="datetimeFigureOut">
               <a:rPr lang="en-US" smtClean="0"/>
-              <a:t>1/20/2021</a:t>
+              <a:t>2/2/2021</a:t>
             </a:fld>
             <a:endParaRPr lang="en-US"/>
           </a:p>
@@ -11130,6 +11131,2277 @@
     <p:extLst>
       <p:ext uri="{BB962C8B-B14F-4D97-AF65-F5344CB8AC3E}">
         <p14:creationId xmlns:p14="http://schemas.microsoft.com/office/powerpoint/2010/main" val="3171672561"/>
+      </p:ext>
+    </p:extLst>
+  </p:cSld>
+  <p:clrMapOvr>
+    <a:masterClrMapping/>
+  </p:clrMapOvr>
+</p:sld>
+</file>
+
+<file path=ppt/slides/slide6.xml><?xml version="1.0" encoding="utf-8"?>
+<p:sld xmlns:a="http://schemas.openxmlformats.org/drawingml/2006/main" xmlns:r="http://schemas.openxmlformats.org/officeDocument/2006/relationships" xmlns:p="http://schemas.openxmlformats.org/presentationml/2006/main">
+  <p:cSld>
+    <p:spTree>
+      <p:nvGrpSpPr>
+        <p:cNvPr id="1" name=""/>
+        <p:cNvGrpSpPr/>
+        <p:nvPr/>
+      </p:nvGrpSpPr>
+      <p:grpSpPr>
+        <a:xfrm>
+          <a:off x="0" y="0"/>
+          <a:ext cx="0" cy="0"/>
+          <a:chOff x="0" y="0"/>
+          <a:chExt cx="0" cy="0"/>
+        </a:xfrm>
+      </p:grpSpPr>
+      <p:sp>
+        <p:nvSpPr>
+          <p:cNvPr id="51" name="Rectangle 50">
+            <a:extLst>
+              <a:ext uri="{FF2B5EF4-FFF2-40B4-BE49-F238E27FC236}">
+                <a16:creationId xmlns:a16="http://schemas.microsoft.com/office/drawing/2014/main" id="{D1AFF883-900F-4E85-BCA9-67291AF27D73}"/>
+              </a:ext>
+            </a:extLst>
+          </p:cNvPr>
+          <p:cNvSpPr/>
+          <p:nvPr/>
+        </p:nvSpPr>
+        <p:spPr>
+          <a:xfrm>
+            <a:off x="6434133" y="9472613"/>
+            <a:ext cx="10527271" cy="7327048"/>
+          </a:xfrm>
+          <a:prstGeom prst="rect">
+            <a:avLst/>
+          </a:prstGeom>
+          <a:solidFill>
+            <a:schemeClr val="bg1"/>
+          </a:solidFill>
+          <a:ln>
+            <a:noFill/>
+          </a:ln>
+        </p:spPr>
+        <p:style>
+          <a:lnRef idx="2">
+            <a:schemeClr val="accent1">
+              <a:shade val="50000"/>
+            </a:schemeClr>
+          </a:lnRef>
+          <a:fillRef idx="1">
+            <a:schemeClr val="accent1"/>
+          </a:fillRef>
+          <a:effectRef idx="0">
+            <a:schemeClr val="accent1"/>
+          </a:effectRef>
+          <a:fontRef idx="minor">
+            <a:schemeClr val="lt1"/>
+          </a:fontRef>
+        </p:style>
+        <p:txBody>
+          <a:bodyPr rtlCol="0" anchor="ctr"/>
+          <a:lstStyle/>
+          <a:p>
+            <a:pPr algn="ctr"/>
+            <a:endParaRPr lang="en-US"/>
+          </a:p>
+        </p:txBody>
+      </p:sp>
+      <p:pic>
+        <p:nvPicPr>
+          <p:cNvPr id="8" name="Picture 7">
+            <a:extLst>
+              <a:ext uri="{FF2B5EF4-FFF2-40B4-BE49-F238E27FC236}">
+                <a16:creationId xmlns:a16="http://schemas.microsoft.com/office/drawing/2014/main" id="{4814E898-4045-4FC5-B2DA-0F79B1326931}"/>
+              </a:ext>
+            </a:extLst>
+          </p:cNvPr>
+          <p:cNvPicPr>
+            <a:picLocks noChangeAspect="1"/>
+          </p:cNvPicPr>
+          <p:nvPr/>
+        </p:nvPicPr>
+        <p:blipFill>
+          <a:blip r:embed="rId2"/>
+          <a:stretch>
+            <a:fillRect/>
+          </a:stretch>
+        </p:blipFill>
+        <p:spPr>
+          <a:xfrm>
+            <a:off x="9701646" y="11327822"/>
+            <a:ext cx="653142" cy="691143"/>
+          </a:xfrm>
+          <a:prstGeom prst="rect">
+            <a:avLst/>
+          </a:prstGeom>
+        </p:spPr>
+      </p:pic>
+      <p:sp>
+        <p:nvSpPr>
+          <p:cNvPr id="9" name="Rectangle 8">
+            <a:extLst>
+              <a:ext uri="{FF2B5EF4-FFF2-40B4-BE49-F238E27FC236}">
+                <a16:creationId xmlns:a16="http://schemas.microsoft.com/office/drawing/2014/main" id="{7465A338-2976-4C59-BC7E-9665AD616EAD}"/>
+              </a:ext>
+            </a:extLst>
+          </p:cNvPr>
+          <p:cNvSpPr/>
+          <p:nvPr/>
+        </p:nvSpPr>
+        <p:spPr>
+          <a:xfrm>
+            <a:off x="6795692" y="15375518"/>
+            <a:ext cx="10165712" cy="1414732"/>
+          </a:xfrm>
+          <a:prstGeom prst="rect">
+            <a:avLst/>
+          </a:prstGeom>
+          <a:solidFill>
+            <a:schemeClr val="bg1"/>
+          </a:solidFill>
+          <a:ln>
+            <a:solidFill>
+              <a:schemeClr val="bg1"/>
+            </a:solidFill>
+          </a:ln>
+        </p:spPr>
+        <p:style>
+          <a:lnRef idx="2">
+            <a:schemeClr val="accent1">
+              <a:shade val="50000"/>
+            </a:schemeClr>
+          </a:lnRef>
+          <a:fillRef idx="1">
+            <a:schemeClr val="accent1"/>
+          </a:fillRef>
+          <a:effectRef idx="0">
+            <a:schemeClr val="accent1"/>
+          </a:effectRef>
+          <a:fontRef idx="minor">
+            <a:schemeClr val="lt1"/>
+          </a:fontRef>
+        </p:style>
+        <p:txBody>
+          <a:bodyPr rtlCol="0" anchor="ctr"/>
+          <a:lstStyle/>
+          <a:p>
+            <a:pPr algn="ctr"/>
+            <a:endParaRPr lang="en-US"/>
+          </a:p>
+        </p:txBody>
+      </p:sp>
+      <p:sp>
+        <p:nvSpPr>
+          <p:cNvPr id="7" name="TextBox 6">
+            <a:extLst>
+              <a:ext uri="{FF2B5EF4-FFF2-40B4-BE49-F238E27FC236}">
+                <a16:creationId xmlns:a16="http://schemas.microsoft.com/office/drawing/2014/main" id="{1B95FDD8-E213-4436-8E4C-1913B4E27B35}"/>
+              </a:ext>
+            </a:extLst>
+          </p:cNvPr>
+          <p:cNvSpPr txBox="1"/>
+          <p:nvPr/>
+        </p:nvSpPr>
+        <p:spPr>
+          <a:xfrm>
+            <a:off x="6795692" y="15599332"/>
+            <a:ext cx="965643" cy="1015663"/>
+          </a:xfrm>
+          <a:prstGeom prst="rect">
+            <a:avLst/>
+          </a:prstGeom>
+          <a:noFill/>
+        </p:spPr>
+        <p:txBody>
+          <a:bodyPr wrap="square" rtlCol="0">
+            <a:spAutoFit/>
+          </a:bodyPr>
+          <a:lstStyle/>
+          <a:p>
+            <a:pPr algn="r"/>
+            <a:r>
+              <a:rPr lang="en-US" sz="1200" b="1" dirty="0"/>
+              <a:t>Human TTV</a:t>
+            </a:r>
+          </a:p>
+          <a:p>
+            <a:pPr algn="r"/>
+            <a:r>
+              <a:rPr lang="en-US" sz="1200" b="1" dirty="0"/>
+              <a:t>TTSuV</a:t>
+            </a:r>
+          </a:p>
+          <a:p>
+            <a:pPr algn="r"/>
+            <a:r>
+              <a:rPr lang="en-US" sz="1200" b="1" dirty="0"/>
+              <a:t>CAV</a:t>
+            </a:r>
+          </a:p>
+          <a:p>
+            <a:pPr algn="r"/>
+            <a:r>
+              <a:rPr lang="en-US" sz="1200" b="1" dirty="0" err="1"/>
+              <a:t>TTLwV</a:t>
+            </a:r>
+            <a:endParaRPr lang="en-US" sz="1200" b="1" dirty="0"/>
+          </a:p>
+          <a:p>
+            <a:pPr algn="r"/>
+            <a:r>
+              <a:rPr lang="en-US" sz="1200" b="1" dirty="0"/>
+              <a:t>PCV</a:t>
+            </a:r>
+          </a:p>
+        </p:txBody>
+      </p:sp>
+      <p:sp>
+        <p:nvSpPr>
+          <p:cNvPr id="2" name="Rectangle: Rounded Corners 1">
+            <a:extLst>
+              <a:ext uri="{FF2B5EF4-FFF2-40B4-BE49-F238E27FC236}">
+                <a16:creationId xmlns:a16="http://schemas.microsoft.com/office/drawing/2014/main" id="{46557991-8A6E-49DA-8715-B746244CBDF9}"/>
+              </a:ext>
+            </a:extLst>
+          </p:cNvPr>
+          <p:cNvSpPr/>
+          <p:nvPr/>
+        </p:nvSpPr>
+        <p:spPr>
+          <a:xfrm>
+            <a:off x="10836378" y="11426318"/>
+            <a:ext cx="5022601" cy="3749420"/>
+          </a:xfrm>
+          <a:prstGeom prst="roundRect">
+            <a:avLst/>
+          </a:prstGeom>
+          <a:solidFill>
+            <a:schemeClr val="bg1"/>
+          </a:solidFill>
+          <a:ln w="63500">
+            <a:solidFill>
+              <a:schemeClr val="accent1">
+                <a:lumMod val="50000"/>
+              </a:schemeClr>
+            </a:solidFill>
+          </a:ln>
+        </p:spPr>
+        <p:style>
+          <a:lnRef idx="2">
+            <a:schemeClr val="accent1">
+              <a:shade val="50000"/>
+            </a:schemeClr>
+          </a:lnRef>
+          <a:fillRef idx="1">
+            <a:schemeClr val="accent1"/>
+          </a:fillRef>
+          <a:effectRef idx="0">
+            <a:schemeClr val="accent1"/>
+          </a:effectRef>
+          <a:fontRef idx="minor">
+            <a:schemeClr val="lt1"/>
+          </a:fontRef>
+        </p:style>
+        <p:txBody>
+          <a:bodyPr rtlCol="0" anchor="ctr"/>
+          <a:lstStyle/>
+          <a:p>
+            <a:pPr algn="ctr"/>
+            <a:endParaRPr lang="en-US"/>
+          </a:p>
+        </p:txBody>
+      </p:sp>
+      <p:grpSp>
+        <p:nvGrpSpPr>
+          <p:cNvPr id="16" name="Group 15">
+            <a:extLst>
+              <a:ext uri="{FF2B5EF4-FFF2-40B4-BE49-F238E27FC236}">
+                <a16:creationId xmlns:a16="http://schemas.microsoft.com/office/drawing/2014/main" id="{DDC9AE25-B344-4023-A9B7-CB2D6E9B436A}"/>
+              </a:ext>
+            </a:extLst>
+          </p:cNvPr>
+          <p:cNvGrpSpPr/>
+          <p:nvPr/>
+        </p:nvGrpSpPr>
+        <p:grpSpPr>
+          <a:xfrm>
+            <a:off x="9793472" y="11733957"/>
+            <a:ext cx="1013073" cy="960764"/>
+            <a:chOff x="9793472" y="11733957"/>
+            <a:chExt cx="1013073" cy="960764"/>
+          </a:xfrm>
+        </p:grpSpPr>
+        <p:sp>
+          <p:nvSpPr>
+            <p:cNvPr id="4" name="Freeform: Shape 3">
+              <a:extLst>
+                <a:ext uri="{FF2B5EF4-FFF2-40B4-BE49-F238E27FC236}">
+                  <a16:creationId xmlns:a16="http://schemas.microsoft.com/office/drawing/2014/main" id="{B38351D5-8769-4D84-8C1F-AB2F80FF494C}"/>
+                </a:ext>
+              </a:extLst>
+            </p:cNvPr>
+            <p:cNvSpPr/>
+            <p:nvPr/>
+          </p:nvSpPr>
+          <p:spPr>
+            <a:xfrm>
+              <a:off x="9809017" y="12160332"/>
+              <a:ext cx="997528" cy="142505"/>
+            </a:xfrm>
+            <a:custGeom>
+              <a:avLst/>
+              <a:gdLst>
+                <a:gd name="connsiteX0" fmla="*/ 1650670 w 1650670"/>
+                <a:gd name="connsiteY0" fmla="*/ 201881 h 216736"/>
+                <a:gd name="connsiteX1" fmla="*/ 1235034 w 1650670"/>
+                <a:gd name="connsiteY1" fmla="*/ 201881 h 216736"/>
+                <a:gd name="connsiteX2" fmla="*/ 1163782 w 1650670"/>
+                <a:gd name="connsiteY2" fmla="*/ 47502 h 216736"/>
+                <a:gd name="connsiteX3" fmla="*/ 665019 w 1650670"/>
+                <a:gd name="connsiteY3" fmla="*/ 11876 h 216736"/>
+                <a:gd name="connsiteX4" fmla="*/ 225631 w 1650670"/>
+                <a:gd name="connsiteY4" fmla="*/ 142504 h 216736"/>
+                <a:gd name="connsiteX5" fmla="*/ 0 w 1650670"/>
+                <a:gd name="connsiteY5" fmla="*/ 0 h 216736"/>
+              </a:gdLst>
+              <a:ahLst/>
+              <a:cxnLst>
+                <a:cxn ang="0">
+                  <a:pos x="connsiteX0" y="connsiteY0"/>
+                </a:cxn>
+                <a:cxn ang="0">
+                  <a:pos x="connsiteX1" y="connsiteY1"/>
+                </a:cxn>
+                <a:cxn ang="0">
+                  <a:pos x="connsiteX2" y="connsiteY2"/>
+                </a:cxn>
+                <a:cxn ang="0">
+                  <a:pos x="connsiteX3" y="connsiteY3"/>
+                </a:cxn>
+                <a:cxn ang="0">
+                  <a:pos x="connsiteX4" y="connsiteY4"/>
+                </a:cxn>
+                <a:cxn ang="0">
+                  <a:pos x="connsiteX5" y="connsiteY5"/>
+                </a:cxn>
+              </a:cxnLst>
+              <a:rect l="l" t="t" r="r" b="b"/>
+              <a:pathLst>
+                <a:path w="1650670" h="216736">
+                  <a:moveTo>
+                    <a:pt x="1650670" y="201881"/>
+                  </a:moveTo>
+                  <a:cubicBezTo>
+                    <a:pt x="1483426" y="214746"/>
+                    <a:pt x="1316182" y="227611"/>
+                    <a:pt x="1235034" y="201881"/>
+                  </a:cubicBezTo>
+                  <a:cubicBezTo>
+                    <a:pt x="1153886" y="176151"/>
+                    <a:pt x="1258785" y="79170"/>
+                    <a:pt x="1163782" y="47502"/>
+                  </a:cubicBezTo>
+                  <a:cubicBezTo>
+                    <a:pt x="1068779" y="15834"/>
+                    <a:pt x="821377" y="-3958"/>
+                    <a:pt x="665019" y="11876"/>
+                  </a:cubicBezTo>
+                  <a:cubicBezTo>
+                    <a:pt x="508661" y="27710"/>
+                    <a:pt x="336467" y="144483"/>
+                    <a:pt x="225631" y="142504"/>
+                  </a:cubicBezTo>
+                  <a:cubicBezTo>
+                    <a:pt x="114795" y="140525"/>
+                    <a:pt x="57397" y="70262"/>
+                    <a:pt x="0" y="0"/>
+                  </a:cubicBezTo>
+                </a:path>
+              </a:pathLst>
+            </a:custGeom>
+            <a:noFill/>
+            <a:ln w="34925"/>
+          </p:spPr>
+          <p:style>
+            <a:lnRef idx="2">
+              <a:schemeClr val="accent1">
+                <a:shade val="50000"/>
+              </a:schemeClr>
+            </a:lnRef>
+            <a:fillRef idx="1">
+              <a:schemeClr val="accent1"/>
+            </a:fillRef>
+            <a:effectRef idx="0">
+              <a:schemeClr val="accent1"/>
+            </a:effectRef>
+            <a:fontRef idx="minor">
+              <a:schemeClr val="lt1"/>
+            </a:fontRef>
+          </p:style>
+          <p:txBody>
+            <a:bodyPr rtlCol="0" anchor="ctr"/>
+            <a:lstStyle/>
+            <a:p>
+              <a:pPr algn="ctr"/>
+              <a:endParaRPr lang="en-US"/>
+            </a:p>
+          </p:txBody>
+        </p:sp>
+        <p:sp>
+          <p:nvSpPr>
+            <p:cNvPr id="5" name="Freeform: Shape 4">
+              <a:extLst>
+                <a:ext uri="{FF2B5EF4-FFF2-40B4-BE49-F238E27FC236}">
+                  <a16:creationId xmlns:a16="http://schemas.microsoft.com/office/drawing/2014/main" id="{D7A3E621-265D-45A4-A5FE-54DDD8F750DD}"/>
+                </a:ext>
+              </a:extLst>
+            </p:cNvPr>
+            <p:cNvSpPr/>
+            <p:nvPr/>
+          </p:nvSpPr>
+          <p:spPr>
+            <a:xfrm>
+              <a:off x="9793472" y="11733957"/>
+              <a:ext cx="121434" cy="451262"/>
+            </a:xfrm>
+            <a:custGeom>
+              <a:avLst/>
+              <a:gdLst>
+                <a:gd name="connsiteX0" fmla="*/ 71252 w 121434"/>
+                <a:gd name="connsiteY0" fmla="*/ 451262 h 451262"/>
+                <a:gd name="connsiteX1" fmla="*/ 118754 w 121434"/>
+                <a:gd name="connsiteY1" fmla="*/ 261257 h 451262"/>
+                <a:gd name="connsiteX2" fmla="*/ 0 w 121434"/>
+                <a:gd name="connsiteY2" fmla="*/ 118753 h 451262"/>
+                <a:gd name="connsiteX3" fmla="*/ 118754 w 121434"/>
+                <a:gd name="connsiteY3" fmla="*/ 0 h 451262"/>
+              </a:gdLst>
+              <a:ahLst/>
+              <a:cxnLst>
+                <a:cxn ang="0">
+                  <a:pos x="connsiteX0" y="connsiteY0"/>
+                </a:cxn>
+                <a:cxn ang="0">
+                  <a:pos x="connsiteX1" y="connsiteY1"/>
+                </a:cxn>
+                <a:cxn ang="0">
+                  <a:pos x="connsiteX2" y="connsiteY2"/>
+                </a:cxn>
+                <a:cxn ang="0">
+                  <a:pos x="connsiteX3" y="connsiteY3"/>
+                </a:cxn>
+              </a:cxnLst>
+              <a:rect l="l" t="t" r="r" b="b"/>
+              <a:pathLst>
+                <a:path w="121434" h="451262">
+                  <a:moveTo>
+                    <a:pt x="71252" y="451262"/>
+                  </a:moveTo>
+                  <a:cubicBezTo>
+                    <a:pt x="100940" y="383968"/>
+                    <a:pt x="130629" y="316675"/>
+                    <a:pt x="118754" y="261257"/>
+                  </a:cubicBezTo>
+                  <a:cubicBezTo>
+                    <a:pt x="106879" y="205839"/>
+                    <a:pt x="0" y="162296"/>
+                    <a:pt x="0" y="118753"/>
+                  </a:cubicBezTo>
+                  <a:cubicBezTo>
+                    <a:pt x="0" y="75210"/>
+                    <a:pt x="59377" y="37605"/>
+                    <a:pt x="118754" y="0"/>
+                  </a:cubicBezTo>
+                </a:path>
+              </a:pathLst>
+            </a:custGeom>
+            <a:ln w="34925"/>
+          </p:spPr>
+          <p:style>
+            <a:lnRef idx="1">
+              <a:schemeClr val="accent2"/>
+            </a:lnRef>
+            <a:fillRef idx="0">
+              <a:schemeClr val="accent2"/>
+            </a:fillRef>
+            <a:effectRef idx="0">
+              <a:schemeClr val="accent2"/>
+            </a:effectRef>
+            <a:fontRef idx="minor">
+              <a:schemeClr val="tx1"/>
+            </a:fontRef>
+          </p:style>
+          <p:txBody>
+            <a:bodyPr rtlCol="0" anchor="ctr"/>
+            <a:lstStyle/>
+            <a:p>
+              <a:pPr algn="ctr"/>
+              <a:endParaRPr lang="en-US"/>
+            </a:p>
+          </p:txBody>
+        </p:sp>
+        <p:sp>
+          <p:nvSpPr>
+            <p:cNvPr id="10" name="Freeform: Shape 9">
+              <a:extLst>
+                <a:ext uri="{FF2B5EF4-FFF2-40B4-BE49-F238E27FC236}">
+                  <a16:creationId xmlns:a16="http://schemas.microsoft.com/office/drawing/2014/main" id="{100F3142-97A4-41D8-84FF-73BE95910F73}"/>
+                </a:ext>
+              </a:extLst>
+            </p:cNvPr>
+            <p:cNvSpPr/>
+            <p:nvPr/>
+          </p:nvSpPr>
+          <p:spPr>
+            <a:xfrm>
+              <a:off x="10142229" y="11733957"/>
+              <a:ext cx="121434" cy="451262"/>
+            </a:xfrm>
+            <a:custGeom>
+              <a:avLst/>
+              <a:gdLst>
+                <a:gd name="connsiteX0" fmla="*/ 71252 w 121434"/>
+                <a:gd name="connsiteY0" fmla="*/ 451262 h 451262"/>
+                <a:gd name="connsiteX1" fmla="*/ 118754 w 121434"/>
+                <a:gd name="connsiteY1" fmla="*/ 261257 h 451262"/>
+                <a:gd name="connsiteX2" fmla="*/ 0 w 121434"/>
+                <a:gd name="connsiteY2" fmla="*/ 118753 h 451262"/>
+                <a:gd name="connsiteX3" fmla="*/ 118754 w 121434"/>
+                <a:gd name="connsiteY3" fmla="*/ 0 h 451262"/>
+              </a:gdLst>
+              <a:ahLst/>
+              <a:cxnLst>
+                <a:cxn ang="0">
+                  <a:pos x="connsiteX0" y="connsiteY0"/>
+                </a:cxn>
+                <a:cxn ang="0">
+                  <a:pos x="connsiteX1" y="connsiteY1"/>
+                </a:cxn>
+                <a:cxn ang="0">
+                  <a:pos x="connsiteX2" y="connsiteY2"/>
+                </a:cxn>
+                <a:cxn ang="0">
+                  <a:pos x="connsiteX3" y="connsiteY3"/>
+                </a:cxn>
+              </a:cxnLst>
+              <a:rect l="l" t="t" r="r" b="b"/>
+              <a:pathLst>
+                <a:path w="121434" h="451262">
+                  <a:moveTo>
+                    <a:pt x="71252" y="451262"/>
+                  </a:moveTo>
+                  <a:cubicBezTo>
+                    <a:pt x="100940" y="383968"/>
+                    <a:pt x="130629" y="316675"/>
+                    <a:pt x="118754" y="261257"/>
+                  </a:cubicBezTo>
+                  <a:cubicBezTo>
+                    <a:pt x="106879" y="205839"/>
+                    <a:pt x="0" y="162296"/>
+                    <a:pt x="0" y="118753"/>
+                  </a:cubicBezTo>
+                  <a:cubicBezTo>
+                    <a:pt x="0" y="75210"/>
+                    <a:pt x="59377" y="37605"/>
+                    <a:pt x="118754" y="0"/>
+                  </a:cubicBezTo>
+                </a:path>
+              </a:pathLst>
+            </a:custGeom>
+            <a:ln w="34925"/>
+          </p:spPr>
+          <p:style>
+            <a:lnRef idx="1">
+              <a:schemeClr val="accent2"/>
+            </a:lnRef>
+            <a:fillRef idx="0">
+              <a:schemeClr val="accent2"/>
+            </a:fillRef>
+            <a:effectRef idx="0">
+              <a:schemeClr val="accent2"/>
+            </a:effectRef>
+            <a:fontRef idx="minor">
+              <a:schemeClr val="tx1"/>
+            </a:fontRef>
+          </p:style>
+          <p:txBody>
+            <a:bodyPr rtlCol="0" anchor="ctr"/>
+            <a:lstStyle/>
+            <a:p>
+              <a:pPr algn="ctr"/>
+              <a:endParaRPr lang="en-US"/>
+            </a:p>
+          </p:txBody>
+        </p:sp>
+        <p:sp>
+          <p:nvSpPr>
+            <p:cNvPr id="11" name="Freeform: Shape 10">
+              <a:extLst>
+                <a:ext uri="{FF2B5EF4-FFF2-40B4-BE49-F238E27FC236}">
+                  <a16:creationId xmlns:a16="http://schemas.microsoft.com/office/drawing/2014/main" id="{DC251BD4-6941-4CA5-84FF-137307F34575}"/>
+                </a:ext>
+              </a:extLst>
+            </p:cNvPr>
+            <p:cNvSpPr/>
+            <p:nvPr/>
+          </p:nvSpPr>
+          <p:spPr>
+            <a:xfrm>
+              <a:off x="9914906" y="12243459"/>
+              <a:ext cx="121434" cy="451262"/>
+            </a:xfrm>
+            <a:custGeom>
+              <a:avLst/>
+              <a:gdLst>
+                <a:gd name="connsiteX0" fmla="*/ 71252 w 121434"/>
+                <a:gd name="connsiteY0" fmla="*/ 451262 h 451262"/>
+                <a:gd name="connsiteX1" fmla="*/ 118754 w 121434"/>
+                <a:gd name="connsiteY1" fmla="*/ 261257 h 451262"/>
+                <a:gd name="connsiteX2" fmla="*/ 0 w 121434"/>
+                <a:gd name="connsiteY2" fmla="*/ 118753 h 451262"/>
+                <a:gd name="connsiteX3" fmla="*/ 118754 w 121434"/>
+                <a:gd name="connsiteY3" fmla="*/ 0 h 451262"/>
+              </a:gdLst>
+              <a:ahLst/>
+              <a:cxnLst>
+                <a:cxn ang="0">
+                  <a:pos x="connsiteX0" y="connsiteY0"/>
+                </a:cxn>
+                <a:cxn ang="0">
+                  <a:pos x="connsiteX1" y="connsiteY1"/>
+                </a:cxn>
+                <a:cxn ang="0">
+                  <a:pos x="connsiteX2" y="connsiteY2"/>
+                </a:cxn>
+                <a:cxn ang="0">
+                  <a:pos x="connsiteX3" y="connsiteY3"/>
+                </a:cxn>
+              </a:cxnLst>
+              <a:rect l="l" t="t" r="r" b="b"/>
+              <a:pathLst>
+                <a:path w="121434" h="451262">
+                  <a:moveTo>
+                    <a:pt x="71252" y="451262"/>
+                  </a:moveTo>
+                  <a:cubicBezTo>
+                    <a:pt x="100940" y="383968"/>
+                    <a:pt x="130629" y="316675"/>
+                    <a:pt x="118754" y="261257"/>
+                  </a:cubicBezTo>
+                  <a:cubicBezTo>
+                    <a:pt x="106879" y="205839"/>
+                    <a:pt x="0" y="162296"/>
+                    <a:pt x="0" y="118753"/>
+                  </a:cubicBezTo>
+                  <a:cubicBezTo>
+                    <a:pt x="0" y="75210"/>
+                    <a:pt x="59377" y="37605"/>
+                    <a:pt x="118754" y="0"/>
+                  </a:cubicBezTo>
+                </a:path>
+              </a:pathLst>
+            </a:custGeom>
+            <a:ln w="34925"/>
+          </p:spPr>
+          <p:style>
+            <a:lnRef idx="1">
+              <a:schemeClr val="accent2"/>
+            </a:lnRef>
+            <a:fillRef idx="0">
+              <a:schemeClr val="accent2"/>
+            </a:fillRef>
+            <a:effectRef idx="0">
+              <a:schemeClr val="accent2"/>
+            </a:effectRef>
+            <a:fontRef idx="minor">
+              <a:schemeClr val="tx1"/>
+            </a:fontRef>
+          </p:style>
+          <p:txBody>
+            <a:bodyPr rtlCol="0" anchor="ctr"/>
+            <a:lstStyle/>
+            <a:p>
+              <a:pPr algn="ctr"/>
+              <a:endParaRPr lang="en-US"/>
+            </a:p>
+          </p:txBody>
+        </p:sp>
+      </p:grpSp>
+      <p:sp>
+        <p:nvSpPr>
+          <p:cNvPr id="14" name="Rectangle 13">
+            <a:extLst>
+              <a:ext uri="{FF2B5EF4-FFF2-40B4-BE49-F238E27FC236}">
+                <a16:creationId xmlns:a16="http://schemas.microsoft.com/office/drawing/2014/main" id="{E7C313DE-54D8-44A4-9991-4A93F52C8B9E}"/>
+              </a:ext>
+            </a:extLst>
+          </p:cNvPr>
+          <p:cNvSpPr/>
+          <p:nvPr/>
+        </p:nvSpPr>
+        <p:spPr>
+          <a:xfrm rot="810373">
+            <a:off x="10465141" y="13121621"/>
+            <a:ext cx="997528" cy="1063121"/>
+          </a:xfrm>
+          <a:prstGeom prst="rect">
+            <a:avLst/>
+          </a:prstGeom>
+          <a:solidFill>
+            <a:schemeClr val="bg1"/>
+          </a:solidFill>
+          <a:ln>
+            <a:noFill/>
+          </a:ln>
+        </p:spPr>
+        <p:style>
+          <a:lnRef idx="2">
+            <a:schemeClr val="accent1">
+              <a:shade val="50000"/>
+            </a:schemeClr>
+          </a:lnRef>
+          <a:fillRef idx="1">
+            <a:schemeClr val="accent1"/>
+          </a:fillRef>
+          <a:effectRef idx="0">
+            <a:schemeClr val="accent1"/>
+          </a:effectRef>
+          <a:fontRef idx="minor">
+            <a:schemeClr val="lt1"/>
+          </a:fontRef>
+        </p:style>
+        <p:txBody>
+          <a:bodyPr rtlCol="0" anchor="ctr"/>
+          <a:lstStyle/>
+          <a:p>
+            <a:pPr algn="ctr"/>
+            <a:endParaRPr lang="en-US"/>
+          </a:p>
+        </p:txBody>
+      </p:sp>
+      <p:sp>
+        <p:nvSpPr>
+          <p:cNvPr id="13" name="Arc 12">
+            <a:extLst>
+              <a:ext uri="{FF2B5EF4-FFF2-40B4-BE49-F238E27FC236}">
+                <a16:creationId xmlns:a16="http://schemas.microsoft.com/office/drawing/2014/main" id="{F9938BDE-2B8E-4D11-B750-91F1509D0C97}"/>
+              </a:ext>
+            </a:extLst>
+          </p:cNvPr>
+          <p:cNvSpPr/>
+          <p:nvPr/>
+        </p:nvSpPr>
+        <p:spPr>
+          <a:xfrm rot="2787064">
+            <a:off x="9323183" y="12792715"/>
+            <a:ext cx="1674421" cy="1794765"/>
+          </a:xfrm>
+          <a:prstGeom prst="arc">
+            <a:avLst>
+              <a:gd name="adj1" fmla="val 16200000"/>
+              <a:gd name="adj2" fmla="val 20993032"/>
+            </a:avLst>
+          </a:prstGeom>
+          <a:ln w="63500">
+            <a:solidFill>
+              <a:schemeClr val="accent1">
+                <a:lumMod val="50000"/>
+              </a:schemeClr>
+            </a:solidFill>
+          </a:ln>
+        </p:spPr>
+        <p:style>
+          <a:lnRef idx="1">
+            <a:schemeClr val="accent1"/>
+          </a:lnRef>
+          <a:fillRef idx="0">
+            <a:schemeClr val="accent1"/>
+          </a:fillRef>
+          <a:effectRef idx="0">
+            <a:schemeClr val="accent1"/>
+          </a:effectRef>
+          <a:fontRef idx="minor">
+            <a:schemeClr val="tx1"/>
+          </a:fontRef>
+        </p:style>
+        <p:txBody>
+          <a:bodyPr rtlCol="0" anchor="ctr"/>
+          <a:lstStyle/>
+          <a:p>
+            <a:pPr algn="ctr"/>
+            <a:endParaRPr lang="en-US"/>
+          </a:p>
+        </p:txBody>
+      </p:sp>
+      <p:pic>
+        <p:nvPicPr>
+          <p:cNvPr id="15" name="Picture 14">
+            <a:extLst>
+              <a:ext uri="{FF2B5EF4-FFF2-40B4-BE49-F238E27FC236}">
+                <a16:creationId xmlns:a16="http://schemas.microsoft.com/office/drawing/2014/main" id="{7CFE13D2-CCDC-46D8-A065-62DB4A7DADF9}"/>
+              </a:ext>
+            </a:extLst>
+          </p:cNvPr>
+          <p:cNvPicPr>
+            <a:picLocks noChangeAspect="1"/>
+          </p:cNvPicPr>
+          <p:nvPr/>
+        </p:nvPicPr>
+        <p:blipFill>
+          <a:blip r:embed="rId2"/>
+          <a:stretch>
+            <a:fillRect/>
+          </a:stretch>
+        </p:blipFill>
+        <p:spPr>
+          <a:xfrm>
+            <a:off x="10261868" y="13282483"/>
+            <a:ext cx="653142" cy="691143"/>
+          </a:xfrm>
+          <a:prstGeom prst="rect">
+            <a:avLst/>
+          </a:prstGeom>
+        </p:spPr>
+      </p:pic>
+      <p:grpSp>
+        <p:nvGrpSpPr>
+          <p:cNvPr id="17" name="Group 16">
+            <a:extLst>
+              <a:ext uri="{FF2B5EF4-FFF2-40B4-BE49-F238E27FC236}">
+                <a16:creationId xmlns:a16="http://schemas.microsoft.com/office/drawing/2014/main" id="{BA60E939-392F-4BB9-B042-A7CC179C6AC4}"/>
+              </a:ext>
+            </a:extLst>
+          </p:cNvPr>
+          <p:cNvGrpSpPr/>
+          <p:nvPr/>
+        </p:nvGrpSpPr>
+        <p:grpSpPr>
+          <a:xfrm rot="3508202">
+            <a:off x="11081030" y="10454585"/>
+            <a:ext cx="1013073" cy="960764"/>
+            <a:chOff x="9793472" y="11733957"/>
+            <a:chExt cx="1013073" cy="960764"/>
+          </a:xfrm>
+        </p:grpSpPr>
+        <p:sp>
+          <p:nvSpPr>
+            <p:cNvPr id="18" name="Freeform: Shape 17">
+              <a:extLst>
+                <a:ext uri="{FF2B5EF4-FFF2-40B4-BE49-F238E27FC236}">
+                  <a16:creationId xmlns:a16="http://schemas.microsoft.com/office/drawing/2014/main" id="{506B6ABA-9532-4D74-ABF2-6E4F4D5900B3}"/>
+                </a:ext>
+              </a:extLst>
+            </p:cNvPr>
+            <p:cNvSpPr/>
+            <p:nvPr/>
+          </p:nvSpPr>
+          <p:spPr>
+            <a:xfrm>
+              <a:off x="9809017" y="12160332"/>
+              <a:ext cx="997528" cy="142505"/>
+            </a:xfrm>
+            <a:custGeom>
+              <a:avLst/>
+              <a:gdLst>
+                <a:gd name="connsiteX0" fmla="*/ 1650670 w 1650670"/>
+                <a:gd name="connsiteY0" fmla="*/ 201881 h 216736"/>
+                <a:gd name="connsiteX1" fmla="*/ 1235034 w 1650670"/>
+                <a:gd name="connsiteY1" fmla="*/ 201881 h 216736"/>
+                <a:gd name="connsiteX2" fmla="*/ 1163782 w 1650670"/>
+                <a:gd name="connsiteY2" fmla="*/ 47502 h 216736"/>
+                <a:gd name="connsiteX3" fmla="*/ 665019 w 1650670"/>
+                <a:gd name="connsiteY3" fmla="*/ 11876 h 216736"/>
+                <a:gd name="connsiteX4" fmla="*/ 225631 w 1650670"/>
+                <a:gd name="connsiteY4" fmla="*/ 142504 h 216736"/>
+                <a:gd name="connsiteX5" fmla="*/ 0 w 1650670"/>
+                <a:gd name="connsiteY5" fmla="*/ 0 h 216736"/>
+              </a:gdLst>
+              <a:ahLst/>
+              <a:cxnLst>
+                <a:cxn ang="0">
+                  <a:pos x="connsiteX0" y="connsiteY0"/>
+                </a:cxn>
+                <a:cxn ang="0">
+                  <a:pos x="connsiteX1" y="connsiteY1"/>
+                </a:cxn>
+                <a:cxn ang="0">
+                  <a:pos x="connsiteX2" y="connsiteY2"/>
+                </a:cxn>
+                <a:cxn ang="0">
+                  <a:pos x="connsiteX3" y="connsiteY3"/>
+                </a:cxn>
+                <a:cxn ang="0">
+                  <a:pos x="connsiteX4" y="connsiteY4"/>
+                </a:cxn>
+                <a:cxn ang="0">
+                  <a:pos x="connsiteX5" y="connsiteY5"/>
+                </a:cxn>
+              </a:cxnLst>
+              <a:rect l="l" t="t" r="r" b="b"/>
+              <a:pathLst>
+                <a:path w="1650670" h="216736">
+                  <a:moveTo>
+                    <a:pt x="1650670" y="201881"/>
+                  </a:moveTo>
+                  <a:cubicBezTo>
+                    <a:pt x="1483426" y="214746"/>
+                    <a:pt x="1316182" y="227611"/>
+                    <a:pt x="1235034" y="201881"/>
+                  </a:cubicBezTo>
+                  <a:cubicBezTo>
+                    <a:pt x="1153886" y="176151"/>
+                    <a:pt x="1258785" y="79170"/>
+                    <a:pt x="1163782" y="47502"/>
+                  </a:cubicBezTo>
+                  <a:cubicBezTo>
+                    <a:pt x="1068779" y="15834"/>
+                    <a:pt x="821377" y="-3958"/>
+                    <a:pt x="665019" y="11876"/>
+                  </a:cubicBezTo>
+                  <a:cubicBezTo>
+                    <a:pt x="508661" y="27710"/>
+                    <a:pt x="336467" y="144483"/>
+                    <a:pt x="225631" y="142504"/>
+                  </a:cubicBezTo>
+                  <a:cubicBezTo>
+                    <a:pt x="114795" y="140525"/>
+                    <a:pt x="57397" y="70262"/>
+                    <a:pt x="0" y="0"/>
+                  </a:cubicBezTo>
+                </a:path>
+              </a:pathLst>
+            </a:custGeom>
+            <a:noFill/>
+            <a:ln w="34925"/>
+          </p:spPr>
+          <p:style>
+            <a:lnRef idx="2">
+              <a:schemeClr val="accent1">
+                <a:shade val="50000"/>
+              </a:schemeClr>
+            </a:lnRef>
+            <a:fillRef idx="1">
+              <a:schemeClr val="accent1"/>
+            </a:fillRef>
+            <a:effectRef idx="0">
+              <a:schemeClr val="accent1"/>
+            </a:effectRef>
+            <a:fontRef idx="minor">
+              <a:schemeClr val="lt1"/>
+            </a:fontRef>
+          </p:style>
+          <p:txBody>
+            <a:bodyPr rtlCol="0" anchor="ctr"/>
+            <a:lstStyle/>
+            <a:p>
+              <a:pPr algn="ctr"/>
+              <a:endParaRPr lang="en-US"/>
+            </a:p>
+          </p:txBody>
+        </p:sp>
+        <p:sp>
+          <p:nvSpPr>
+            <p:cNvPr id="19" name="Freeform: Shape 18">
+              <a:extLst>
+                <a:ext uri="{FF2B5EF4-FFF2-40B4-BE49-F238E27FC236}">
+                  <a16:creationId xmlns:a16="http://schemas.microsoft.com/office/drawing/2014/main" id="{9DBC6F3E-22C6-48C6-824F-6373C81FB92B}"/>
+                </a:ext>
+              </a:extLst>
+            </p:cNvPr>
+            <p:cNvSpPr/>
+            <p:nvPr/>
+          </p:nvSpPr>
+          <p:spPr>
+            <a:xfrm>
+              <a:off x="9793472" y="11733957"/>
+              <a:ext cx="121434" cy="451262"/>
+            </a:xfrm>
+            <a:custGeom>
+              <a:avLst/>
+              <a:gdLst>
+                <a:gd name="connsiteX0" fmla="*/ 71252 w 121434"/>
+                <a:gd name="connsiteY0" fmla="*/ 451262 h 451262"/>
+                <a:gd name="connsiteX1" fmla="*/ 118754 w 121434"/>
+                <a:gd name="connsiteY1" fmla="*/ 261257 h 451262"/>
+                <a:gd name="connsiteX2" fmla="*/ 0 w 121434"/>
+                <a:gd name="connsiteY2" fmla="*/ 118753 h 451262"/>
+                <a:gd name="connsiteX3" fmla="*/ 118754 w 121434"/>
+                <a:gd name="connsiteY3" fmla="*/ 0 h 451262"/>
+              </a:gdLst>
+              <a:ahLst/>
+              <a:cxnLst>
+                <a:cxn ang="0">
+                  <a:pos x="connsiteX0" y="connsiteY0"/>
+                </a:cxn>
+                <a:cxn ang="0">
+                  <a:pos x="connsiteX1" y="connsiteY1"/>
+                </a:cxn>
+                <a:cxn ang="0">
+                  <a:pos x="connsiteX2" y="connsiteY2"/>
+                </a:cxn>
+                <a:cxn ang="0">
+                  <a:pos x="connsiteX3" y="connsiteY3"/>
+                </a:cxn>
+              </a:cxnLst>
+              <a:rect l="l" t="t" r="r" b="b"/>
+              <a:pathLst>
+                <a:path w="121434" h="451262">
+                  <a:moveTo>
+                    <a:pt x="71252" y="451262"/>
+                  </a:moveTo>
+                  <a:cubicBezTo>
+                    <a:pt x="100940" y="383968"/>
+                    <a:pt x="130629" y="316675"/>
+                    <a:pt x="118754" y="261257"/>
+                  </a:cubicBezTo>
+                  <a:cubicBezTo>
+                    <a:pt x="106879" y="205839"/>
+                    <a:pt x="0" y="162296"/>
+                    <a:pt x="0" y="118753"/>
+                  </a:cubicBezTo>
+                  <a:cubicBezTo>
+                    <a:pt x="0" y="75210"/>
+                    <a:pt x="59377" y="37605"/>
+                    <a:pt x="118754" y="0"/>
+                  </a:cubicBezTo>
+                </a:path>
+              </a:pathLst>
+            </a:custGeom>
+            <a:ln w="34925">
+              <a:solidFill>
+                <a:srgbClr val="92D050"/>
+              </a:solidFill>
+            </a:ln>
+          </p:spPr>
+          <p:style>
+            <a:lnRef idx="1">
+              <a:schemeClr val="accent2"/>
+            </a:lnRef>
+            <a:fillRef idx="0">
+              <a:schemeClr val="accent2"/>
+            </a:fillRef>
+            <a:effectRef idx="0">
+              <a:schemeClr val="accent2"/>
+            </a:effectRef>
+            <a:fontRef idx="minor">
+              <a:schemeClr val="tx1"/>
+            </a:fontRef>
+          </p:style>
+          <p:txBody>
+            <a:bodyPr rtlCol="0" anchor="ctr"/>
+            <a:lstStyle/>
+            <a:p>
+              <a:pPr algn="ctr"/>
+              <a:endParaRPr lang="en-US"/>
+            </a:p>
+          </p:txBody>
+        </p:sp>
+        <p:sp>
+          <p:nvSpPr>
+            <p:cNvPr id="20" name="Freeform: Shape 19">
+              <a:extLst>
+                <a:ext uri="{FF2B5EF4-FFF2-40B4-BE49-F238E27FC236}">
+                  <a16:creationId xmlns:a16="http://schemas.microsoft.com/office/drawing/2014/main" id="{1C260D2D-32F2-425E-B24F-2D3E6D8E75F0}"/>
+                </a:ext>
+              </a:extLst>
+            </p:cNvPr>
+            <p:cNvSpPr/>
+            <p:nvPr/>
+          </p:nvSpPr>
+          <p:spPr>
+            <a:xfrm>
+              <a:off x="10142229" y="11733957"/>
+              <a:ext cx="121434" cy="451262"/>
+            </a:xfrm>
+            <a:custGeom>
+              <a:avLst/>
+              <a:gdLst>
+                <a:gd name="connsiteX0" fmla="*/ 71252 w 121434"/>
+                <a:gd name="connsiteY0" fmla="*/ 451262 h 451262"/>
+                <a:gd name="connsiteX1" fmla="*/ 118754 w 121434"/>
+                <a:gd name="connsiteY1" fmla="*/ 261257 h 451262"/>
+                <a:gd name="connsiteX2" fmla="*/ 0 w 121434"/>
+                <a:gd name="connsiteY2" fmla="*/ 118753 h 451262"/>
+                <a:gd name="connsiteX3" fmla="*/ 118754 w 121434"/>
+                <a:gd name="connsiteY3" fmla="*/ 0 h 451262"/>
+              </a:gdLst>
+              <a:ahLst/>
+              <a:cxnLst>
+                <a:cxn ang="0">
+                  <a:pos x="connsiteX0" y="connsiteY0"/>
+                </a:cxn>
+                <a:cxn ang="0">
+                  <a:pos x="connsiteX1" y="connsiteY1"/>
+                </a:cxn>
+                <a:cxn ang="0">
+                  <a:pos x="connsiteX2" y="connsiteY2"/>
+                </a:cxn>
+                <a:cxn ang="0">
+                  <a:pos x="connsiteX3" y="connsiteY3"/>
+                </a:cxn>
+              </a:cxnLst>
+              <a:rect l="l" t="t" r="r" b="b"/>
+              <a:pathLst>
+                <a:path w="121434" h="451262">
+                  <a:moveTo>
+                    <a:pt x="71252" y="451262"/>
+                  </a:moveTo>
+                  <a:cubicBezTo>
+                    <a:pt x="100940" y="383968"/>
+                    <a:pt x="130629" y="316675"/>
+                    <a:pt x="118754" y="261257"/>
+                  </a:cubicBezTo>
+                  <a:cubicBezTo>
+                    <a:pt x="106879" y="205839"/>
+                    <a:pt x="0" y="162296"/>
+                    <a:pt x="0" y="118753"/>
+                  </a:cubicBezTo>
+                  <a:cubicBezTo>
+                    <a:pt x="0" y="75210"/>
+                    <a:pt x="59377" y="37605"/>
+                    <a:pt x="118754" y="0"/>
+                  </a:cubicBezTo>
+                </a:path>
+              </a:pathLst>
+            </a:custGeom>
+            <a:ln w="34925">
+              <a:solidFill>
+                <a:srgbClr val="92D050"/>
+              </a:solidFill>
+            </a:ln>
+          </p:spPr>
+          <p:style>
+            <a:lnRef idx="1">
+              <a:schemeClr val="accent2"/>
+            </a:lnRef>
+            <a:fillRef idx="0">
+              <a:schemeClr val="accent2"/>
+            </a:fillRef>
+            <a:effectRef idx="0">
+              <a:schemeClr val="accent2"/>
+            </a:effectRef>
+            <a:fontRef idx="minor">
+              <a:schemeClr val="tx1"/>
+            </a:fontRef>
+          </p:style>
+          <p:txBody>
+            <a:bodyPr rtlCol="0" anchor="ctr"/>
+            <a:lstStyle/>
+            <a:p>
+              <a:pPr algn="ctr"/>
+              <a:endParaRPr lang="en-US"/>
+            </a:p>
+          </p:txBody>
+        </p:sp>
+        <p:sp>
+          <p:nvSpPr>
+            <p:cNvPr id="21" name="Freeform: Shape 20">
+              <a:extLst>
+                <a:ext uri="{FF2B5EF4-FFF2-40B4-BE49-F238E27FC236}">
+                  <a16:creationId xmlns:a16="http://schemas.microsoft.com/office/drawing/2014/main" id="{B1D935B7-33C3-4AB4-84A0-F6C8916DFF00}"/>
+                </a:ext>
+              </a:extLst>
+            </p:cNvPr>
+            <p:cNvSpPr/>
+            <p:nvPr/>
+          </p:nvSpPr>
+          <p:spPr>
+            <a:xfrm>
+              <a:off x="9914906" y="12243459"/>
+              <a:ext cx="121434" cy="451262"/>
+            </a:xfrm>
+            <a:custGeom>
+              <a:avLst/>
+              <a:gdLst>
+                <a:gd name="connsiteX0" fmla="*/ 71252 w 121434"/>
+                <a:gd name="connsiteY0" fmla="*/ 451262 h 451262"/>
+                <a:gd name="connsiteX1" fmla="*/ 118754 w 121434"/>
+                <a:gd name="connsiteY1" fmla="*/ 261257 h 451262"/>
+                <a:gd name="connsiteX2" fmla="*/ 0 w 121434"/>
+                <a:gd name="connsiteY2" fmla="*/ 118753 h 451262"/>
+                <a:gd name="connsiteX3" fmla="*/ 118754 w 121434"/>
+                <a:gd name="connsiteY3" fmla="*/ 0 h 451262"/>
+              </a:gdLst>
+              <a:ahLst/>
+              <a:cxnLst>
+                <a:cxn ang="0">
+                  <a:pos x="connsiteX0" y="connsiteY0"/>
+                </a:cxn>
+                <a:cxn ang="0">
+                  <a:pos x="connsiteX1" y="connsiteY1"/>
+                </a:cxn>
+                <a:cxn ang="0">
+                  <a:pos x="connsiteX2" y="connsiteY2"/>
+                </a:cxn>
+                <a:cxn ang="0">
+                  <a:pos x="connsiteX3" y="connsiteY3"/>
+                </a:cxn>
+              </a:cxnLst>
+              <a:rect l="l" t="t" r="r" b="b"/>
+              <a:pathLst>
+                <a:path w="121434" h="451262">
+                  <a:moveTo>
+                    <a:pt x="71252" y="451262"/>
+                  </a:moveTo>
+                  <a:cubicBezTo>
+                    <a:pt x="100940" y="383968"/>
+                    <a:pt x="130629" y="316675"/>
+                    <a:pt x="118754" y="261257"/>
+                  </a:cubicBezTo>
+                  <a:cubicBezTo>
+                    <a:pt x="106879" y="205839"/>
+                    <a:pt x="0" y="162296"/>
+                    <a:pt x="0" y="118753"/>
+                  </a:cubicBezTo>
+                  <a:cubicBezTo>
+                    <a:pt x="0" y="75210"/>
+                    <a:pt x="59377" y="37605"/>
+                    <a:pt x="118754" y="0"/>
+                  </a:cubicBezTo>
+                </a:path>
+              </a:pathLst>
+            </a:custGeom>
+            <a:ln w="34925">
+              <a:solidFill>
+                <a:srgbClr val="92D050"/>
+              </a:solidFill>
+            </a:ln>
+          </p:spPr>
+          <p:style>
+            <a:lnRef idx="1">
+              <a:schemeClr val="accent2"/>
+            </a:lnRef>
+            <a:fillRef idx="0">
+              <a:schemeClr val="accent2"/>
+            </a:fillRef>
+            <a:effectRef idx="0">
+              <a:schemeClr val="accent2"/>
+            </a:effectRef>
+            <a:fontRef idx="minor">
+              <a:schemeClr val="tx1"/>
+            </a:fontRef>
+          </p:style>
+          <p:txBody>
+            <a:bodyPr rtlCol="0" anchor="ctr"/>
+            <a:lstStyle/>
+            <a:p>
+              <a:pPr algn="ctr"/>
+              <a:endParaRPr lang="en-US"/>
+            </a:p>
+          </p:txBody>
+        </p:sp>
+      </p:grpSp>
+      <p:cxnSp>
+        <p:nvCxnSpPr>
+          <p:cNvPr id="23" name="Straight Connector 22">
+            <a:extLst>
+              <a:ext uri="{FF2B5EF4-FFF2-40B4-BE49-F238E27FC236}">
+                <a16:creationId xmlns:a16="http://schemas.microsoft.com/office/drawing/2014/main" id="{0FE97618-39F8-4318-8BF7-6E1396AF0615}"/>
+              </a:ext>
+            </a:extLst>
+          </p:cNvPr>
+          <p:cNvCxnSpPr>
+            <a:stCxn id="18" idx="2"/>
+          </p:cNvCxnSpPr>
+          <p:nvPr/>
+        </p:nvCxnSpPr>
+        <p:spPr>
+          <a:xfrm flipV="1">
+            <a:off x="11718001" y="10888760"/>
+            <a:ext cx="1058547" cy="215256"/>
+          </a:xfrm>
+          <a:prstGeom prst="line">
+            <a:avLst/>
+          </a:prstGeom>
+          <a:ln>
+            <a:solidFill>
+              <a:schemeClr val="tx1"/>
+            </a:solidFill>
+          </a:ln>
+        </p:spPr>
+        <p:style>
+          <a:lnRef idx="1">
+            <a:schemeClr val="accent1"/>
+          </a:lnRef>
+          <a:fillRef idx="0">
+            <a:schemeClr val="accent1"/>
+          </a:fillRef>
+          <a:effectRef idx="0">
+            <a:schemeClr val="accent1"/>
+          </a:effectRef>
+          <a:fontRef idx="minor">
+            <a:schemeClr val="tx1"/>
+          </a:fontRef>
+        </p:style>
+      </p:cxnSp>
+      <p:sp>
+        <p:nvSpPr>
+          <p:cNvPr id="24" name="TextBox 23">
+            <a:extLst>
+              <a:ext uri="{FF2B5EF4-FFF2-40B4-BE49-F238E27FC236}">
+                <a16:creationId xmlns:a16="http://schemas.microsoft.com/office/drawing/2014/main" id="{333EF58F-FC93-4C07-9558-E3FB21A1582C}"/>
+              </a:ext>
+            </a:extLst>
+          </p:cNvPr>
+          <p:cNvSpPr txBox="1"/>
+          <p:nvPr/>
+        </p:nvSpPr>
+        <p:spPr>
+          <a:xfrm>
+            <a:off x="12735272" y="9888899"/>
+            <a:ext cx="2192055" cy="369332"/>
+          </a:xfrm>
+          <a:prstGeom prst="rect">
+            <a:avLst/>
+          </a:prstGeom>
+          <a:noFill/>
+        </p:spPr>
+        <p:txBody>
+          <a:bodyPr wrap="square" rtlCol="0">
+            <a:spAutoFit/>
+          </a:bodyPr>
+          <a:lstStyle/>
+          <a:p>
+            <a:r>
+              <a:rPr lang="en-US" dirty="0"/>
+              <a:t>Chondroitin sulfate</a:t>
+            </a:r>
+          </a:p>
+        </p:txBody>
+      </p:sp>
+      <p:cxnSp>
+        <p:nvCxnSpPr>
+          <p:cNvPr id="25" name="Straight Connector 24">
+            <a:extLst>
+              <a:ext uri="{FF2B5EF4-FFF2-40B4-BE49-F238E27FC236}">
+                <a16:creationId xmlns:a16="http://schemas.microsoft.com/office/drawing/2014/main" id="{2C9F9A2E-4268-4436-9155-A88E4CE03A5A}"/>
+              </a:ext>
+            </a:extLst>
+          </p:cNvPr>
+          <p:cNvCxnSpPr/>
+          <p:nvPr/>
+        </p:nvCxnSpPr>
+        <p:spPr>
+          <a:xfrm flipV="1">
+            <a:off x="11676725" y="10087832"/>
+            <a:ext cx="1058547" cy="215256"/>
+          </a:xfrm>
+          <a:prstGeom prst="line">
+            <a:avLst/>
+          </a:prstGeom>
+          <a:ln>
+            <a:solidFill>
+              <a:schemeClr val="tx1"/>
+            </a:solidFill>
+          </a:ln>
+        </p:spPr>
+        <p:style>
+          <a:lnRef idx="1">
+            <a:schemeClr val="accent1"/>
+          </a:lnRef>
+          <a:fillRef idx="0">
+            <a:schemeClr val="accent1"/>
+          </a:fillRef>
+          <a:effectRef idx="0">
+            <a:schemeClr val="accent1"/>
+          </a:effectRef>
+          <a:fontRef idx="minor">
+            <a:schemeClr val="tx1"/>
+          </a:fontRef>
+        </p:style>
+      </p:cxnSp>
+      <p:sp>
+        <p:nvSpPr>
+          <p:cNvPr id="26" name="TextBox 25">
+            <a:extLst>
+              <a:ext uri="{FF2B5EF4-FFF2-40B4-BE49-F238E27FC236}">
+                <a16:creationId xmlns:a16="http://schemas.microsoft.com/office/drawing/2014/main" id="{5A000F63-EA15-4385-9D85-68F78898759E}"/>
+              </a:ext>
+            </a:extLst>
+          </p:cNvPr>
+          <p:cNvSpPr txBox="1"/>
+          <p:nvPr/>
+        </p:nvSpPr>
+        <p:spPr>
+          <a:xfrm>
+            <a:off x="12735272" y="10704094"/>
+            <a:ext cx="1479222" cy="369332"/>
+          </a:xfrm>
+          <a:prstGeom prst="rect">
+            <a:avLst/>
+          </a:prstGeom>
+          <a:noFill/>
+        </p:spPr>
+        <p:txBody>
+          <a:bodyPr wrap="square" rtlCol="0">
+            <a:spAutoFit/>
+          </a:bodyPr>
+          <a:lstStyle/>
+          <a:p>
+            <a:r>
+              <a:rPr lang="en-US" dirty="0"/>
+              <a:t>Core protein</a:t>
+            </a:r>
+          </a:p>
+        </p:txBody>
+      </p:sp>
+      <p:cxnSp>
+        <p:nvCxnSpPr>
+          <p:cNvPr id="27" name="Straight Connector 26">
+            <a:extLst>
+              <a:ext uri="{FF2B5EF4-FFF2-40B4-BE49-F238E27FC236}">
+                <a16:creationId xmlns:a16="http://schemas.microsoft.com/office/drawing/2014/main" id="{DC2AC691-B731-45F9-9B93-E43BB5EA72B1}"/>
+              </a:ext>
+            </a:extLst>
+          </p:cNvPr>
+          <p:cNvCxnSpPr>
+            <a:cxnSpLocks/>
+          </p:cNvCxnSpPr>
+          <p:nvPr/>
+        </p:nvCxnSpPr>
+        <p:spPr>
+          <a:xfrm flipV="1">
+            <a:off x="9348355" y="12582643"/>
+            <a:ext cx="662139" cy="134734"/>
+          </a:xfrm>
+          <a:prstGeom prst="line">
+            <a:avLst/>
+          </a:prstGeom>
+          <a:ln>
+            <a:solidFill>
+              <a:schemeClr val="tx1"/>
+            </a:solidFill>
+          </a:ln>
+        </p:spPr>
+        <p:style>
+          <a:lnRef idx="1">
+            <a:schemeClr val="accent1"/>
+          </a:lnRef>
+          <a:fillRef idx="0">
+            <a:schemeClr val="accent1"/>
+          </a:fillRef>
+          <a:effectRef idx="0">
+            <a:schemeClr val="accent1"/>
+          </a:effectRef>
+          <a:fontRef idx="minor">
+            <a:schemeClr val="tx1"/>
+          </a:fontRef>
+        </p:style>
+      </p:cxnSp>
+      <p:sp>
+        <p:nvSpPr>
+          <p:cNvPr id="28" name="TextBox 27">
+            <a:extLst>
+              <a:ext uri="{FF2B5EF4-FFF2-40B4-BE49-F238E27FC236}">
+                <a16:creationId xmlns:a16="http://schemas.microsoft.com/office/drawing/2014/main" id="{90DC20F6-BC4D-4483-BF15-327F12AB1800}"/>
+              </a:ext>
+            </a:extLst>
+          </p:cNvPr>
+          <p:cNvSpPr txBox="1"/>
+          <p:nvPr/>
+        </p:nvSpPr>
+        <p:spPr>
+          <a:xfrm>
+            <a:off x="7747526" y="12557650"/>
+            <a:ext cx="1659839" cy="369332"/>
+          </a:xfrm>
+          <a:prstGeom prst="rect">
+            <a:avLst/>
+          </a:prstGeom>
+          <a:noFill/>
+        </p:spPr>
+        <p:txBody>
+          <a:bodyPr wrap="square" rtlCol="0">
+            <a:spAutoFit/>
+          </a:bodyPr>
+          <a:lstStyle/>
+          <a:p>
+            <a:r>
+              <a:rPr lang="en-US" dirty="0"/>
+              <a:t>Heparin sulfate</a:t>
+            </a:r>
+          </a:p>
+        </p:txBody>
+      </p:sp>
+      <p:sp>
+        <p:nvSpPr>
+          <p:cNvPr id="31" name="TextBox 30">
+            <a:extLst>
+              <a:ext uri="{FF2B5EF4-FFF2-40B4-BE49-F238E27FC236}">
+                <a16:creationId xmlns:a16="http://schemas.microsoft.com/office/drawing/2014/main" id="{27848C82-F5D0-4F6C-84C2-FAC792EDA03D}"/>
+              </a:ext>
+            </a:extLst>
+          </p:cNvPr>
+          <p:cNvSpPr txBox="1"/>
+          <p:nvPr/>
+        </p:nvSpPr>
+        <p:spPr>
+          <a:xfrm>
+            <a:off x="7107740" y="11715847"/>
+            <a:ext cx="2073156" cy="369332"/>
+          </a:xfrm>
+          <a:prstGeom prst="rect">
+            <a:avLst/>
+          </a:prstGeom>
+          <a:noFill/>
+        </p:spPr>
+        <p:txBody>
+          <a:bodyPr wrap="square" rtlCol="0">
+            <a:spAutoFit/>
+          </a:bodyPr>
+          <a:lstStyle/>
+          <a:p>
+            <a:r>
+              <a:rPr lang="en-US" dirty="0" err="1"/>
+              <a:t>Encapsidated</a:t>
+            </a:r>
+            <a:r>
+              <a:rPr lang="en-US" dirty="0"/>
+              <a:t> virus</a:t>
+            </a:r>
+          </a:p>
+        </p:txBody>
+      </p:sp>
+      <p:cxnSp>
+        <p:nvCxnSpPr>
+          <p:cNvPr id="32" name="Straight Connector 31">
+            <a:extLst>
+              <a:ext uri="{FF2B5EF4-FFF2-40B4-BE49-F238E27FC236}">
+                <a16:creationId xmlns:a16="http://schemas.microsoft.com/office/drawing/2014/main" id="{F73CCDEC-7FD9-4FE3-9013-9243952D77D5}"/>
+              </a:ext>
+            </a:extLst>
+          </p:cNvPr>
+          <p:cNvCxnSpPr>
+            <a:cxnSpLocks/>
+          </p:cNvCxnSpPr>
+          <p:nvPr/>
+        </p:nvCxnSpPr>
+        <p:spPr>
+          <a:xfrm flipV="1">
+            <a:off x="9025267" y="11765779"/>
+            <a:ext cx="662139" cy="134734"/>
+          </a:xfrm>
+          <a:prstGeom prst="line">
+            <a:avLst/>
+          </a:prstGeom>
+          <a:ln>
+            <a:solidFill>
+              <a:schemeClr val="tx1"/>
+            </a:solidFill>
+          </a:ln>
+        </p:spPr>
+        <p:style>
+          <a:lnRef idx="1">
+            <a:schemeClr val="accent1"/>
+          </a:lnRef>
+          <a:fillRef idx="0">
+            <a:schemeClr val="accent1"/>
+          </a:fillRef>
+          <a:effectRef idx="0">
+            <a:schemeClr val="accent1"/>
+          </a:effectRef>
+          <a:fontRef idx="minor">
+            <a:schemeClr val="tx1"/>
+          </a:fontRef>
+        </p:style>
+      </p:cxnSp>
+      <p:sp>
+        <p:nvSpPr>
+          <p:cNvPr id="34" name="TextBox 33">
+            <a:extLst>
+              <a:ext uri="{FF2B5EF4-FFF2-40B4-BE49-F238E27FC236}">
+                <a16:creationId xmlns:a16="http://schemas.microsoft.com/office/drawing/2014/main" id="{BE79DA7D-692B-4698-BAF2-806C24010892}"/>
+              </a:ext>
+            </a:extLst>
+          </p:cNvPr>
+          <p:cNvSpPr txBox="1"/>
+          <p:nvPr/>
+        </p:nvSpPr>
+        <p:spPr>
+          <a:xfrm>
+            <a:off x="7952120" y="10548391"/>
+            <a:ext cx="2101152" cy="400110"/>
+          </a:xfrm>
+          <a:prstGeom prst="rect">
+            <a:avLst/>
+          </a:prstGeom>
+          <a:noFill/>
+        </p:spPr>
+        <p:txBody>
+          <a:bodyPr wrap="square" rtlCol="0">
+            <a:spAutoFit/>
+          </a:bodyPr>
+          <a:lstStyle/>
+          <a:p>
+            <a:r>
+              <a:rPr lang="en-US" sz="2000" b="1" dirty="0"/>
+              <a:t>1. Attachment</a:t>
+            </a:r>
+          </a:p>
+        </p:txBody>
+      </p:sp>
+      <p:sp>
+        <p:nvSpPr>
+          <p:cNvPr id="35" name="TextBox 34">
+            <a:extLst>
+              <a:ext uri="{FF2B5EF4-FFF2-40B4-BE49-F238E27FC236}">
+                <a16:creationId xmlns:a16="http://schemas.microsoft.com/office/drawing/2014/main" id="{E686CB9B-BFDC-4946-AB12-C3000010F706}"/>
+              </a:ext>
+            </a:extLst>
+          </p:cNvPr>
+          <p:cNvSpPr txBox="1"/>
+          <p:nvPr/>
+        </p:nvSpPr>
+        <p:spPr>
+          <a:xfrm>
+            <a:off x="8328063" y="13941513"/>
+            <a:ext cx="2101152" cy="400110"/>
+          </a:xfrm>
+          <a:prstGeom prst="rect">
+            <a:avLst/>
+          </a:prstGeom>
+          <a:noFill/>
+        </p:spPr>
+        <p:txBody>
+          <a:bodyPr wrap="square" rtlCol="0">
+            <a:spAutoFit/>
+          </a:bodyPr>
+          <a:lstStyle/>
+          <a:p>
+            <a:r>
+              <a:rPr lang="en-US" sz="2000" b="1" dirty="0"/>
+              <a:t>2. Endocytosis</a:t>
+            </a:r>
+          </a:p>
+        </p:txBody>
+      </p:sp>
+      <p:cxnSp>
+        <p:nvCxnSpPr>
+          <p:cNvPr id="36" name="Straight Connector 35">
+            <a:extLst>
+              <a:ext uri="{FF2B5EF4-FFF2-40B4-BE49-F238E27FC236}">
+                <a16:creationId xmlns:a16="http://schemas.microsoft.com/office/drawing/2014/main" id="{DE5E02AA-2293-43D0-B9EA-FC6AA86A8A6D}"/>
+              </a:ext>
+            </a:extLst>
+          </p:cNvPr>
+          <p:cNvCxnSpPr/>
+          <p:nvPr/>
+        </p:nvCxnSpPr>
+        <p:spPr>
+          <a:xfrm flipV="1">
+            <a:off x="13496665" y="11182344"/>
+            <a:ext cx="1058547" cy="215256"/>
+          </a:xfrm>
+          <a:prstGeom prst="line">
+            <a:avLst/>
+          </a:prstGeom>
+          <a:ln>
+            <a:solidFill>
+              <a:schemeClr val="tx1"/>
+            </a:solidFill>
+          </a:ln>
+        </p:spPr>
+        <p:style>
+          <a:lnRef idx="1">
+            <a:schemeClr val="accent1"/>
+          </a:lnRef>
+          <a:fillRef idx="0">
+            <a:schemeClr val="accent1"/>
+          </a:fillRef>
+          <a:effectRef idx="0">
+            <a:schemeClr val="accent1"/>
+          </a:effectRef>
+          <a:fontRef idx="minor">
+            <a:schemeClr val="tx1"/>
+          </a:fontRef>
+        </p:style>
+      </p:cxnSp>
+      <p:sp>
+        <p:nvSpPr>
+          <p:cNvPr id="37" name="TextBox 36">
+            <a:extLst>
+              <a:ext uri="{FF2B5EF4-FFF2-40B4-BE49-F238E27FC236}">
+                <a16:creationId xmlns:a16="http://schemas.microsoft.com/office/drawing/2014/main" id="{CEDC4FD5-6D3E-471B-8D32-DE5383D7C19C}"/>
+              </a:ext>
+            </a:extLst>
+          </p:cNvPr>
+          <p:cNvSpPr txBox="1"/>
+          <p:nvPr/>
+        </p:nvSpPr>
+        <p:spPr>
+          <a:xfrm>
+            <a:off x="14555212" y="10964363"/>
+            <a:ext cx="1605946" cy="369332"/>
+          </a:xfrm>
+          <a:prstGeom prst="rect">
+            <a:avLst/>
+          </a:prstGeom>
+          <a:noFill/>
+        </p:spPr>
+        <p:txBody>
+          <a:bodyPr wrap="square" rtlCol="0">
+            <a:spAutoFit/>
+          </a:bodyPr>
+          <a:lstStyle/>
+          <a:p>
+            <a:r>
+              <a:rPr lang="en-US" dirty="0"/>
+              <a:t>Cell membrane</a:t>
+            </a:r>
+          </a:p>
+        </p:txBody>
+      </p:sp>
+      <p:sp>
+        <p:nvSpPr>
+          <p:cNvPr id="38" name="TextBox 37">
+            <a:extLst>
+              <a:ext uri="{FF2B5EF4-FFF2-40B4-BE49-F238E27FC236}">
+                <a16:creationId xmlns:a16="http://schemas.microsoft.com/office/drawing/2014/main" id="{70333D7B-8F70-4A73-B844-549DA9C52551}"/>
+              </a:ext>
+            </a:extLst>
+          </p:cNvPr>
+          <p:cNvSpPr txBox="1"/>
+          <p:nvPr/>
+        </p:nvSpPr>
+        <p:spPr>
+          <a:xfrm>
+            <a:off x="11155422" y="12838623"/>
+            <a:ext cx="2101152" cy="369332"/>
+          </a:xfrm>
+          <a:prstGeom prst="rect">
+            <a:avLst/>
+          </a:prstGeom>
+          <a:noFill/>
+        </p:spPr>
+        <p:txBody>
+          <a:bodyPr wrap="square" rtlCol="0">
+            <a:spAutoFit/>
+          </a:bodyPr>
+          <a:lstStyle/>
+          <a:p>
+            <a:r>
+              <a:rPr lang="en-US" b="1" dirty="0"/>
+              <a:t>3. Uncoating</a:t>
+            </a:r>
+          </a:p>
+        </p:txBody>
+      </p:sp>
+      <p:sp>
+        <p:nvSpPr>
+          <p:cNvPr id="39" name="Oval 38">
+            <a:extLst>
+              <a:ext uri="{FF2B5EF4-FFF2-40B4-BE49-F238E27FC236}">
+                <a16:creationId xmlns:a16="http://schemas.microsoft.com/office/drawing/2014/main" id="{74FEE919-9D82-42B1-A737-40BDD8E4B658}"/>
+              </a:ext>
+            </a:extLst>
+          </p:cNvPr>
+          <p:cNvSpPr/>
+          <p:nvPr/>
+        </p:nvSpPr>
+        <p:spPr>
+          <a:xfrm>
+            <a:off x="12244710" y="13422348"/>
+            <a:ext cx="465507" cy="461665"/>
+          </a:xfrm>
+          <a:prstGeom prst="ellipse">
+            <a:avLst/>
+          </a:prstGeom>
+          <a:noFill/>
+          <a:ln w="50800">
+            <a:solidFill>
+              <a:schemeClr val="accent2">
+                <a:lumMod val="50000"/>
+              </a:schemeClr>
+            </a:solidFill>
+          </a:ln>
+        </p:spPr>
+        <p:style>
+          <a:lnRef idx="2">
+            <a:schemeClr val="accent1">
+              <a:shade val="50000"/>
+            </a:schemeClr>
+          </a:lnRef>
+          <a:fillRef idx="1">
+            <a:schemeClr val="accent1"/>
+          </a:fillRef>
+          <a:effectRef idx="0">
+            <a:schemeClr val="accent1"/>
+          </a:effectRef>
+          <a:fontRef idx="minor">
+            <a:schemeClr val="lt1"/>
+          </a:fontRef>
+        </p:style>
+        <p:txBody>
+          <a:bodyPr rtlCol="0" anchor="ctr"/>
+          <a:lstStyle/>
+          <a:p>
+            <a:pPr algn="ctr"/>
+            <a:endParaRPr lang="en-US"/>
+          </a:p>
+        </p:txBody>
+      </p:sp>
+      <p:cxnSp>
+        <p:nvCxnSpPr>
+          <p:cNvPr id="41" name="Straight Arrow Connector 40">
+            <a:extLst>
+              <a:ext uri="{FF2B5EF4-FFF2-40B4-BE49-F238E27FC236}">
+                <a16:creationId xmlns:a16="http://schemas.microsoft.com/office/drawing/2014/main" id="{8AE9F007-3D58-4E9A-BD10-233D6BD1B365}"/>
+              </a:ext>
+            </a:extLst>
+          </p:cNvPr>
+          <p:cNvCxnSpPr/>
+          <p:nvPr/>
+        </p:nvCxnSpPr>
+        <p:spPr>
+          <a:xfrm>
+            <a:off x="10307781" y="12482276"/>
+            <a:ext cx="95588" cy="548089"/>
+          </a:xfrm>
+          <a:prstGeom prst="straightConnector1">
+            <a:avLst/>
+          </a:prstGeom>
+          <a:ln w="53975">
+            <a:solidFill>
+              <a:schemeClr val="tx1"/>
+            </a:solidFill>
+            <a:tailEnd type="triangle"/>
+          </a:ln>
+        </p:spPr>
+        <p:style>
+          <a:lnRef idx="1">
+            <a:schemeClr val="accent1"/>
+          </a:lnRef>
+          <a:fillRef idx="0">
+            <a:schemeClr val="accent1"/>
+          </a:fillRef>
+          <a:effectRef idx="0">
+            <a:schemeClr val="accent1"/>
+          </a:effectRef>
+          <a:fontRef idx="minor">
+            <a:schemeClr val="tx1"/>
+          </a:fontRef>
+        </p:style>
+      </p:cxnSp>
+      <p:cxnSp>
+        <p:nvCxnSpPr>
+          <p:cNvPr id="42" name="Straight Arrow Connector 41">
+            <a:extLst>
+              <a:ext uri="{FF2B5EF4-FFF2-40B4-BE49-F238E27FC236}">
+                <a16:creationId xmlns:a16="http://schemas.microsoft.com/office/drawing/2014/main" id="{E0D9823D-3311-4FCC-BF89-5B35ABD29A91}"/>
+              </a:ext>
+            </a:extLst>
+          </p:cNvPr>
+          <p:cNvCxnSpPr>
+            <a:cxnSpLocks/>
+          </p:cNvCxnSpPr>
+          <p:nvPr/>
+        </p:nvCxnSpPr>
+        <p:spPr>
+          <a:xfrm>
+            <a:off x="11315943" y="13662685"/>
+            <a:ext cx="601735" cy="0"/>
+          </a:xfrm>
+          <a:prstGeom prst="straightConnector1">
+            <a:avLst/>
+          </a:prstGeom>
+          <a:ln w="53975">
+            <a:solidFill>
+              <a:schemeClr val="tx1"/>
+            </a:solidFill>
+            <a:tailEnd type="triangle"/>
+          </a:ln>
+        </p:spPr>
+        <p:style>
+          <a:lnRef idx="1">
+            <a:schemeClr val="accent1"/>
+          </a:lnRef>
+          <a:fillRef idx="0">
+            <a:schemeClr val="accent1"/>
+          </a:fillRef>
+          <a:effectRef idx="0">
+            <a:schemeClr val="accent1"/>
+          </a:effectRef>
+          <a:fontRef idx="minor">
+            <a:schemeClr val="tx1"/>
+          </a:fontRef>
+        </p:style>
+      </p:cxnSp>
+      <p:sp>
+        <p:nvSpPr>
+          <p:cNvPr id="44" name="TextBox 43">
+            <a:extLst>
+              <a:ext uri="{FF2B5EF4-FFF2-40B4-BE49-F238E27FC236}">
+                <a16:creationId xmlns:a16="http://schemas.microsoft.com/office/drawing/2014/main" id="{510FF0EA-6C5F-4535-9D85-1FA3471C5A12}"/>
+              </a:ext>
+            </a:extLst>
+          </p:cNvPr>
+          <p:cNvSpPr txBox="1"/>
+          <p:nvPr/>
+        </p:nvSpPr>
+        <p:spPr>
+          <a:xfrm>
+            <a:off x="13304953" y="13332831"/>
+            <a:ext cx="2192055" cy="369332"/>
+          </a:xfrm>
+          <a:prstGeom prst="rect">
+            <a:avLst/>
+          </a:prstGeom>
+          <a:noFill/>
+        </p:spPr>
+        <p:txBody>
+          <a:bodyPr wrap="square" rtlCol="0">
+            <a:spAutoFit/>
+          </a:bodyPr>
+          <a:lstStyle/>
+          <a:p>
+            <a:r>
+              <a:rPr lang="en-US" dirty="0"/>
+              <a:t>ssDNA genome</a:t>
+            </a:r>
+          </a:p>
+        </p:txBody>
+      </p:sp>
+      <p:cxnSp>
+        <p:nvCxnSpPr>
+          <p:cNvPr id="45" name="Straight Connector 44">
+            <a:extLst>
+              <a:ext uri="{FF2B5EF4-FFF2-40B4-BE49-F238E27FC236}">
+                <a16:creationId xmlns:a16="http://schemas.microsoft.com/office/drawing/2014/main" id="{A29FAEB9-8E16-4AEA-852A-A218EB2DE68F}"/>
+              </a:ext>
+            </a:extLst>
+          </p:cNvPr>
+          <p:cNvCxnSpPr>
+            <a:cxnSpLocks/>
+          </p:cNvCxnSpPr>
+          <p:nvPr/>
+        </p:nvCxnSpPr>
+        <p:spPr>
+          <a:xfrm flipV="1">
+            <a:off x="12729238" y="13530834"/>
+            <a:ext cx="547307" cy="125053"/>
+          </a:xfrm>
+          <a:prstGeom prst="line">
+            <a:avLst/>
+          </a:prstGeom>
+          <a:ln>
+            <a:solidFill>
+              <a:schemeClr val="tx1"/>
+            </a:solidFill>
+          </a:ln>
+        </p:spPr>
+        <p:style>
+          <a:lnRef idx="1">
+            <a:schemeClr val="accent1"/>
+          </a:lnRef>
+          <a:fillRef idx="0">
+            <a:schemeClr val="accent1"/>
+          </a:fillRef>
+          <a:effectRef idx="0">
+            <a:schemeClr val="accent1"/>
+          </a:effectRef>
+          <a:fontRef idx="minor">
+            <a:schemeClr val="tx1"/>
+          </a:fontRef>
+        </p:style>
+      </p:cxnSp>
+      <p:sp>
+        <p:nvSpPr>
+          <p:cNvPr id="47" name="Rectangle 46">
+            <a:extLst>
+              <a:ext uri="{FF2B5EF4-FFF2-40B4-BE49-F238E27FC236}">
+                <a16:creationId xmlns:a16="http://schemas.microsoft.com/office/drawing/2014/main" id="{50D132B6-301F-4B07-89CA-59E5A22B55F7}"/>
+              </a:ext>
+            </a:extLst>
+          </p:cNvPr>
+          <p:cNvSpPr/>
+          <p:nvPr/>
+        </p:nvSpPr>
+        <p:spPr>
+          <a:xfrm>
+            <a:off x="15118828" y="11362413"/>
+            <a:ext cx="1640735" cy="3989406"/>
+          </a:xfrm>
+          <a:prstGeom prst="rect">
+            <a:avLst/>
+          </a:prstGeom>
+          <a:solidFill>
+            <a:schemeClr val="bg1"/>
+          </a:solidFill>
+          <a:ln>
+            <a:noFill/>
+          </a:ln>
+        </p:spPr>
+        <p:style>
+          <a:lnRef idx="2">
+            <a:schemeClr val="accent1">
+              <a:shade val="50000"/>
+            </a:schemeClr>
+          </a:lnRef>
+          <a:fillRef idx="1">
+            <a:schemeClr val="accent1"/>
+          </a:fillRef>
+          <a:effectRef idx="0">
+            <a:schemeClr val="accent1"/>
+          </a:effectRef>
+          <a:fontRef idx="minor">
+            <a:schemeClr val="lt1"/>
+          </a:fontRef>
+        </p:style>
+        <p:txBody>
+          <a:bodyPr rtlCol="0" anchor="ctr"/>
+          <a:lstStyle/>
+          <a:p>
+            <a:pPr algn="ctr"/>
+            <a:endParaRPr lang="en-US"/>
+          </a:p>
+        </p:txBody>
+      </p:sp>
+      <p:sp>
+        <p:nvSpPr>
+          <p:cNvPr id="48" name="TextBox 47">
+            <a:extLst>
+              <a:ext uri="{FF2B5EF4-FFF2-40B4-BE49-F238E27FC236}">
+                <a16:creationId xmlns:a16="http://schemas.microsoft.com/office/drawing/2014/main" id="{F29BED9E-6B9A-4FE4-A7DE-9FC7506A492D}"/>
+              </a:ext>
+            </a:extLst>
+          </p:cNvPr>
+          <p:cNvSpPr txBox="1"/>
+          <p:nvPr/>
+        </p:nvSpPr>
+        <p:spPr>
+          <a:xfrm>
+            <a:off x="12341656" y="14580455"/>
+            <a:ext cx="2634383" cy="400110"/>
+          </a:xfrm>
+          <a:prstGeom prst="rect">
+            <a:avLst/>
+          </a:prstGeom>
+          <a:noFill/>
+        </p:spPr>
+        <p:txBody>
+          <a:bodyPr wrap="square" rtlCol="0">
+            <a:spAutoFit/>
+          </a:bodyPr>
+          <a:lstStyle/>
+          <a:p>
+            <a:r>
+              <a:rPr lang="en-US" sz="2000" b="1" dirty="0">
+                <a:solidFill>
+                  <a:schemeClr val="accent1">
+                    <a:lumMod val="50000"/>
+                  </a:schemeClr>
+                </a:solidFill>
+              </a:rPr>
+              <a:t>Host cell</a:t>
+            </a:r>
+          </a:p>
+        </p:txBody>
+      </p:sp>
+      <p:sp>
+        <p:nvSpPr>
+          <p:cNvPr id="49" name="Rectangle 48">
+            <a:extLst>
+              <a:ext uri="{FF2B5EF4-FFF2-40B4-BE49-F238E27FC236}">
+                <a16:creationId xmlns:a16="http://schemas.microsoft.com/office/drawing/2014/main" id="{7D792C1C-BA0A-467E-90BC-CBEA7A343D85}"/>
+              </a:ext>
+            </a:extLst>
+          </p:cNvPr>
+          <p:cNvSpPr/>
+          <p:nvPr/>
+        </p:nvSpPr>
+        <p:spPr>
+          <a:xfrm>
+            <a:off x="10873018" y="10075110"/>
+            <a:ext cx="1260434" cy="1322632"/>
+          </a:xfrm>
+          <a:prstGeom prst="rect">
+            <a:avLst/>
+          </a:prstGeom>
+          <a:noFill/>
+          <a:ln w="31750">
+            <a:solidFill>
+              <a:schemeClr val="bg2">
+                <a:lumMod val="50000"/>
+              </a:schemeClr>
+            </a:solidFill>
+          </a:ln>
+        </p:spPr>
+        <p:style>
+          <a:lnRef idx="2">
+            <a:schemeClr val="accent6"/>
+          </a:lnRef>
+          <a:fillRef idx="1">
+            <a:schemeClr val="lt1"/>
+          </a:fillRef>
+          <a:effectRef idx="0">
+            <a:schemeClr val="accent6"/>
+          </a:effectRef>
+          <a:fontRef idx="minor">
+            <a:schemeClr val="dk1"/>
+          </a:fontRef>
+        </p:style>
+        <p:txBody>
+          <a:bodyPr rtlCol="0" anchor="ctr"/>
+          <a:lstStyle/>
+          <a:p>
+            <a:pPr algn="ctr"/>
+            <a:endParaRPr lang="en-US"/>
+          </a:p>
+        </p:txBody>
+      </p:sp>
+      <p:sp>
+        <p:nvSpPr>
+          <p:cNvPr id="50" name="TextBox 49">
+            <a:extLst>
+              <a:ext uri="{FF2B5EF4-FFF2-40B4-BE49-F238E27FC236}">
+                <a16:creationId xmlns:a16="http://schemas.microsoft.com/office/drawing/2014/main" id="{1C56E3D1-CF69-414B-BBA4-F5E38D08B8FE}"/>
+              </a:ext>
+            </a:extLst>
+          </p:cNvPr>
+          <p:cNvSpPr txBox="1"/>
+          <p:nvPr/>
+        </p:nvSpPr>
+        <p:spPr>
+          <a:xfrm>
+            <a:off x="10810836" y="9698409"/>
+            <a:ext cx="2192055" cy="369332"/>
+          </a:xfrm>
+          <a:prstGeom prst="rect">
+            <a:avLst/>
+          </a:prstGeom>
+          <a:noFill/>
+        </p:spPr>
+        <p:txBody>
+          <a:bodyPr wrap="square" rtlCol="0">
+            <a:spAutoFit/>
+          </a:bodyPr>
+          <a:lstStyle/>
+          <a:p>
+            <a:r>
+              <a:rPr lang="en-US" dirty="0">
+                <a:solidFill>
+                  <a:schemeClr val="bg2">
+                    <a:lumMod val="25000"/>
+                  </a:schemeClr>
+                </a:solidFill>
+              </a:rPr>
+              <a:t>Proteoglycan</a:t>
+            </a:r>
+          </a:p>
+        </p:txBody>
+      </p:sp>
+      <p:pic>
+        <p:nvPicPr>
+          <p:cNvPr id="55" name="Content Placeholder 54">
+            <a:extLst>
+              <a:ext uri="{FF2B5EF4-FFF2-40B4-BE49-F238E27FC236}">
+                <a16:creationId xmlns:a16="http://schemas.microsoft.com/office/drawing/2014/main" id="{2F644DC0-D099-43C5-8B00-E34A19AA3F82}"/>
+              </a:ext>
+            </a:extLst>
+          </p:cNvPr>
+          <p:cNvPicPr>
+            <a:picLocks noGrp="1" noChangeAspect="1"/>
+          </p:cNvPicPr>
+          <p:nvPr>
+            <p:ph idx="1"/>
+          </p:nvPr>
+        </p:nvPicPr>
+        <p:blipFill>
+          <a:blip r:embed="rId3">
+            <a:extLst>
+              <a:ext uri="{28A0092B-C50C-407E-A947-70E740481C1C}">
+                <a14:useLocalDpi xmlns:a14="http://schemas.microsoft.com/office/drawing/2010/main" val="0"/>
+              </a:ext>
+            </a:extLst>
+          </a:blip>
+          <a:stretch>
+            <a:fillRect/>
+          </a:stretch>
+        </p:blipFill>
+        <p:spPr>
+          <a:xfrm>
+            <a:off x="7747526" y="15482772"/>
+            <a:ext cx="9080500" cy="1073150"/>
+          </a:xfrm>
+        </p:spPr>
+      </p:pic>
+      <p:sp>
+        <p:nvSpPr>
+          <p:cNvPr id="56" name="TextBox 55">
+            <a:extLst>
+              <a:ext uri="{FF2B5EF4-FFF2-40B4-BE49-F238E27FC236}">
+                <a16:creationId xmlns:a16="http://schemas.microsoft.com/office/drawing/2014/main" id="{2CB54A4C-0CCC-46DC-957A-89151CA7A329}"/>
+              </a:ext>
+            </a:extLst>
+          </p:cNvPr>
+          <p:cNvSpPr txBox="1"/>
+          <p:nvPr/>
+        </p:nvSpPr>
+        <p:spPr>
+          <a:xfrm>
+            <a:off x="6434133" y="9692740"/>
+            <a:ext cx="673607" cy="369332"/>
+          </a:xfrm>
+          <a:prstGeom prst="rect">
+            <a:avLst/>
+          </a:prstGeom>
+          <a:noFill/>
+        </p:spPr>
+        <p:txBody>
+          <a:bodyPr wrap="square" rtlCol="0">
+            <a:spAutoFit/>
+          </a:bodyPr>
+          <a:lstStyle/>
+          <a:p>
+            <a:r>
+              <a:rPr lang="en-US" dirty="0"/>
+              <a:t>(a)</a:t>
+            </a:r>
+          </a:p>
+        </p:txBody>
+      </p:sp>
+      <p:sp>
+        <p:nvSpPr>
+          <p:cNvPr id="57" name="TextBox 56">
+            <a:extLst>
+              <a:ext uri="{FF2B5EF4-FFF2-40B4-BE49-F238E27FC236}">
+                <a16:creationId xmlns:a16="http://schemas.microsoft.com/office/drawing/2014/main" id="{92BDFA66-A7D1-42D9-B04F-BDBEDA7FE4BF}"/>
+              </a:ext>
+            </a:extLst>
+          </p:cNvPr>
+          <p:cNvSpPr txBox="1"/>
+          <p:nvPr/>
+        </p:nvSpPr>
+        <p:spPr>
+          <a:xfrm>
+            <a:off x="6437951" y="15424077"/>
+            <a:ext cx="673607" cy="369332"/>
+          </a:xfrm>
+          <a:prstGeom prst="rect">
+            <a:avLst/>
+          </a:prstGeom>
+          <a:noFill/>
+        </p:spPr>
+        <p:txBody>
+          <a:bodyPr wrap="square" rtlCol="0">
+            <a:spAutoFit/>
+          </a:bodyPr>
+          <a:lstStyle/>
+          <a:p>
+            <a:r>
+              <a:rPr lang="en-US" dirty="0"/>
+              <a:t>(b)</a:t>
+            </a:r>
+          </a:p>
+        </p:txBody>
+      </p:sp>
+    </p:spTree>
+    <p:extLst>
+      <p:ext uri="{BB962C8B-B14F-4D97-AF65-F5344CB8AC3E}">
+        <p14:creationId xmlns:p14="http://schemas.microsoft.com/office/powerpoint/2010/main" val="1591456926"/>
       </p:ext>
     </p:extLst>
   </p:cSld>

--- a/workspace/results/plots.pptx
+++ b/workspace/results/plots.pptx
@@ -217,7 +217,7 @@
           <a:p>
             <a:fld id="{F2499265-4902-4D12-9F29-F50D9E7A04F8}" type="datetimeFigureOut">
               <a:rPr lang="en-US" smtClean="0"/>
-              <a:t>2/8/2021</a:t>
+              <a:t>2/9/2021</a:t>
             </a:fld>
             <a:endParaRPr lang="en-US"/>
           </a:p>
@@ -702,7 +702,7 @@
           <a:p>
             <a:fld id="{D33114D3-7C8E-4A85-97DC-A0E08C5E6A03}" type="datetimeFigureOut">
               <a:rPr lang="en-US" smtClean="0"/>
-              <a:t>2/8/2021</a:t>
+              <a:t>2/9/2021</a:t>
             </a:fld>
             <a:endParaRPr lang="en-US"/>
           </a:p>
@@ -872,7 +872,7 @@
           <a:p>
             <a:fld id="{D33114D3-7C8E-4A85-97DC-A0E08C5E6A03}" type="datetimeFigureOut">
               <a:rPr lang="en-US" smtClean="0"/>
-              <a:t>2/8/2021</a:t>
+              <a:t>2/9/2021</a:t>
             </a:fld>
             <a:endParaRPr lang="en-US"/>
           </a:p>
@@ -1052,7 +1052,7 @@
           <a:p>
             <a:fld id="{D33114D3-7C8E-4A85-97DC-A0E08C5E6A03}" type="datetimeFigureOut">
               <a:rPr lang="en-US" smtClean="0"/>
-              <a:t>2/8/2021</a:t>
+              <a:t>2/9/2021</a:t>
             </a:fld>
             <a:endParaRPr lang="en-US"/>
           </a:p>
@@ -1222,7 +1222,7 @@
           <a:p>
             <a:fld id="{D33114D3-7C8E-4A85-97DC-A0E08C5E6A03}" type="datetimeFigureOut">
               <a:rPr lang="en-US" smtClean="0"/>
-              <a:t>2/8/2021</a:t>
+              <a:t>2/9/2021</a:t>
             </a:fld>
             <a:endParaRPr lang="en-US"/>
           </a:p>
@@ -1466,7 +1466,7 @@
           <a:p>
             <a:fld id="{D33114D3-7C8E-4A85-97DC-A0E08C5E6A03}" type="datetimeFigureOut">
               <a:rPr lang="en-US" smtClean="0"/>
-              <a:t>2/8/2021</a:t>
+              <a:t>2/9/2021</a:t>
             </a:fld>
             <a:endParaRPr lang="en-US"/>
           </a:p>
@@ -1698,7 +1698,7 @@
           <a:p>
             <a:fld id="{D33114D3-7C8E-4A85-97DC-A0E08C5E6A03}" type="datetimeFigureOut">
               <a:rPr lang="en-US" smtClean="0"/>
-              <a:t>2/8/2021</a:t>
+              <a:t>2/9/2021</a:t>
             </a:fld>
             <a:endParaRPr lang="en-US"/>
           </a:p>
@@ -2065,7 +2065,7 @@
           <a:p>
             <a:fld id="{D33114D3-7C8E-4A85-97DC-A0E08C5E6A03}" type="datetimeFigureOut">
               <a:rPr lang="en-US" smtClean="0"/>
-              <a:t>2/8/2021</a:t>
+              <a:t>2/9/2021</a:t>
             </a:fld>
             <a:endParaRPr lang="en-US"/>
           </a:p>
@@ -2183,7 +2183,7 @@
           <a:p>
             <a:fld id="{D33114D3-7C8E-4A85-97DC-A0E08C5E6A03}" type="datetimeFigureOut">
               <a:rPr lang="en-US" smtClean="0"/>
-              <a:t>2/8/2021</a:t>
+              <a:t>2/9/2021</a:t>
             </a:fld>
             <a:endParaRPr lang="en-US"/>
           </a:p>
@@ -2278,7 +2278,7 @@
           <a:p>
             <a:fld id="{D33114D3-7C8E-4A85-97DC-A0E08C5E6A03}" type="datetimeFigureOut">
               <a:rPr lang="en-US" smtClean="0"/>
-              <a:t>2/8/2021</a:t>
+              <a:t>2/9/2021</a:t>
             </a:fld>
             <a:endParaRPr lang="en-US"/>
           </a:p>
@@ -2555,7 +2555,7 @@
           <a:p>
             <a:fld id="{D33114D3-7C8E-4A85-97DC-A0E08C5E6A03}" type="datetimeFigureOut">
               <a:rPr lang="en-US" smtClean="0"/>
-              <a:t>2/8/2021</a:t>
+              <a:t>2/9/2021</a:t>
             </a:fld>
             <a:endParaRPr lang="en-US"/>
           </a:p>
@@ -2812,7 +2812,7 @@
           <a:p>
             <a:fld id="{D33114D3-7C8E-4A85-97DC-A0E08C5E6A03}" type="datetimeFigureOut">
               <a:rPr lang="en-US" smtClean="0"/>
-              <a:t>2/8/2021</a:t>
+              <a:t>2/9/2021</a:t>
             </a:fld>
             <a:endParaRPr lang="en-US"/>
           </a:p>
@@ -3025,7 +3025,7 @@
           <a:p>
             <a:fld id="{D33114D3-7C8E-4A85-97DC-A0E08C5E6A03}" type="datetimeFigureOut">
               <a:rPr lang="en-US" smtClean="0"/>
-              <a:t>2/8/2021</a:t>
+              <a:t>2/9/2021</a:t>
             </a:fld>
             <a:endParaRPr lang="en-US"/>
           </a:p>
@@ -14818,8 +14818,8 @@
         </p:nvSpPr>
         <p:spPr>
           <a:xfrm>
-            <a:off x="2960527" y="261258"/>
-            <a:ext cx="22705362" cy="25202064"/>
+            <a:off x="1379609" y="261258"/>
+            <a:ext cx="24218543" cy="25202064"/>
           </a:xfrm>
           <a:prstGeom prst="rect">
             <a:avLst/>
@@ -14872,7 +14872,7 @@
         </p:nvSpPr>
         <p:spPr>
           <a:xfrm>
-            <a:off x="2960527" y="24878545"/>
+            <a:off x="1265446" y="24852942"/>
             <a:ext cx="2783011" cy="584775"/>
           </a:xfrm>
           <a:prstGeom prst="rect">
@@ -27489,6 +27489,98 @@
           </a:extLst>
         </p:spPr>
       </p:pic>
+      <p:sp>
+        <p:nvSpPr>
+          <p:cNvPr id="141" name="Right Brace 140">
+            <a:extLst>
+              <a:ext uri="{FF2B5EF4-FFF2-40B4-BE49-F238E27FC236}">
+                <a16:creationId xmlns:a16="http://schemas.microsoft.com/office/drawing/2014/main" id="{E91149B0-3310-4BA0-882E-6934B70584A1}"/>
+              </a:ext>
+            </a:extLst>
+          </p:cNvPr>
+          <p:cNvSpPr/>
+          <p:nvPr/>
+        </p:nvSpPr>
+        <p:spPr>
+          <a:xfrm rot="10800000">
+            <a:off x="2683959" y="16745636"/>
+            <a:ext cx="584572" cy="4468907"/>
+          </a:xfrm>
+          <a:prstGeom prst="rightBrace">
+            <a:avLst/>
+          </a:prstGeom>
+          <a:ln w="19050">
+            <a:solidFill>
+              <a:schemeClr val="tx1"/>
+            </a:solidFill>
+          </a:ln>
+        </p:spPr>
+        <p:style>
+          <a:lnRef idx="1">
+            <a:schemeClr val="accent1"/>
+          </a:lnRef>
+          <a:fillRef idx="0">
+            <a:schemeClr val="accent1"/>
+          </a:fillRef>
+          <a:effectRef idx="0">
+            <a:schemeClr val="accent1"/>
+          </a:effectRef>
+          <a:fontRef idx="minor">
+            <a:schemeClr val="tx1"/>
+          </a:fontRef>
+        </p:style>
+        <p:txBody>
+          <a:bodyPr rtlCol="0" anchor="ctr"/>
+          <a:lstStyle/>
+          <a:p>
+            <a:pPr algn="ctr"/>
+            <a:endParaRPr lang="en-US" sz="4000"/>
+          </a:p>
+        </p:txBody>
+      </p:sp>
+      <p:sp>
+        <p:nvSpPr>
+          <p:cNvPr id="143" name="TextBox 142">
+            <a:extLst>
+              <a:ext uri="{FF2B5EF4-FFF2-40B4-BE49-F238E27FC236}">
+                <a16:creationId xmlns:a16="http://schemas.microsoft.com/office/drawing/2014/main" id="{2BDA6A3B-FA90-4E6F-864D-746892B2B7E1}"/>
+              </a:ext>
+            </a:extLst>
+          </p:cNvPr>
+          <p:cNvSpPr txBox="1"/>
+          <p:nvPr/>
+        </p:nvSpPr>
+        <p:spPr>
+          <a:xfrm>
+            <a:off x="1514043" y="18454368"/>
+            <a:ext cx="1142909" cy="1077218"/>
+          </a:xfrm>
+          <a:prstGeom prst="rect">
+            <a:avLst/>
+          </a:prstGeom>
+          <a:noFill/>
+        </p:spPr>
+        <p:txBody>
+          <a:bodyPr wrap="square" rtlCol="0">
+            <a:spAutoFit/>
+          </a:bodyPr>
+          <a:lstStyle/>
+          <a:p>
+            <a:pPr algn="ctr"/>
+            <a:r>
+              <a:rPr lang="en-US" sz="3200" dirty="0"/>
+              <a:t>HUH</a:t>
+            </a:r>
+          </a:p>
+          <a:p>
+            <a:pPr algn="ctr"/>
+            <a:r>
+              <a:rPr lang="en-US" sz="3200" dirty="0"/>
+              <a:t>motif</a:t>
+            </a:r>
+          </a:p>
+        </p:txBody>
+      </p:sp>
     </p:spTree>
     <p:extLst>
       <p:ext uri="{BB962C8B-B14F-4D97-AF65-F5344CB8AC3E}">

--- a/workspace/results/plots.pptx
+++ b/workspace/results/plots.pptx
@@ -5,7 +5,7 @@
     <p:sldMasterId id="2147483660" r:id="rId1"/>
   </p:sldMasterIdLst>
   <p:notesMasterIdLst>
-    <p:notesMasterId r:id="rId11"/>
+    <p:notesMasterId r:id="rId12"/>
   </p:notesMasterIdLst>
   <p:sldIdLst>
     <p:sldId id="273" r:id="rId2"/>
@@ -17,6 +17,7 @@
     <p:sldId id="278" r:id="rId8"/>
     <p:sldId id="279" r:id="rId9"/>
     <p:sldId id="281" r:id="rId10"/>
+    <p:sldId id="283" r:id="rId11"/>
   </p:sldIdLst>
   <p:sldSz cx="27432000" cy="27432000"/>
   <p:notesSz cx="6858000" cy="9144000"/>
@@ -217,7 +218,7 @@
           <a:p>
             <a:fld id="{F2499265-4902-4D12-9F29-F50D9E7A04F8}" type="datetimeFigureOut">
               <a:rPr lang="en-US" smtClean="0"/>
-              <a:t>2/9/2021</a:t>
+              <a:t>2/11/2021</a:t>
             </a:fld>
             <a:endParaRPr lang="en-US"/>
           </a:p>
@@ -702,7 +703,7 @@
           <a:p>
             <a:fld id="{D33114D3-7C8E-4A85-97DC-A0E08C5E6A03}" type="datetimeFigureOut">
               <a:rPr lang="en-US" smtClean="0"/>
-              <a:t>2/9/2021</a:t>
+              <a:t>2/11/2021</a:t>
             </a:fld>
             <a:endParaRPr lang="en-US"/>
           </a:p>
@@ -872,7 +873,7 @@
           <a:p>
             <a:fld id="{D33114D3-7C8E-4A85-97DC-A0E08C5E6A03}" type="datetimeFigureOut">
               <a:rPr lang="en-US" smtClean="0"/>
-              <a:t>2/9/2021</a:t>
+              <a:t>2/11/2021</a:t>
             </a:fld>
             <a:endParaRPr lang="en-US"/>
           </a:p>
@@ -1052,7 +1053,7 @@
           <a:p>
             <a:fld id="{D33114D3-7C8E-4A85-97DC-A0E08C5E6A03}" type="datetimeFigureOut">
               <a:rPr lang="en-US" smtClean="0"/>
-              <a:t>2/9/2021</a:t>
+              <a:t>2/11/2021</a:t>
             </a:fld>
             <a:endParaRPr lang="en-US"/>
           </a:p>
@@ -1222,7 +1223,7 @@
           <a:p>
             <a:fld id="{D33114D3-7C8E-4A85-97DC-A0E08C5E6A03}" type="datetimeFigureOut">
               <a:rPr lang="en-US" smtClean="0"/>
-              <a:t>2/9/2021</a:t>
+              <a:t>2/11/2021</a:t>
             </a:fld>
             <a:endParaRPr lang="en-US"/>
           </a:p>
@@ -1466,7 +1467,7 @@
           <a:p>
             <a:fld id="{D33114D3-7C8E-4A85-97DC-A0E08C5E6A03}" type="datetimeFigureOut">
               <a:rPr lang="en-US" smtClean="0"/>
-              <a:t>2/9/2021</a:t>
+              <a:t>2/11/2021</a:t>
             </a:fld>
             <a:endParaRPr lang="en-US"/>
           </a:p>
@@ -1698,7 +1699,7 @@
           <a:p>
             <a:fld id="{D33114D3-7C8E-4A85-97DC-A0E08C5E6A03}" type="datetimeFigureOut">
               <a:rPr lang="en-US" smtClean="0"/>
-              <a:t>2/9/2021</a:t>
+              <a:t>2/11/2021</a:t>
             </a:fld>
             <a:endParaRPr lang="en-US"/>
           </a:p>
@@ -2065,7 +2066,7 @@
           <a:p>
             <a:fld id="{D33114D3-7C8E-4A85-97DC-A0E08C5E6A03}" type="datetimeFigureOut">
               <a:rPr lang="en-US" smtClean="0"/>
-              <a:t>2/9/2021</a:t>
+              <a:t>2/11/2021</a:t>
             </a:fld>
             <a:endParaRPr lang="en-US"/>
           </a:p>
@@ -2183,7 +2184,7 @@
           <a:p>
             <a:fld id="{D33114D3-7C8E-4A85-97DC-A0E08C5E6A03}" type="datetimeFigureOut">
               <a:rPr lang="en-US" smtClean="0"/>
-              <a:t>2/9/2021</a:t>
+              <a:t>2/11/2021</a:t>
             </a:fld>
             <a:endParaRPr lang="en-US"/>
           </a:p>
@@ -2278,7 +2279,7 @@
           <a:p>
             <a:fld id="{D33114D3-7C8E-4A85-97DC-A0E08C5E6A03}" type="datetimeFigureOut">
               <a:rPr lang="en-US" smtClean="0"/>
-              <a:t>2/9/2021</a:t>
+              <a:t>2/11/2021</a:t>
             </a:fld>
             <a:endParaRPr lang="en-US"/>
           </a:p>
@@ -2555,7 +2556,7 @@
           <a:p>
             <a:fld id="{D33114D3-7C8E-4A85-97DC-A0E08C5E6A03}" type="datetimeFigureOut">
               <a:rPr lang="en-US" smtClean="0"/>
-              <a:t>2/9/2021</a:t>
+              <a:t>2/11/2021</a:t>
             </a:fld>
             <a:endParaRPr lang="en-US"/>
           </a:p>
@@ -2812,7 +2813,7 @@
           <a:p>
             <a:fld id="{D33114D3-7C8E-4A85-97DC-A0E08C5E6A03}" type="datetimeFigureOut">
               <a:rPr lang="en-US" smtClean="0"/>
-              <a:t>2/9/2021</a:t>
+              <a:t>2/11/2021</a:t>
             </a:fld>
             <a:endParaRPr lang="en-US"/>
           </a:p>
@@ -3025,7 +3026,7 @@
           <a:p>
             <a:fld id="{D33114D3-7C8E-4A85-97DC-A0E08C5E6A03}" type="datetimeFigureOut">
               <a:rPr lang="en-US" smtClean="0"/>
-              <a:t>2/9/2021</a:t>
+              <a:t>2/11/2021</a:t>
             </a:fld>
             <a:endParaRPr lang="en-US"/>
           </a:p>
@@ -7230,6 +7231,1336 @@
 </p:sld>
 </file>
 
+<file path=ppt/slides/slide10.xml><?xml version="1.0" encoding="utf-8"?>
+<p:sld xmlns:a="http://schemas.openxmlformats.org/drawingml/2006/main" xmlns:r="http://schemas.openxmlformats.org/officeDocument/2006/relationships" xmlns:p="http://schemas.openxmlformats.org/presentationml/2006/main">
+  <p:cSld>
+    <p:spTree>
+      <p:nvGrpSpPr>
+        <p:cNvPr id="1" name=""/>
+        <p:cNvGrpSpPr/>
+        <p:nvPr/>
+      </p:nvGrpSpPr>
+      <p:grpSpPr>
+        <a:xfrm>
+          <a:off x="0" y="0"/>
+          <a:ext cx="0" cy="0"/>
+          <a:chOff x="0" y="0"/>
+          <a:chExt cx="0" cy="0"/>
+        </a:xfrm>
+      </p:grpSpPr>
+      <p:sp>
+        <p:nvSpPr>
+          <p:cNvPr id="47" name="Rectangle 46">
+            <a:extLst>
+              <a:ext uri="{FF2B5EF4-FFF2-40B4-BE49-F238E27FC236}">
+                <a16:creationId xmlns:a16="http://schemas.microsoft.com/office/drawing/2014/main" id="{92D6443D-58E2-4B5B-AAE9-EBCA1C43ADE0}"/>
+              </a:ext>
+            </a:extLst>
+          </p:cNvPr>
+          <p:cNvSpPr/>
+          <p:nvPr/>
+        </p:nvSpPr>
+        <p:spPr>
+          <a:xfrm>
+            <a:off x="-9836479" y="9222236"/>
+            <a:ext cx="16750632" cy="14891594"/>
+          </a:xfrm>
+          <a:prstGeom prst="rect">
+            <a:avLst/>
+          </a:prstGeom>
+          <a:solidFill>
+            <a:schemeClr val="bg1"/>
+          </a:solidFill>
+          <a:ln>
+            <a:solidFill>
+              <a:schemeClr val="bg1"/>
+            </a:solidFill>
+          </a:ln>
+        </p:spPr>
+        <p:style>
+          <a:lnRef idx="2">
+            <a:schemeClr val="accent1">
+              <a:shade val="50000"/>
+            </a:schemeClr>
+          </a:lnRef>
+          <a:fillRef idx="1">
+            <a:schemeClr val="accent1"/>
+          </a:fillRef>
+          <a:effectRef idx="0">
+            <a:schemeClr val="accent1"/>
+          </a:effectRef>
+          <a:fontRef idx="minor">
+            <a:schemeClr val="lt1"/>
+          </a:fontRef>
+        </p:style>
+        <p:txBody>
+          <a:bodyPr rtlCol="0" anchor="ctr"/>
+          <a:lstStyle/>
+          <a:p>
+            <a:pPr algn="ctr"/>
+            <a:endParaRPr lang="en-US"/>
+          </a:p>
+        </p:txBody>
+      </p:sp>
+      <p:pic>
+        <p:nvPicPr>
+          <p:cNvPr id="15" name="Picture 14" descr="A silhouette of a person&#10;&#10;Description automatically generated">
+            <a:extLst>
+              <a:ext uri="{FF2B5EF4-FFF2-40B4-BE49-F238E27FC236}">
+                <a16:creationId xmlns:a16="http://schemas.microsoft.com/office/drawing/2014/main" id="{BD8C2028-8CD8-4002-A2F4-08A54BAD822E}"/>
+              </a:ext>
+            </a:extLst>
+          </p:cNvPr>
+          <p:cNvPicPr>
+            <a:picLocks noChangeAspect="1"/>
+          </p:cNvPicPr>
+          <p:nvPr/>
+        </p:nvPicPr>
+        <p:blipFill>
+          <a:blip r:embed="rId2">
+            <a:clrChange>
+              <a:clrFrom>
+                <a:srgbClr val="FFFFFF"/>
+              </a:clrFrom>
+              <a:clrTo>
+                <a:srgbClr val="FFFFFF">
+                  <a:alpha val="0"/>
+                </a:srgbClr>
+              </a:clrTo>
+            </a:clrChange>
+          </a:blip>
+          <a:stretch>
+            <a:fillRect/>
+          </a:stretch>
+        </p:blipFill>
+        <p:spPr>
+          <a:xfrm>
+            <a:off x="10356194" y="13856161"/>
+            <a:ext cx="3041373" cy="3041373"/>
+          </a:xfrm>
+          <a:prstGeom prst="rect">
+            <a:avLst/>
+          </a:prstGeom>
+        </p:spPr>
+      </p:pic>
+      <p:cxnSp>
+        <p:nvCxnSpPr>
+          <p:cNvPr id="16" name="Straight Arrow Connector 15">
+            <a:extLst>
+              <a:ext uri="{FF2B5EF4-FFF2-40B4-BE49-F238E27FC236}">
+                <a16:creationId xmlns:a16="http://schemas.microsoft.com/office/drawing/2014/main" id="{2F3EF815-D5B7-4410-BC8E-3AF1D59E48BE}"/>
+              </a:ext>
+            </a:extLst>
+          </p:cNvPr>
+          <p:cNvCxnSpPr>
+            <a:cxnSpLocks/>
+          </p:cNvCxnSpPr>
+          <p:nvPr/>
+        </p:nvCxnSpPr>
+        <p:spPr>
+          <a:xfrm flipH="1">
+            <a:off x="12678141" y="13835594"/>
+            <a:ext cx="2415812" cy="20567"/>
+          </a:xfrm>
+          <a:prstGeom prst="straightConnector1">
+            <a:avLst/>
+          </a:prstGeom>
+          <a:ln w="171450">
+            <a:solidFill>
+              <a:srgbClr val="92D050"/>
+            </a:solidFill>
+            <a:headEnd type="triangle"/>
+            <a:tailEnd type="triangle"/>
+          </a:ln>
+        </p:spPr>
+        <p:style>
+          <a:lnRef idx="1">
+            <a:schemeClr val="accent1"/>
+          </a:lnRef>
+          <a:fillRef idx="0">
+            <a:schemeClr val="accent1"/>
+          </a:fillRef>
+          <a:effectRef idx="0">
+            <a:schemeClr val="accent1"/>
+          </a:effectRef>
+          <a:fontRef idx="minor">
+            <a:schemeClr val="tx1"/>
+          </a:fontRef>
+        </p:style>
+      </p:cxnSp>
+      <p:sp>
+        <p:nvSpPr>
+          <p:cNvPr id="37" name="TextBox 36">
+            <a:extLst>
+              <a:ext uri="{FF2B5EF4-FFF2-40B4-BE49-F238E27FC236}">
+                <a16:creationId xmlns:a16="http://schemas.microsoft.com/office/drawing/2014/main" id="{30EEDEB2-30DE-4CCD-8CD7-CF9442D69EB9}"/>
+              </a:ext>
+            </a:extLst>
+          </p:cNvPr>
+          <p:cNvSpPr txBox="1"/>
+          <p:nvPr/>
+        </p:nvSpPr>
+        <p:spPr>
+          <a:xfrm>
+            <a:off x="22978547" y="25479413"/>
+            <a:ext cx="1527118" cy="369332"/>
+          </a:xfrm>
+          <a:prstGeom prst="rect">
+            <a:avLst/>
+          </a:prstGeom>
+          <a:noFill/>
+        </p:spPr>
+        <p:txBody>
+          <a:bodyPr wrap="square" rtlCol="0">
+            <a:spAutoFit/>
+          </a:bodyPr>
+          <a:lstStyle/>
+          <a:p>
+            <a:pPr algn="r"/>
+            <a:r>
+              <a:rPr lang="en-US" dirty="0"/>
+              <a:t>Tan, C. (2021)</a:t>
+            </a:r>
+          </a:p>
+        </p:txBody>
+      </p:sp>
+      <p:pic>
+        <p:nvPicPr>
+          <p:cNvPr id="38" name="Picture 37" descr="A close up&#10;&#10;Description automatically generated">
+            <a:extLst>
+              <a:ext uri="{FF2B5EF4-FFF2-40B4-BE49-F238E27FC236}">
+                <a16:creationId xmlns:a16="http://schemas.microsoft.com/office/drawing/2014/main" id="{FF3823C6-E6AA-4CD9-ABB2-7611FFEA90F5}"/>
+              </a:ext>
+            </a:extLst>
+          </p:cNvPr>
+          <p:cNvPicPr>
+            <a:picLocks noChangeAspect="1"/>
+          </p:cNvPicPr>
+          <p:nvPr/>
+        </p:nvPicPr>
+        <p:blipFill>
+          <a:blip r:embed="rId3">
+            <a:clrChange>
+              <a:clrFrom>
+                <a:srgbClr val="FFFFFF"/>
+              </a:clrFrom>
+              <a:clrTo>
+                <a:srgbClr val="FFFFFF">
+                  <a:alpha val="0"/>
+                </a:srgbClr>
+              </a:clrTo>
+            </a:clrChange>
+          </a:blip>
+          <a:stretch>
+            <a:fillRect/>
+          </a:stretch>
+        </p:blipFill>
+        <p:spPr>
+          <a:xfrm>
+            <a:off x="5537062" y="11779957"/>
+            <a:ext cx="1807722" cy="1483767"/>
+          </a:xfrm>
+          <a:prstGeom prst="rect">
+            <a:avLst/>
+          </a:prstGeom>
+        </p:spPr>
+      </p:pic>
+      <p:sp>
+        <p:nvSpPr>
+          <p:cNvPr id="49" name="Arc 48">
+            <a:extLst>
+              <a:ext uri="{FF2B5EF4-FFF2-40B4-BE49-F238E27FC236}">
+                <a16:creationId xmlns:a16="http://schemas.microsoft.com/office/drawing/2014/main" id="{D09B1C64-B96F-4F56-8957-BB309E0087D8}"/>
+              </a:ext>
+            </a:extLst>
+          </p:cNvPr>
+          <p:cNvSpPr/>
+          <p:nvPr/>
+        </p:nvSpPr>
+        <p:spPr>
+          <a:xfrm>
+            <a:off x="5884844" y="12576945"/>
+            <a:ext cx="5600700" cy="4164476"/>
+          </a:xfrm>
+          <a:prstGeom prst="arc">
+            <a:avLst>
+              <a:gd name="adj1" fmla="val 16230895"/>
+              <a:gd name="adj2" fmla="val 20674209"/>
+            </a:avLst>
+          </a:prstGeom>
+          <a:ln w="117475">
+            <a:solidFill>
+              <a:schemeClr val="tx1"/>
+            </a:solidFill>
+            <a:tailEnd type="stealth"/>
+          </a:ln>
+        </p:spPr>
+        <p:style>
+          <a:lnRef idx="1">
+            <a:schemeClr val="accent1"/>
+          </a:lnRef>
+          <a:fillRef idx="0">
+            <a:schemeClr val="accent1"/>
+          </a:fillRef>
+          <a:effectRef idx="0">
+            <a:schemeClr val="accent1"/>
+          </a:effectRef>
+          <a:fontRef idx="minor">
+            <a:schemeClr val="tx1"/>
+          </a:fontRef>
+        </p:style>
+        <p:txBody>
+          <a:bodyPr rtlCol="0" anchor="ctr"/>
+          <a:lstStyle/>
+          <a:p>
+            <a:pPr algn="ctr"/>
+            <a:endParaRPr lang="en-US"/>
+          </a:p>
+        </p:txBody>
+      </p:sp>
+      <p:pic>
+        <p:nvPicPr>
+          <p:cNvPr id="59" name="Picture 58" descr="A silhouette of a person&#10;&#10;Description automatically generated">
+            <a:extLst>
+              <a:ext uri="{FF2B5EF4-FFF2-40B4-BE49-F238E27FC236}">
+                <a16:creationId xmlns:a16="http://schemas.microsoft.com/office/drawing/2014/main" id="{E531503D-9FCA-4271-9B9F-D5E3D4A540D7}"/>
+              </a:ext>
+            </a:extLst>
+          </p:cNvPr>
+          <p:cNvPicPr>
+            <a:picLocks noChangeAspect="1"/>
+          </p:cNvPicPr>
+          <p:nvPr/>
+        </p:nvPicPr>
+        <p:blipFill>
+          <a:blip r:embed="rId2">
+            <a:clrChange>
+              <a:clrFrom>
+                <a:srgbClr val="FFFFFF"/>
+              </a:clrFrom>
+              <a:clrTo>
+                <a:srgbClr val="FFFFFF">
+                  <a:alpha val="0"/>
+                </a:srgbClr>
+              </a:clrTo>
+            </a:clrChange>
+          </a:blip>
+          <a:stretch>
+            <a:fillRect/>
+          </a:stretch>
+        </p:blipFill>
+        <p:spPr>
+          <a:xfrm>
+            <a:off x="14994850" y="12698288"/>
+            <a:ext cx="2046952" cy="2046952"/>
+          </a:xfrm>
+          <a:prstGeom prst="rect">
+            <a:avLst/>
+          </a:prstGeom>
+        </p:spPr>
+      </p:pic>
+      <p:pic>
+        <p:nvPicPr>
+          <p:cNvPr id="66" name="Picture 65" descr="A silhouette of a person&#10;&#10;Description automatically generated">
+            <a:extLst>
+              <a:ext uri="{FF2B5EF4-FFF2-40B4-BE49-F238E27FC236}">
+                <a16:creationId xmlns:a16="http://schemas.microsoft.com/office/drawing/2014/main" id="{BBDCC513-E291-4055-BA37-F05A6CF950E2}"/>
+              </a:ext>
+            </a:extLst>
+          </p:cNvPr>
+          <p:cNvPicPr>
+            <a:picLocks noChangeAspect="1"/>
+          </p:cNvPicPr>
+          <p:nvPr/>
+        </p:nvPicPr>
+        <p:blipFill>
+          <a:blip r:embed="rId2">
+            <a:clrChange>
+              <a:clrFrom>
+                <a:srgbClr val="FFFFFF"/>
+              </a:clrFrom>
+              <a:clrTo>
+                <a:srgbClr val="FFFFFF">
+                  <a:alpha val="0"/>
+                </a:srgbClr>
+              </a:clrTo>
+            </a:clrChange>
+          </a:blip>
+          <a:stretch>
+            <a:fillRect/>
+          </a:stretch>
+        </p:blipFill>
+        <p:spPr>
+          <a:xfrm>
+            <a:off x="14994849" y="15627213"/>
+            <a:ext cx="2046953" cy="2046953"/>
+          </a:xfrm>
+          <a:prstGeom prst="rect">
+            <a:avLst/>
+          </a:prstGeom>
+        </p:spPr>
+      </p:pic>
+      <p:sp>
+        <p:nvSpPr>
+          <p:cNvPr id="56" name="TextBox 55">
+            <a:extLst>
+              <a:ext uri="{FF2B5EF4-FFF2-40B4-BE49-F238E27FC236}">
+                <a16:creationId xmlns:a16="http://schemas.microsoft.com/office/drawing/2014/main" id="{422E489C-E6C1-4B63-BB7E-7215AD8AC31D}"/>
+              </a:ext>
+            </a:extLst>
+          </p:cNvPr>
+          <p:cNvSpPr txBox="1"/>
+          <p:nvPr/>
+        </p:nvSpPr>
+        <p:spPr>
+          <a:xfrm>
+            <a:off x="7692566" y="13090074"/>
+            <a:ext cx="3880351" cy="584775"/>
+          </a:xfrm>
+          <a:prstGeom prst="rect">
+            <a:avLst/>
+          </a:prstGeom>
+          <a:noFill/>
+        </p:spPr>
+        <p:txBody>
+          <a:bodyPr wrap="square" rtlCol="0">
+            <a:spAutoFit/>
+          </a:bodyPr>
+          <a:lstStyle/>
+          <a:p>
+            <a:r>
+              <a:rPr lang="en-US" sz="3200" dirty="0"/>
+              <a:t>Infect new host</a:t>
+            </a:r>
+          </a:p>
+        </p:txBody>
+      </p:sp>
+      <p:sp>
+        <p:nvSpPr>
+          <p:cNvPr id="69" name="TextBox 68">
+            <a:extLst>
+              <a:ext uri="{FF2B5EF4-FFF2-40B4-BE49-F238E27FC236}">
+                <a16:creationId xmlns:a16="http://schemas.microsoft.com/office/drawing/2014/main" id="{DB6C359C-B162-43B3-822B-53B5E5E7323D}"/>
+              </a:ext>
+            </a:extLst>
+          </p:cNvPr>
+          <p:cNvSpPr txBox="1"/>
+          <p:nvPr/>
+        </p:nvSpPr>
+        <p:spPr>
+          <a:xfrm>
+            <a:off x="12320761" y="16859748"/>
+            <a:ext cx="3041373" cy="1077218"/>
+          </a:xfrm>
+          <a:prstGeom prst="rect">
+            <a:avLst/>
+          </a:prstGeom>
+          <a:noFill/>
+        </p:spPr>
+        <p:txBody>
+          <a:bodyPr wrap="square" rtlCol="0">
+            <a:spAutoFit/>
+          </a:bodyPr>
+          <a:lstStyle/>
+          <a:p>
+            <a:pPr algn="ctr"/>
+            <a:r>
+              <a:rPr lang="en-US" sz="3200" dirty="0"/>
+              <a:t>Poor transmission</a:t>
+            </a:r>
+          </a:p>
+        </p:txBody>
+      </p:sp>
+      <p:sp>
+        <p:nvSpPr>
+          <p:cNvPr id="70" name="TextBox 69">
+            <a:extLst>
+              <a:ext uri="{FF2B5EF4-FFF2-40B4-BE49-F238E27FC236}">
+                <a16:creationId xmlns:a16="http://schemas.microsoft.com/office/drawing/2014/main" id="{B3878891-BABB-4CF2-B962-90D8C23E1ED2}"/>
+              </a:ext>
+            </a:extLst>
+          </p:cNvPr>
+          <p:cNvSpPr txBox="1"/>
+          <p:nvPr/>
+        </p:nvSpPr>
+        <p:spPr>
+          <a:xfrm>
+            <a:off x="12598746" y="14143381"/>
+            <a:ext cx="2574602" cy="1077218"/>
+          </a:xfrm>
+          <a:prstGeom prst="rect">
+            <a:avLst/>
+          </a:prstGeom>
+          <a:noFill/>
+        </p:spPr>
+        <p:txBody>
+          <a:bodyPr wrap="square" rtlCol="0">
+            <a:spAutoFit/>
+          </a:bodyPr>
+          <a:lstStyle/>
+          <a:p>
+            <a:pPr algn="ctr"/>
+            <a:r>
+              <a:rPr lang="en-US" sz="3200" dirty="0"/>
+              <a:t>Efficient transmission</a:t>
+            </a:r>
+          </a:p>
+        </p:txBody>
+      </p:sp>
+      <p:sp>
+        <p:nvSpPr>
+          <p:cNvPr id="65" name="&quot;Not Allowed&quot; Symbol 64">
+            <a:extLst>
+              <a:ext uri="{FF2B5EF4-FFF2-40B4-BE49-F238E27FC236}">
+                <a16:creationId xmlns:a16="http://schemas.microsoft.com/office/drawing/2014/main" id="{5123CB53-BA4D-44FE-9748-1142982609C0}"/>
+              </a:ext>
+            </a:extLst>
+          </p:cNvPr>
+          <p:cNvSpPr/>
+          <p:nvPr/>
+        </p:nvSpPr>
+        <p:spPr>
+          <a:xfrm>
+            <a:off x="20957026" y="16297989"/>
+            <a:ext cx="837242" cy="815383"/>
+          </a:xfrm>
+          <a:prstGeom prst="noSmoking">
+            <a:avLst>
+              <a:gd name="adj" fmla="val 14148"/>
+            </a:avLst>
+          </a:prstGeom>
+          <a:solidFill>
+            <a:srgbClr val="FF0000"/>
+          </a:solidFill>
+          <a:ln w="0">
+            <a:noFill/>
+          </a:ln>
+        </p:spPr>
+        <p:style>
+          <a:lnRef idx="2">
+            <a:schemeClr val="accent1">
+              <a:shade val="50000"/>
+            </a:schemeClr>
+          </a:lnRef>
+          <a:fillRef idx="1">
+            <a:schemeClr val="accent1"/>
+          </a:fillRef>
+          <a:effectRef idx="0">
+            <a:schemeClr val="accent1"/>
+          </a:effectRef>
+          <a:fontRef idx="minor">
+            <a:schemeClr val="lt1"/>
+          </a:fontRef>
+        </p:style>
+        <p:txBody>
+          <a:bodyPr rtlCol="0" anchor="ctr"/>
+          <a:lstStyle/>
+          <a:p>
+            <a:pPr algn="ctr"/>
+            <a:endParaRPr lang="en-US">
+              <a:solidFill>
+                <a:schemeClr val="tx1"/>
+              </a:solidFill>
+            </a:endParaRPr>
+          </a:p>
+        </p:txBody>
+      </p:sp>
+      <p:sp>
+        <p:nvSpPr>
+          <p:cNvPr id="77" name="TextBox 76">
+            <a:extLst>
+              <a:ext uri="{FF2B5EF4-FFF2-40B4-BE49-F238E27FC236}">
+                <a16:creationId xmlns:a16="http://schemas.microsoft.com/office/drawing/2014/main" id="{2A3607E4-90C1-4F94-B6B2-406E9FC780AA}"/>
+              </a:ext>
+            </a:extLst>
+          </p:cNvPr>
+          <p:cNvSpPr txBox="1"/>
+          <p:nvPr/>
+        </p:nvSpPr>
+        <p:spPr>
+          <a:xfrm>
+            <a:off x="17778390" y="16375534"/>
+            <a:ext cx="3216581" cy="607053"/>
+          </a:xfrm>
+          <a:prstGeom prst="rect">
+            <a:avLst/>
+          </a:prstGeom>
+          <a:noFill/>
+        </p:spPr>
+        <p:txBody>
+          <a:bodyPr wrap="square" rtlCol="0">
+            <a:spAutoFit/>
+          </a:bodyPr>
+          <a:lstStyle/>
+          <a:p>
+            <a:r>
+              <a:rPr lang="en-US" sz="3200" dirty="0"/>
+              <a:t>Virus goes extinct</a:t>
+            </a:r>
+          </a:p>
+        </p:txBody>
+      </p:sp>
+      <p:sp>
+        <p:nvSpPr>
+          <p:cNvPr id="78" name="TextBox 77">
+            <a:extLst>
+              <a:ext uri="{FF2B5EF4-FFF2-40B4-BE49-F238E27FC236}">
+                <a16:creationId xmlns:a16="http://schemas.microsoft.com/office/drawing/2014/main" id="{00C7CFA6-D633-4D61-8EED-41EFB1E3B8D8}"/>
+              </a:ext>
+            </a:extLst>
+          </p:cNvPr>
+          <p:cNvSpPr txBox="1"/>
+          <p:nvPr/>
+        </p:nvSpPr>
+        <p:spPr>
+          <a:xfrm>
+            <a:off x="17778390" y="13505296"/>
+            <a:ext cx="3664651" cy="584775"/>
+          </a:xfrm>
+          <a:prstGeom prst="rect">
+            <a:avLst/>
+          </a:prstGeom>
+          <a:noFill/>
+        </p:spPr>
+        <p:txBody>
+          <a:bodyPr wrap="square" rtlCol="0">
+            <a:spAutoFit/>
+          </a:bodyPr>
+          <a:lstStyle/>
+          <a:p>
+            <a:r>
+              <a:rPr lang="en-US" sz="3200" dirty="0"/>
+              <a:t>Zoonotic emergence</a:t>
+            </a:r>
+          </a:p>
+        </p:txBody>
+      </p:sp>
+      <p:cxnSp>
+        <p:nvCxnSpPr>
+          <p:cNvPr id="79" name="Straight Arrow Connector 78">
+            <a:extLst>
+              <a:ext uri="{FF2B5EF4-FFF2-40B4-BE49-F238E27FC236}">
+                <a16:creationId xmlns:a16="http://schemas.microsoft.com/office/drawing/2014/main" id="{1F787AC4-4659-4F0C-9196-D15A6FB6029C}"/>
+              </a:ext>
+            </a:extLst>
+          </p:cNvPr>
+          <p:cNvCxnSpPr>
+            <a:cxnSpLocks/>
+          </p:cNvCxnSpPr>
+          <p:nvPr/>
+        </p:nvCxnSpPr>
+        <p:spPr>
+          <a:xfrm flipH="1">
+            <a:off x="16659878" y="13797684"/>
+            <a:ext cx="1047789" cy="1"/>
+          </a:xfrm>
+          <a:prstGeom prst="straightConnector1">
+            <a:avLst/>
+          </a:prstGeom>
+          <a:ln w="76200">
+            <a:solidFill>
+              <a:srgbClr val="92D050"/>
+            </a:solidFill>
+            <a:headEnd type="triangle"/>
+            <a:tailEnd type="none"/>
+          </a:ln>
+        </p:spPr>
+        <p:style>
+          <a:lnRef idx="1">
+            <a:schemeClr val="accent1"/>
+          </a:lnRef>
+          <a:fillRef idx="0">
+            <a:schemeClr val="accent1"/>
+          </a:fillRef>
+          <a:effectRef idx="0">
+            <a:schemeClr val="accent1"/>
+          </a:effectRef>
+          <a:fontRef idx="minor">
+            <a:schemeClr val="tx1"/>
+          </a:fontRef>
+        </p:style>
+      </p:cxnSp>
+      <p:grpSp>
+        <p:nvGrpSpPr>
+          <p:cNvPr id="81" name="Group 80">
+            <a:extLst>
+              <a:ext uri="{FF2B5EF4-FFF2-40B4-BE49-F238E27FC236}">
+                <a16:creationId xmlns:a16="http://schemas.microsoft.com/office/drawing/2014/main" id="{82FA0A52-350F-4D01-A851-D3EB74DD640F}"/>
+              </a:ext>
+            </a:extLst>
+          </p:cNvPr>
+          <p:cNvGrpSpPr/>
+          <p:nvPr/>
+        </p:nvGrpSpPr>
+        <p:grpSpPr>
+          <a:xfrm>
+            <a:off x="9879797" y="14855577"/>
+            <a:ext cx="1208416" cy="864972"/>
+            <a:chOff x="10992852" y="10836877"/>
+            <a:chExt cx="1208416" cy="864972"/>
+          </a:xfrm>
+        </p:grpSpPr>
+        <p:sp>
+          <p:nvSpPr>
+            <p:cNvPr id="82" name="Oval 81">
+              <a:extLst>
+                <a:ext uri="{FF2B5EF4-FFF2-40B4-BE49-F238E27FC236}">
+                  <a16:creationId xmlns:a16="http://schemas.microsoft.com/office/drawing/2014/main" id="{C0EEEA27-9DAC-4D62-BD8E-58FD5A10AF98}"/>
+                </a:ext>
+              </a:extLst>
+            </p:cNvPr>
+            <p:cNvSpPr/>
+            <p:nvPr/>
+          </p:nvSpPr>
+          <p:spPr>
+            <a:xfrm>
+              <a:off x="10992852" y="10836877"/>
+              <a:ext cx="931417" cy="864972"/>
+            </a:xfrm>
+            <a:prstGeom prst="ellipse">
+              <a:avLst/>
+            </a:prstGeom>
+            <a:noFill/>
+            <a:ln w="50800">
+              <a:solidFill>
+                <a:schemeClr val="bg2">
+                  <a:lumMod val="50000"/>
+                </a:schemeClr>
+              </a:solidFill>
+            </a:ln>
+          </p:spPr>
+          <p:style>
+            <a:lnRef idx="2">
+              <a:schemeClr val="accent1">
+                <a:shade val="50000"/>
+              </a:schemeClr>
+            </a:lnRef>
+            <a:fillRef idx="1">
+              <a:schemeClr val="accent1"/>
+            </a:fillRef>
+            <a:effectRef idx="0">
+              <a:schemeClr val="accent1"/>
+            </a:effectRef>
+            <a:fontRef idx="minor">
+              <a:schemeClr val="lt1"/>
+            </a:fontRef>
+          </p:style>
+          <p:txBody>
+            <a:bodyPr rtlCol="0" anchor="ctr"/>
+            <a:lstStyle/>
+            <a:p>
+              <a:pPr algn="ctr"/>
+              <a:endParaRPr lang="en-US"/>
+            </a:p>
+          </p:txBody>
+        </p:sp>
+        <p:sp>
+          <p:nvSpPr>
+            <p:cNvPr id="83" name="TextBox 82">
+              <a:extLst>
+                <a:ext uri="{FF2B5EF4-FFF2-40B4-BE49-F238E27FC236}">
+                  <a16:creationId xmlns:a16="http://schemas.microsoft.com/office/drawing/2014/main" id="{B3DB2541-4BB7-4C80-883C-0DFAC466D793}"/>
+                </a:ext>
+              </a:extLst>
+            </p:cNvPr>
+            <p:cNvSpPr txBox="1"/>
+            <p:nvPr/>
+          </p:nvSpPr>
+          <p:spPr>
+            <a:xfrm>
+              <a:off x="11037534" y="11035568"/>
+              <a:ext cx="1163734" cy="461665"/>
+            </a:xfrm>
+            <a:prstGeom prst="rect">
+              <a:avLst/>
+            </a:prstGeom>
+            <a:noFill/>
+          </p:spPr>
+          <p:txBody>
+            <a:bodyPr wrap="square" rtlCol="0">
+              <a:spAutoFit/>
+            </a:bodyPr>
+            <a:lstStyle/>
+            <a:p>
+              <a:r>
+                <a:rPr lang="en-US" sz="2400" dirty="0"/>
+                <a:t>Virus</a:t>
+              </a:r>
+            </a:p>
+          </p:txBody>
+        </p:sp>
+      </p:grpSp>
+      <p:grpSp>
+        <p:nvGrpSpPr>
+          <p:cNvPr id="84" name="Group 83">
+            <a:extLst>
+              <a:ext uri="{FF2B5EF4-FFF2-40B4-BE49-F238E27FC236}">
+                <a16:creationId xmlns:a16="http://schemas.microsoft.com/office/drawing/2014/main" id="{09AF6C46-372B-4FD2-AEAE-9B5F1CCFE984}"/>
+              </a:ext>
+            </a:extLst>
+          </p:cNvPr>
+          <p:cNvGrpSpPr/>
+          <p:nvPr/>
+        </p:nvGrpSpPr>
+        <p:grpSpPr>
+          <a:xfrm>
+            <a:off x="7504507" y="12144459"/>
+            <a:ext cx="1208416" cy="864972"/>
+            <a:chOff x="10992852" y="10836877"/>
+            <a:chExt cx="1208416" cy="864972"/>
+          </a:xfrm>
+        </p:grpSpPr>
+        <p:sp>
+          <p:nvSpPr>
+            <p:cNvPr id="85" name="Oval 84">
+              <a:extLst>
+                <a:ext uri="{FF2B5EF4-FFF2-40B4-BE49-F238E27FC236}">
+                  <a16:creationId xmlns:a16="http://schemas.microsoft.com/office/drawing/2014/main" id="{7843F10E-DE05-4067-A380-FAE90134DC23}"/>
+                </a:ext>
+              </a:extLst>
+            </p:cNvPr>
+            <p:cNvSpPr/>
+            <p:nvPr/>
+          </p:nvSpPr>
+          <p:spPr>
+            <a:xfrm>
+              <a:off x="10992852" y="10836877"/>
+              <a:ext cx="931417" cy="864972"/>
+            </a:xfrm>
+            <a:prstGeom prst="ellipse">
+              <a:avLst/>
+            </a:prstGeom>
+            <a:noFill/>
+            <a:ln w="50800">
+              <a:solidFill>
+                <a:srgbClr val="0070C0"/>
+              </a:solidFill>
+            </a:ln>
+          </p:spPr>
+          <p:style>
+            <a:lnRef idx="2">
+              <a:schemeClr val="accent1">
+                <a:shade val="50000"/>
+              </a:schemeClr>
+            </a:lnRef>
+            <a:fillRef idx="1">
+              <a:schemeClr val="accent1"/>
+            </a:fillRef>
+            <a:effectRef idx="0">
+              <a:schemeClr val="accent1"/>
+            </a:effectRef>
+            <a:fontRef idx="minor">
+              <a:schemeClr val="lt1"/>
+            </a:fontRef>
+          </p:style>
+          <p:txBody>
+            <a:bodyPr rtlCol="0" anchor="ctr"/>
+            <a:lstStyle/>
+            <a:p>
+              <a:pPr algn="ctr"/>
+              <a:endParaRPr lang="en-US"/>
+            </a:p>
+          </p:txBody>
+        </p:sp>
+        <p:sp>
+          <p:nvSpPr>
+            <p:cNvPr id="86" name="TextBox 85">
+              <a:extLst>
+                <a:ext uri="{FF2B5EF4-FFF2-40B4-BE49-F238E27FC236}">
+                  <a16:creationId xmlns:a16="http://schemas.microsoft.com/office/drawing/2014/main" id="{8182A3FA-5BCF-414C-AEEB-F8F12BCC14C4}"/>
+                </a:ext>
+              </a:extLst>
+            </p:cNvPr>
+            <p:cNvSpPr txBox="1"/>
+            <p:nvPr/>
+          </p:nvSpPr>
+          <p:spPr>
+            <a:xfrm>
+              <a:off x="11037534" y="11035568"/>
+              <a:ext cx="1163734" cy="461665"/>
+            </a:xfrm>
+            <a:prstGeom prst="rect">
+              <a:avLst/>
+            </a:prstGeom>
+            <a:noFill/>
+          </p:spPr>
+          <p:txBody>
+            <a:bodyPr wrap="square" rtlCol="0">
+              <a:spAutoFit/>
+            </a:bodyPr>
+            <a:lstStyle/>
+            <a:p>
+              <a:r>
+                <a:rPr lang="en-US" sz="2400" dirty="0"/>
+                <a:t>Virus</a:t>
+              </a:r>
+            </a:p>
+          </p:txBody>
+        </p:sp>
+      </p:grpSp>
+      <p:sp>
+        <p:nvSpPr>
+          <p:cNvPr id="87" name="TextBox 86">
+            <a:extLst>
+              <a:ext uri="{FF2B5EF4-FFF2-40B4-BE49-F238E27FC236}">
+                <a16:creationId xmlns:a16="http://schemas.microsoft.com/office/drawing/2014/main" id="{D2D6A686-5D6D-4210-9873-94A51EB77721}"/>
+              </a:ext>
+            </a:extLst>
+          </p:cNvPr>
+          <p:cNvSpPr txBox="1"/>
+          <p:nvPr/>
+        </p:nvSpPr>
+        <p:spPr>
+          <a:xfrm>
+            <a:off x="8991949" y="15766511"/>
+            <a:ext cx="2639746" cy="1077218"/>
+          </a:xfrm>
+          <a:prstGeom prst="rect">
+            <a:avLst/>
+          </a:prstGeom>
+          <a:noFill/>
+        </p:spPr>
+        <p:txBody>
+          <a:bodyPr wrap="square" rtlCol="0">
+            <a:spAutoFit/>
+          </a:bodyPr>
+          <a:lstStyle/>
+          <a:p>
+            <a:pPr algn="ctr"/>
+            <a:r>
+              <a:rPr lang="en-US" sz="3200" dirty="0"/>
+              <a:t>Adaptation to host</a:t>
+            </a:r>
+          </a:p>
+        </p:txBody>
+      </p:sp>
+      <p:grpSp>
+        <p:nvGrpSpPr>
+          <p:cNvPr id="91" name="Group 90">
+            <a:extLst>
+              <a:ext uri="{FF2B5EF4-FFF2-40B4-BE49-F238E27FC236}">
+                <a16:creationId xmlns:a16="http://schemas.microsoft.com/office/drawing/2014/main" id="{8F8BCC2D-2025-4309-A2C6-2273F9F1A8BF}"/>
+              </a:ext>
+            </a:extLst>
+          </p:cNvPr>
+          <p:cNvGrpSpPr/>
+          <p:nvPr/>
+        </p:nvGrpSpPr>
+        <p:grpSpPr>
+          <a:xfrm>
+            <a:off x="13397567" y="12627399"/>
+            <a:ext cx="1208416" cy="864972"/>
+            <a:chOff x="10992852" y="10836877"/>
+            <a:chExt cx="1208416" cy="864972"/>
+          </a:xfrm>
+        </p:grpSpPr>
+        <p:sp>
+          <p:nvSpPr>
+            <p:cNvPr id="92" name="Oval 91">
+              <a:extLst>
+                <a:ext uri="{FF2B5EF4-FFF2-40B4-BE49-F238E27FC236}">
+                  <a16:creationId xmlns:a16="http://schemas.microsoft.com/office/drawing/2014/main" id="{66E44D2C-8CCE-4D59-8B74-5088262D482B}"/>
+                </a:ext>
+              </a:extLst>
+            </p:cNvPr>
+            <p:cNvSpPr/>
+            <p:nvPr/>
+          </p:nvSpPr>
+          <p:spPr>
+            <a:xfrm>
+              <a:off x="10992852" y="10836877"/>
+              <a:ext cx="931417" cy="864972"/>
+            </a:xfrm>
+            <a:prstGeom prst="ellipse">
+              <a:avLst/>
+            </a:prstGeom>
+            <a:noFill/>
+            <a:ln w="50800">
+              <a:solidFill>
+                <a:srgbClr val="92D050"/>
+              </a:solidFill>
+            </a:ln>
+          </p:spPr>
+          <p:style>
+            <a:lnRef idx="2">
+              <a:schemeClr val="accent1">
+                <a:shade val="50000"/>
+              </a:schemeClr>
+            </a:lnRef>
+            <a:fillRef idx="1">
+              <a:schemeClr val="accent1"/>
+            </a:fillRef>
+            <a:effectRef idx="0">
+              <a:schemeClr val="accent1"/>
+            </a:effectRef>
+            <a:fontRef idx="minor">
+              <a:schemeClr val="lt1"/>
+            </a:fontRef>
+          </p:style>
+          <p:txBody>
+            <a:bodyPr rtlCol="0" anchor="ctr"/>
+            <a:lstStyle/>
+            <a:p>
+              <a:pPr algn="ctr"/>
+              <a:endParaRPr lang="en-US"/>
+            </a:p>
+          </p:txBody>
+        </p:sp>
+        <p:sp>
+          <p:nvSpPr>
+            <p:cNvPr id="93" name="TextBox 92">
+              <a:extLst>
+                <a:ext uri="{FF2B5EF4-FFF2-40B4-BE49-F238E27FC236}">
+                  <a16:creationId xmlns:a16="http://schemas.microsoft.com/office/drawing/2014/main" id="{9CBE9C4A-4DE6-4A4A-8EA7-1C2330FD2135}"/>
+                </a:ext>
+              </a:extLst>
+            </p:cNvPr>
+            <p:cNvSpPr txBox="1"/>
+            <p:nvPr/>
+          </p:nvSpPr>
+          <p:spPr>
+            <a:xfrm>
+              <a:off x="11037534" y="11035568"/>
+              <a:ext cx="1163734" cy="461665"/>
+            </a:xfrm>
+            <a:prstGeom prst="rect">
+              <a:avLst/>
+            </a:prstGeom>
+            <a:noFill/>
+          </p:spPr>
+          <p:txBody>
+            <a:bodyPr wrap="square" rtlCol="0">
+              <a:spAutoFit/>
+            </a:bodyPr>
+            <a:lstStyle/>
+            <a:p>
+              <a:r>
+                <a:rPr lang="en-US" sz="2400" dirty="0"/>
+                <a:t>Virus</a:t>
+              </a:r>
+            </a:p>
+          </p:txBody>
+        </p:sp>
+      </p:grpSp>
+      <p:cxnSp>
+        <p:nvCxnSpPr>
+          <p:cNvPr id="99" name="Straight Arrow Connector 98">
+            <a:extLst>
+              <a:ext uri="{FF2B5EF4-FFF2-40B4-BE49-F238E27FC236}">
+                <a16:creationId xmlns:a16="http://schemas.microsoft.com/office/drawing/2014/main" id="{7EBDC9CF-4596-4F27-8E11-C362AC9757FD}"/>
+              </a:ext>
+            </a:extLst>
+          </p:cNvPr>
+          <p:cNvCxnSpPr>
+            <a:cxnSpLocks/>
+          </p:cNvCxnSpPr>
+          <p:nvPr/>
+        </p:nvCxnSpPr>
+        <p:spPr>
+          <a:xfrm flipH="1">
+            <a:off x="12678141" y="16685114"/>
+            <a:ext cx="2415812" cy="20567"/>
+          </a:xfrm>
+          <a:prstGeom prst="straightConnector1">
+            <a:avLst/>
+          </a:prstGeom>
+          <a:ln w="95250">
+            <a:solidFill>
+              <a:srgbClr val="FF0000"/>
+            </a:solidFill>
+            <a:headEnd type="triangle"/>
+            <a:tailEnd type="triangle"/>
+          </a:ln>
+        </p:spPr>
+        <p:style>
+          <a:lnRef idx="1">
+            <a:schemeClr val="accent1"/>
+          </a:lnRef>
+          <a:fillRef idx="0">
+            <a:schemeClr val="accent1"/>
+          </a:fillRef>
+          <a:effectRef idx="0">
+            <a:schemeClr val="accent1"/>
+          </a:effectRef>
+          <a:fontRef idx="minor">
+            <a:schemeClr val="tx1"/>
+          </a:fontRef>
+        </p:style>
+      </p:cxnSp>
+      <p:cxnSp>
+        <p:nvCxnSpPr>
+          <p:cNvPr id="100" name="Straight Arrow Connector 99">
+            <a:extLst>
+              <a:ext uri="{FF2B5EF4-FFF2-40B4-BE49-F238E27FC236}">
+                <a16:creationId xmlns:a16="http://schemas.microsoft.com/office/drawing/2014/main" id="{C0521514-56AB-4E04-A19B-F608771B5D4A}"/>
+              </a:ext>
+            </a:extLst>
+          </p:cNvPr>
+          <p:cNvCxnSpPr>
+            <a:cxnSpLocks/>
+          </p:cNvCxnSpPr>
+          <p:nvPr/>
+        </p:nvCxnSpPr>
+        <p:spPr>
+          <a:xfrm flipH="1" flipV="1">
+            <a:off x="16659877" y="16690658"/>
+            <a:ext cx="1047790" cy="4739"/>
+          </a:xfrm>
+          <a:prstGeom prst="straightConnector1">
+            <a:avLst/>
+          </a:prstGeom>
+          <a:ln w="76200">
+            <a:solidFill>
+              <a:srgbClr val="FF0000"/>
+            </a:solidFill>
+            <a:headEnd type="triangle"/>
+            <a:tailEnd type="none"/>
+          </a:ln>
+        </p:spPr>
+        <p:style>
+          <a:lnRef idx="1">
+            <a:schemeClr val="accent1"/>
+          </a:lnRef>
+          <a:fillRef idx="0">
+            <a:schemeClr val="accent1"/>
+          </a:fillRef>
+          <a:effectRef idx="0">
+            <a:schemeClr val="accent1"/>
+          </a:effectRef>
+          <a:fontRef idx="minor">
+            <a:schemeClr val="tx1"/>
+          </a:fontRef>
+        </p:style>
+      </p:cxnSp>
+      <p:grpSp>
+        <p:nvGrpSpPr>
+          <p:cNvPr id="101" name="Group 100">
+            <a:extLst>
+              <a:ext uri="{FF2B5EF4-FFF2-40B4-BE49-F238E27FC236}">
+                <a16:creationId xmlns:a16="http://schemas.microsoft.com/office/drawing/2014/main" id="{816BBBD9-F15E-4B7F-AE9C-E5321E985153}"/>
+              </a:ext>
+            </a:extLst>
+          </p:cNvPr>
+          <p:cNvGrpSpPr/>
+          <p:nvPr/>
+        </p:nvGrpSpPr>
+        <p:grpSpPr>
+          <a:xfrm>
+            <a:off x="13397567" y="15630986"/>
+            <a:ext cx="1208416" cy="864972"/>
+            <a:chOff x="10992852" y="10836877"/>
+            <a:chExt cx="1208416" cy="864972"/>
+          </a:xfrm>
+        </p:grpSpPr>
+        <p:sp>
+          <p:nvSpPr>
+            <p:cNvPr id="102" name="Oval 101">
+              <a:extLst>
+                <a:ext uri="{FF2B5EF4-FFF2-40B4-BE49-F238E27FC236}">
+                  <a16:creationId xmlns:a16="http://schemas.microsoft.com/office/drawing/2014/main" id="{5A547B1F-DF1F-40DF-9BF3-8524D90D4753}"/>
+                </a:ext>
+              </a:extLst>
+            </p:cNvPr>
+            <p:cNvSpPr/>
+            <p:nvPr/>
+          </p:nvSpPr>
+          <p:spPr>
+            <a:xfrm>
+              <a:off x="10992852" y="10836877"/>
+              <a:ext cx="931417" cy="864972"/>
+            </a:xfrm>
+            <a:prstGeom prst="ellipse">
+              <a:avLst/>
+            </a:prstGeom>
+            <a:noFill/>
+            <a:ln w="50800">
+              <a:solidFill>
+                <a:srgbClr val="FF0000"/>
+              </a:solidFill>
+            </a:ln>
+          </p:spPr>
+          <p:style>
+            <a:lnRef idx="2">
+              <a:schemeClr val="accent1">
+                <a:shade val="50000"/>
+              </a:schemeClr>
+            </a:lnRef>
+            <a:fillRef idx="1">
+              <a:schemeClr val="accent1"/>
+            </a:fillRef>
+            <a:effectRef idx="0">
+              <a:schemeClr val="accent1"/>
+            </a:effectRef>
+            <a:fontRef idx="minor">
+              <a:schemeClr val="lt1"/>
+            </a:fontRef>
+          </p:style>
+          <p:txBody>
+            <a:bodyPr rtlCol="0" anchor="ctr"/>
+            <a:lstStyle/>
+            <a:p>
+              <a:pPr algn="ctr"/>
+              <a:endParaRPr lang="en-US"/>
+            </a:p>
+          </p:txBody>
+        </p:sp>
+        <p:sp>
+          <p:nvSpPr>
+            <p:cNvPr id="103" name="TextBox 102">
+              <a:extLst>
+                <a:ext uri="{FF2B5EF4-FFF2-40B4-BE49-F238E27FC236}">
+                  <a16:creationId xmlns:a16="http://schemas.microsoft.com/office/drawing/2014/main" id="{0F7ADB4F-F516-483C-8F3C-A225B671ED0F}"/>
+                </a:ext>
+              </a:extLst>
+            </p:cNvPr>
+            <p:cNvSpPr txBox="1"/>
+            <p:nvPr/>
+          </p:nvSpPr>
+          <p:spPr>
+            <a:xfrm>
+              <a:off x="11037534" y="11035568"/>
+              <a:ext cx="1163734" cy="461665"/>
+            </a:xfrm>
+            <a:prstGeom prst="rect">
+              <a:avLst/>
+            </a:prstGeom>
+            <a:noFill/>
+          </p:spPr>
+          <p:txBody>
+            <a:bodyPr wrap="square" rtlCol="0">
+              <a:spAutoFit/>
+            </a:bodyPr>
+            <a:lstStyle/>
+            <a:p>
+              <a:r>
+                <a:rPr lang="en-US" sz="2400" dirty="0"/>
+                <a:t>Virus</a:t>
+              </a:r>
+            </a:p>
+          </p:txBody>
+        </p:sp>
+      </p:grpSp>
+      <p:grpSp>
+        <p:nvGrpSpPr>
+          <p:cNvPr id="106" name="Group 105">
+            <a:extLst>
+              <a:ext uri="{FF2B5EF4-FFF2-40B4-BE49-F238E27FC236}">
+                <a16:creationId xmlns:a16="http://schemas.microsoft.com/office/drawing/2014/main" id="{ED6225CD-FF36-4029-934E-7EE79817A539}"/>
+              </a:ext>
+            </a:extLst>
+          </p:cNvPr>
+          <p:cNvGrpSpPr/>
+          <p:nvPr/>
+        </p:nvGrpSpPr>
+        <p:grpSpPr>
+          <a:xfrm>
+            <a:off x="21453277" y="13423675"/>
+            <a:ext cx="1208416" cy="864972"/>
+            <a:chOff x="10992852" y="10836877"/>
+            <a:chExt cx="1208416" cy="864972"/>
+          </a:xfrm>
+        </p:grpSpPr>
+        <p:sp>
+          <p:nvSpPr>
+            <p:cNvPr id="107" name="Oval 106">
+              <a:extLst>
+                <a:ext uri="{FF2B5EF4-FFF2-40B4-BE49-F238E27FC236}">
+                  <a16:creationId xmlns:a16="http://schemas.microsoft.com/office/drawing/2014/main" id="{A835FCAC-5E8F-4468-BD94-285EE7D8AB0C}"/>
+                </a:ext>
+              </a:extLst>
+            </p:cNvPr>
+            <p:cNvSpPr/>
+            <p:nvPr/>
+          </p:nvSpPr>
+          <p:spPr>
+            <a:xfrm>
+              <a:off x="10992852" y="10836877"/>
+              <a:ext cx="931417" cy="864972"/>
+            </a:xfrm>
+            <a:prstGeom prst="ellipse">
+              <a:avLst/>
+            </a:prstGeom>
+            <a:noFill/>
+            <a:ln w="50800">
+              <a:solidFill>
+                <a:srgbClr val="92D050"/>
+              </a:solidFill>
+            </a:ln>
+          </p:spPr>
+          <p:style>
+            <a:lnRef idx="2">
+              <a:schemeClr val="accent1">
+                <a:shade val="50000"/>
+              </a:schemeClr>
+            </a:lnRef>
+            <a:fillRef idx="1">
+              <a:schemeClr val="accent1"/>
+            </a:fillRef>
+            <a:effectRef idx="0">
+              <a:schemeClr val="accent1"/>
+            </a:effectRef>
+            <a:fontRef idx="minor">
+              <a:schemeClr val="lt1"/>
+            </a:fontRef>
+          </p:style>
+          <p:txBody>
+            <a:bodyPr rtlCol="0" anchor="ctr"/>
+            <a:lstStyle/>
+            <a:p>
+              <a:pPr algn="ctr"/>
+              <a:endParaRPr lang="en-US"/>
+            </a:p>
+          </p:txBody>
+        </p:sp>
+        <p:sp>
+          <p:nvSpPr>
+            <p:cNvPr id="108" name="TextBox 107">
+              <a:extLst>
+                <a:ext uri="{FF2B5EF4-FFF2-40B4-BE49-F238E27FC236}">
+                  <a16:creationId xmlns:a16="http://schemas.microsoft.com/office/drawing/2014/main" id="{F1C74FFA-1F90-4F0D-BCD4-4676CA853BBC}"/>
+                </a:ext>
+              </a:extLst>
+            </p:cNvPr>
+            <p:cNvSpPr txBox="1"/>
+            <p:nvPr/>
+          </p:nvSpPr>
+          <p:spPr>
+            <a:xfrm>
+              <a:off x="11037534" y="11035568"/>
+              <a:ext cx="1163734" cy="461665"/>
+            </a:xfrm>
+            <a:prstGeom prst="rect">
+              <a:avLst/>
+            </a:prstGeom>
+            <a:noFill/>
+          </p:spPr>
+          <p:txBody>
+            <a:bodyPr wrap="square" rtlCol="0">
+              <a:spAutoFit/>
+            </a:bodyPr>
+            <a:lstStyle/>
+            <a:p>
+              <a:r>
+                <a:rPr lang="en-US" sz="2400" dirty="0"/>
+                <a:t>Virus</a:t>
+              </a:r>
+            </a:p>
+          </p:txBody>
+        </p:sp>
+      </p:grpSp>
+    </p:spTree>
+    <p:extLst>
+      <p:ext uri="{BB962C8B-B14F-4D97-AF65-F5344CB8AC3E}">
+        <p14:creationId xmlns:p14="http://schemas.microsoft.com/office/powerpoint/2010/main" val="1909441295"/>
+      </p:ext>
+    </p:extLst>
+  </p:cSld>
+  <p:clrMapOvr>
+    <a:masterClrMapping/>
+  </p:clrMapOvr>
+</p:sld>
+</file>
+
 <file path=ppt/slides/slide2.xml><?xml version="1.0" encoding="utf-8"?>
 <p:sld xmlns:a="http://schemas.openxmlformats.org/drawingml/2006/main" xmlns:r="http://schemas.openxmlformats.org/officeDocument/2006/relationships" xmlns:p="http://schemas.openxmlformats.org/presentationml/2006/main">
   <p:cSld>
@@ -9189,66 +10520,12 @@
           <a:chExt cx="0" cy="0"/>
         </a:xfrm>
       </p:grpSpPr>
-      <p:sp>
-        <p:nvSpPr>
-          <p:cNvPr id="2" name="Rectangle 1">
+      <p:pic>
+        <p:nvPicPr>
+          <p:cNvPr id="13" name="Picture 12" descr="Chart, scatter chart&#10;&#10;Description automatically generated">
             <a:extLst>
               <a:ext uri="{FF2B5EF4-FFF2-40B4-BE49-F238E27FC236}">
-                <a16:creationId xmlns:a16="http://schemas.microsoft.com/office/drawing/2014/main" id="{68288C87-7349-4202-A30C-4046504906F1}"/>
-              </a:ext>
-            </a:extLst>
-          </p:cNvPr>
-          <p:cNvSpPr/>
-          <p:nvPr/>
-        </p:nvSpPr>
-        <p:spPr>
-          <a:xfrm>
-            <a:off x="11132284" y="12158326"/>
-            <a:ext cx="4572009" cy="3888439"/>
-          </a:xfrm>
-          <a:prstGeom prst="rect">
-            <a:avLst/>
-          </a:prstGeom>
-          <a:solidFill>
-            <a:schemeClr val="bg1"/>
-          </a:solidFill>
-          <a:ln>
-            <a:solidFill>
-              <a:schemeClr val="bg1"/>
-            </a:solidFill>
-          </a:ln>
-        </p:spPr>
-        <p:style>
-          <a:lnRef idx="2">
-            <a:schemeClr val="accent1">
-              <a:shade val="50000"/>
-            </a:schemeClr>
-          </a:lnRef>
-          <a:fillRef idx="1">
-            <a:schemeClr val="accent1"/>
-          </a:fillRef>
-          <a:effectRef idx="0">
-            <a:schemeClr val="accent1"/>
-          </a:effectRef>
-          <a:fontRef idx="minor">
-            <a:schemeClr val="lt1"/>
-          </a:fontRef>
-        </p:style>
-        <p:txBody>
-          <a:bodyPr rtlCol="0" anchor="ctr"/>
-          <a:lstStyle/>
-          <a:p>
-            <a:pPr algn="ctr"/>
-            <a:endParaRPr lang="en-US"/>
-          </a:p>
-        </p:txBody>
-      </p:sp>
-      <p:pic>
-        <p:nvPicPr>
-          <p:cNvPr id="15" name="Picture 14" descr="Chart, scatter chart&#10;&#10;Description automatically generated">
-            <a:extLst>
-              <a:ext uri="{FF2B5EF4-FFF2-40B4-BE49-F238E27FC236}">
-                <a16:creationId xmlns:a16="http://schemas.microsoft.com/office/drawing/2014/main" id="{D544380B-CDAF-43BB-A995-4A0C812F1843}"/>
+                <a16:creationId xmlns:a16="http://schemas.microsoft.com/office/drawing/2014/main" id="{AB204A11-0262-40A0-993E-9309AA46FCDD}"/>
               </a:ext>
             </a:extLst>
           </p:cNvPr>
@@ -9271,8 +10548,8 @@
         </p:blipFill>
         <p:spPr>
           <a:xfrm>
-            <a:off x="11132284" y="12158326"/>
-            <a:ext cx="4572009" cy="3657607"/>
+            <a:off x="10972794" y="10972794"/>
+            <a:ext cx="5486411" cy="5486411"/>
           </a:xfrm>
           <a:prstGeom prst="rect">
             <a:avLst/>
@@ -9293,7 +10570,7 @@
         </p:nvSpPr>
         <p:spPr>
           <a:xfrm>
-            <a:off x="14696649" y="12581497"/>
+            <a:off x="15262710" y="11699749"/>
             <a:ext cx="885365" cy="215444"/>
           </a:xfrm>
           <a:prstGeom prst="rect">
@@ -9328,7 +10605,7 @@
         </p:nvSpPr>
         <p:spPr>
           <a:xfrm>
-            <a:off x="14346025" y="12666121"/>
+            <a:off x="14879428" y="11801375"/>
             <a:ext cx="536423" cy="215444"/>
           </a:xfrm>
           <a:prstGeom prst="rect">
@@ -9363,7 +10640,7 @@
         </p:nvSpPr>
         <p:spPr>
           <a:xfrm>
-            <a:off x="14702510" y="12779892"/>
+            <a:off x="15252242" y="12012447"/>
             <a:ext cx="678167" cy="215444"/>
           </a:xfrm>
           <a:prstGeom prst="rect">
@@ -9398,7 +10675,7 @@
         </p:nvSpPr>
         <p:spPr>
           <a:xfrm>
-            <a:off x="14112627" y="12848933"/>
+            <a:off x="14661134" y="12119359"/>
             <a:ext cx="678168" cy="215444"/>
           </a:xfrm>
           <a:prstGeom prst="rect">
@@ -9433,8 +10710,8 @@
         </p:nvSpPr>
         <p:spPr>
           <a:xfrm>
-            <a:off x="14153367" y="15815933"/>
-            <a:ext cx="1527118" cy="230832"/>
+            <a:off x="10972793" y="16228373"/>
+            <a:ext cx="1290327" cy="230832"/>
           </a:xfrm>
           <a:prstGeom prst="rect">
             <a:avLst/>
@@ -9447,11 +10724,278 @@
           </a:bodyPr>
           <a:lstStyle/>
           <a:p>
-            <a:pPr algn="r"/>
             <a:r>
               <a:rPr lang="en-US" sz="900" dirty="0"/>
               <a:t>Tan, C. (2021)</a:t>
             </a:r>
+          </a:p>
+        </p:txBody>
+      </p:sp>
+      <p:cxnSp>
+        <p:nvCxnSpPr>
+          <p:cNvPr id="17" name="Straight Connector 16">
+            <a:extLst>
+              <a:ext uri="{FF2B5EF4-FFF2-40B4-BE49-F238E27FC236}">
+                <a16:creationId xmlns:a16="http://schemas.microsoft.com/office/drawing/2014/main" id="{4BFD1CBE-0E33-47E4-9926-63F2B60C3CDF}"/>
+              </a:ext>
+            </a:extLst>
+          </p:cNvPr>
+          <p:cNvCxnSpPr>
+            <a:cxnSpLocks/>
+          </p:cNvCxnSpPr>
+          <p:nvPr/>
+        </p:nvCxnSpPr>
+        <p:spPr>
+          <a:xfrm>
+            <a:off x="15316719" y="12184296"/>
+            <a:ext cx="363766" cy="318475"/>
+          </a:xfrm>
+          <a:prstGeom prst="line">
+            <a:avLst/>
+          </a:prstGeom>
+          <a:ln>
+            <a:solidFill>
+              <a:srgbClr val="002060"/>
+            </a:solidFill>
+          </a:ln>
+        </p:spPr>
+        <p:style>
+          <a:lnRef idx="1">
+            <a:schemeClr val="dk1"/>
+          </a:lnRef>
+          <a:fillRef idx="0">
+            <a:schemeClr val="dk1"/>
+          </a:fillRef>
+          <a:effectRef idx="0">
+            <a:schemeClr val="dk1"/>
+          </a:effectRef>
+          <a:fontRef idx="minor">
+            <a:schemeClr val="tx1"/>
+          </a:fontRef>
+        </p:style>
+      </p:cxnSp>
+      <p:cxnSp>
+        <p:nvCxnSpPr>
+          <p:cNvPr id="18" name="Straight Connector 17">
+            <a:extLst>
+              <a:ext uri="{FF2B5EF4-FFF2-40B4-BE49-F238E27FC236}">
+                <a16:creationId xmlns:a16="http://schemas.microsoft.com/office/drawing/2014/main" id="{8557C404-8C60-4F57-A74E-C560771A4743}"/>
+              </a:ext>
+            </a:extLst>
+          </p:cNvPr>
+          <p:cNvCxnSpPr>
+            <a:cxnSpLocks/>
+          </p:cNvCxnSpPr>
+          <p:nvPr/>
+        </p:nvCxnSpPr>
+        <p:spPr>
+          <a:xfrm>
+            <a:off x="15316719" y="12325145"/>
+            <a:ext cx="363766" cy="177626"/>
+          </a:xfrm>
+          <a:prstGeom prst="line">
+            <a:avLst/>
+          </a:prstGeom>
+          <a:ln>
+            <a:solidFill>
+              <a:srgbClr val="002060"/>
+            </a:solidFill>
+          </a:ln>
+        </p:spPr>
+        <p:style>
+          <a:lnRef idx="1">
+            <a:schemeClr val="dk1"/>
+          </a:lnRef>
+          <a:fillRef idx="0">
+            <a:schemeClr val="dk1"/>
+          </a:fillRef>
+          <a:effectRef idx="0">
+            <a:schemeClr val="dk1"/>
+          </a:effectRef>
+          <a:fontRef idx="minor">
+            <a:schemeClr val="tx1"/>
+          </a:fontRef>
+        </p:style>
+      </p:cxnSp>
+      <p:sp>
+        <p:nvSpPr>
+          <p:cNvPr id="23" name="TextBox 22">
+            <a:extLst>
+              <a:ext uri="{FF2B5EF4-FFF2-40B4-BE49-F238E27FC236}">
+                <a16:creationId xmlns:a16="http://schemas.microsoft.com/office/drawing/2014/main" id="{43329540-A831-4946-9F44-ED5561D1545D}"/>
+              </a:ext>
+            </a:extLst>
+          </p:cNvPr>
+          <p:cNvSpPr txBox="1"/>
+          <p:nvPr/>
+        </p:nvSpPr>
+        <p:spPr>
+          <a:xfrm>
+            <a:off x="15622330" y="12385391"/>
+            <a:ext cx="809554" cy="215444"/>
+          </a:xfrm>
+          <a:prstGeom prst="rect">
+            <a:avLst/>
+          </a:prstGeom>
+          <a:noFill/>
+        </p:spPr>
+        <p:txBody>
+          <a:bodyPr wrap="square" rtlCol="0">
+            <a:spAutoFit/>
+          </a:bodyPr>
+          <a:lstStyle/>
+          <a:p>
+            <a:r>
+              <a:rPr lang="en-US" sz="800" i="1" dirty="0" err="1">
+                <a:solidFill>
+                  <a:schemeClr val="accent5">
+                    <a:lumMod val="50000"/>
+                  </a:schemeClr>
+                </a:solidFill>
+              </a:rPr>
+              <a:t>Parvoviridae</a:t>
+            </a:r>
+            <a:endParaRPr lang="en-US" sz="800" i="1" dirty="0">
+              <a:solidFill>
+                <a:schemeClr val="accent5">
+                  <a:lumMod val="50000"/>
+                </a:schemeClr>
+              </a:solidFill>
+            </a:endParaRPr>
+          </a:p>
+        </p:txBody>
+      </p:sp>
+      <p:cxnSp>
+        <p:nvCxnSpPr>
+          <p:cNvPr id="24" name="Straight Connector 23">
+            <a:extLst>
+              <a:ext uri="{FF2B5EF4-FFF2-40B4-BE49-F238E27FC236}">
+                <a16:creationId xmlns:a16="http://schemas.microsoft.com/office/drawing/2014/main" id="{B4AEA20C-9659-4C66-8BD8-00809B66C426}"/>
+              </a:ext>
+            </a:extLst>
+          </p:cNvPr>
+          <p:cNvCxnSpPr>
+            <a:cxnSpLocks/>
+          </p:cNvCxnSpPr>
+          <p:nvPr/>
+        </p:nvCxnSpPr>
+        <p:spPr>
+          <a:xfrm flipV="1">
+            <a:off x="14951510" y="11380825"/>
+            <a:ext cx="311200" cy="210044"/>
+          </a:xfrm>
+          <a:prstGeom prst="line">
+            <a:avLst/>
+          </a:prstGeom>
+          <a:ln>
+            <a:solidFill>
+              <a:srgbClr val="002060"/>
+            </a:solidFill>
+          </a:ln>
+        </p:spPr>
+        <p:style>
+          <a:lnRef idx="1">
+            <a:schemeClr val="dk1"/>
+          </a:lnRef>
+          <a:fillRef idx="0">
+            <a:schemeClr val="dk1"/>
+          </a:fillRef>
+          <a:effectRef idx="0">
+            <a:schemeClr val="dk1"/>
+          </a:effectRef>
+          <a:fontRef idx="minor">
+            <a:schemeClr val="tx1"/>
+          </a:fontRef>
+        </p:style>
+      </p:cxnSp>
+      <p:cxnSp>
+        <p:nvCxnSpPr>
+          <p:cNvPr id="25" name="Straight Connector 24">
+            <a:extLst>
+              <a:ext uri="{FF2B5EF4-FFF2-40B4-BE49-F238E27FC236}">
+                <a16:creationId xmlns:a16="http://schemas.microsoft.com/office/drawing/2014/main" id="{FC833722-59E7-4EA9-806F-FA12844B8AA5}"/>
+              </a:ext>
+            </a:extLst>
+          </p:cNvPr>
+          <p:cNvCxnSpPr>
+            <a:cxnSpLocks/>
+          </p:cNvCxnSpPr>
+          <p:nvPr/>
+        </p:nvCxnSpPr>
+        <p:spPr>
+          <a:xfrm>
+            <a:off x="14952953" y="11590868"/>
+            <a:ext cx="299289" cy="38967"/>
+          </a:xfrm>
+          <a:prstGeom prst="line">
+            <a:avLst/>
+          </a:prstGeom>
+          <a:ln>
+            <a:solidFill>
+              <a:srgbClr val="002060"/>
+            </a:solidFill>
+          </a:ln>
+        </p:spPr>
+        <p:style>
+          <a:lnRef idx="1">
+            <a:schemeClr val="dk1"/>
+          </a:lnRef>
+          <a:fillRef idx="0">
+            <a:schemeClr val="dk1"/>
+          </a:fillRef>
+          <a:effectRef idx="0">
+            <a:schemeClr val="dk1"/>
+          </a:effectRef>
+          <a:fontRef idx="minor">
+            <a:schemeClr val="tx1"/>
+          </a:fontRef>
+        </p:style>
+      </p:cxnSp>
+      <p:sp>
+        <p:nvSpPr>
+          <p:cNvPr id="26" name="TextBox 25">
+            <a:extLst>
+              <a:ext uri="{FF2B5EF4-FFF2-40B4-BE49-F238E27FC236}">
+                <a16:creationId xmlns:a16="http://schemas.microsoft.com/office/drawing/2014/main" id="{76F2C44A-9955-49C6-BBD6-40A8DEA1D6F5}"/>
+              </a:ext>
+            </a:extLst>
+          </p:cNvPr>
+          <p:cNvSpPr txBox="1"/>
+          <p:nvPr/>
+        </p:nvSpPr>
+        <p:spPr>
+          <a:xfrm>
+            <a:off x="14340436" y="11472447"/>
+            <a:ext cx="809554" cy="215444"/>
+          </a:xfrm>
+          <a:prstGeom prst="rect">
+            <a:avLst/>
+          </a:prstGeom>
+          <a:noFill/>
+        </p:spPr>
+        <p:txBody>
+          <a:bodyPr wrap="square" rtlCol="0">
+            <a:spAutoFit/>
+          </a:bodyPr>
+          <a:lstStyle/>
+          <a:p>
+            <a:r>
+              <a:rPr lang="en-US" sz="800" i="1" dirty="0" err="1">
+                <a:solidFill>
+                  <a:schemeClr val="accent5">
+                    <a:lumMod val="50000"/>
+                  </a:schemeClr>
+                </a:solidFill>
+              </a:rPr>
+              <a:t>Circoviridae</a:t>
+            </a:r>
+            <a:endParaRPr lang="en-US" sz="800" i="1" dirty="0">
+              <a:solidFill>
+                <a:schemeClr val="accent5">
+                  <a:lumMod val="50000"/>
+                </a:schemeClr>
+              </a:solidFill>
+            </a:endParaRPr>
           </a:p>
         </p:txBody>
       </p:sp>
@@ -33054,7 +34598,7 @@
           <a:lstStyle/>
           <a:p>
             <a:pPr algn="ctr"/>
-            <a:endParaRPr lang="en-US"/>
+            <a:endParaRPr lang="en-US" dirty="0"/>
           </a:p>
         </p:txBody>
       </p:sp>

--- a/workspace/results/plots.pptx
+++ b/workspace/results/plots.pptx
@@ -218,7 +218,7 @@
           <a:p>
             <a:fld id="{F2499265-4902-4D12-9F29-F50D9E7A04F8}" type="datetimeFigureOut">
               <a:rPr lang="en-US" smtClean="0"/>
-              <a:t>2/11/2021</a:t>
+              <a:t>2/16/2021</a:t>
             </a:fld>
             <a:endParaRPr lang="en-US"/>
           </a:p>
@@ -703,7 +703,7 @@
           <a:p>
             <a:fld id="{D33114D3-7C8E-4A85-97DC-A0E08C5E6A03}" type="datetimeFigureOut">
               <a:rPr lang="en-US" smtClean="0"/>
-              <a:t>2/11/2021</a:t>
+              <a:t>2/16/2021</a:t>
             </a:fld>
             <a:endParaRPr lang="en-US"/>
           </a:p>
@@ -873,7 +873,7 @@
           <a:p>
             <a:fld id="{D33114D3-7C8E-4A85-97DC-A0E08C5E6A03}" type="datetimeFigureOut">
               <a:rPr lang="en-US" smtClean="0"/>
-              <a:t>2/11/2021</a:t>
+              <a:t>2/16/2021</a:t>
             </a:fld>
             <a:endParaRPr lang="en-US"/>
           </a:p>
@@ -1053,7 +1053,7 @@
           <a:p>
             <a:fld id="{D33114D3-7C8E-4A85-97DC-A0E08C5E6A03}" type="datetimeFigureOut">
               <a:rPr lang="en-US" smtClean="0"/>
-              <a:t>2/11/2021</a:t>
+              <a:t>2/16/2021</a:t>
             </a:fld>
             <a:endParaRPr lang="en-US"/>
           </a:p>
@@ -1223,7 +1223,7 @@
           <a:p>
             <a:fld id="{D33114D3-7C8E-4A85-97DC-A0E08C5E6A03}" type="datetimeFigureOut">
               <a:rPr lang="en-US" smtClean="0"/>
-              <a:t>2/11/2021</a:t>
+              <a:t>2/16/2021</a:t>
             </a:fld>
             <a:endParaRPr lang="en-US"/>
           </a:p>
@@ -1467,7 +1467,7 @@
           <a:p>
             <a:fld id="{D33114D3-7C8E-4A85-97DC-A0E08C5E6A03}" type="datetimeFigureOut">
               <a:rPr lang="en-US" smtClean="0"/>
-              <a:t>2/11/2021</a:t>
+              <a:t>2/16/2021</a:t>
             </a:fld>
             <a:endParaRPr lang="en-US"/>
           </a:p>
@@ -1699,7 +1699,7 @@
           <a:p>
             <a:fld id="{D33114D3-7C8E-4A85-97DC-A0E08C5E6A03}" type="datetimeFigureOut">
               <a:rPr lang="en-US" smtClean="0"/>
-              <a:t>2/11/2021</a:t>
+              <a:t>2/16/2021</a:t>
             </a:fld>
             <a:endParaRPr lang="en-US"/>
           </a:p>
@@ -2066,7 +2066,7 @@
           <a:p>
             <a:fld id="{D33114D3-7C8E-4A85-97DC-A0E08C5E6A03}" type="datetimeFigureOut">
               <a:rPr lang="en-US" smtClean="0"/>
-              <a:t>2/11/2021</a:t>
+              <a:t>2/16/2021</a:t>
             </a:fld>
             <a:endParaRPr lang="en-US"/>
           </a:p>
@@ -2184,7 +2184,7 @@
           <a:p>
             <a:fld id="{D33114D3-7C8E-4A85-97DC-A0E08C5E6A03}" type="datetimeFigureOut">
               <a:rPr lang="en-US" smtClean="0"/>
-              <a:t>2/11/2021</a:t>
+              <a:t>2/16/2021</a:t>
             </a:fld>
             <a:endParaRPr lang="en-US"/>
           </a:p>
@@ -2279,7 +2279,7 @@
           <a:p>
             <a:fld id="{D33114D3-7C8E-4A85-97DC-A0E08C5E6A03}" type="datetimeFigureOut">
               <a:rPr lang="en-US" smtClean="0"/>
-              <a:t>2/11/2021</a:t>
+              <a:t>2/16/2021</a:t>
             </a:fld>
             <a:endParaRPr lang="en-US"/>
           </a:p>
@@ -2556,7 +2556,7 @@
           <a:p>
             <a:fld id="{D33114D3-7C8E-4A85-97DC-A0E08C5E6A03}" type="datetimeFigureOut">
               <a:rPr lang="en-US" smtClean="0"/>
-              <a:t>2/11/2021</a:t>
+              <a:t>2/16/2021</a:t>
             </a:fld>
             <a:endParaRPr lang="en-US"/>
           </a:p>
@@ -2813,7 +2813,7 @@
           <a:p>
             <a:fld id="{D33114D3-7C8E-4A85-97DC-A0E08C5E6A03}" type="datetimeFigureOut">
               <a:rPr lang="en-US" smtClean="0"/>
-              <a:t>2/11/2021</a:t>
+              <a:t>2/16/2021</a:t>
             </a:fld>
             <a:endParaRPr lang="en-US"/>
           </a:p>
@@ -3026,7 +3026,7 @@
           <a:p>
             <a:fld id="{D33114D3-7C8E-4A85-97DC-A0E08C5E6A03}" type="datetimeFigureOut">
               <a:rPr lang="en-US" smtClean="0"/>
-              <a:t>2/11/2021</a:t>
+              <a:t>2/16/2021</a:t>
             </a:fld>
             <a:endParaRPr lang="en-US"/>
           </a:p>
@@ -7262,7 +7262,7 @@
         </p:nvSpPr>
         <p:spPr>
           <a:xfrm>
-            <a:off x="-9836479" y="9222236"/>
+            <a:off x="1504481" y="9952560"/>
             <a:ext cx="16750632" cy="14891594"/>
           </a:xfrm>
           <a:prstGeom prst="rect">
@@ -7302,92 +7302,6 @@
           </a:p>
         </p:txBody>
       </p:sp>
-      <p:pic>
-        <p:nvPicPr>
-          <p:cNvPr id="15" name="Picture 14" descr="A silhouette of a person&#10;&#10;Description automatically generated">
-            <a:extLst>
-              <a:ext uri="{FF2B5EF4-FFF2-40B4-BE49-F238E27FC236}">
-                <a16:creationId xmlns:a16="http://schemas.microsoft.com/office/drawing/2014/main" id="{BD8C2028-8CD8-4002-A2F4-08A54BAD822E}"/>
-              </a:ext>
-            </a:extLst>
-          </p:cNvPr>
-          <p:cNvPicPr>
-            <a:picLocks noChangeAspect="1"/>
-          </p:cNvPicPr>
-          <p:nvPr/>
-        </p:nvPicPr>
-        <p:blipFill>
-          <a:blip r:embed="rId2">
-            <a:clrChange>
-              <a:clrFrom>
-                <a:srgbClr val="FFFFFF"/>
-              </a:clrFrom>
-              <a:clrTo>
-                <a:srgbClr val="FFFFFF">
-                  <a:alpha val="0"/>
-                </a:srgbClr>
-              </a:clrTo>
-            </a:clrChange>
-          </a:blip>
-          <a:stretch>
-            <a:fillRect/>
-          </a:stretch>
-        </p:blipFill>
-        <p:spPr>
-          <a:xfrm>
-            <a:off x="10356194" y="13856161"/>
-            <a:ext cx="3041373" cy="3041373"/>
-          </a:xfrm>
-          <a:prstGeom prst="rect">
-            <a:avLst/>
-          </a:prstGeom>
-        </p:spPr>
-      </p:pic>
-      <p:cxnSp>
-        <p:nvCxnSpPr>
-          <p:cNvPr id="16" name="Straight Arrow Connector 15">
-            <a:extLst>
-              <a:ext uri="{FF2B5EF4-FFF2-40B4-BE49-F238E27FC236}">
-                <a16:creationId xmlns:a16="http://schemas.microsoft.com/office/drawing/2014/main" id="{2F3EF815-D5B7-4410-BC8E-3AF1D59E48BE}"/>
-              </a:ext>
-            </a:extLst>
-          </p:cNvPr>
-          <p:cNvCxnSpPr>
-            <a:cxnSpLocks/>
-          </p:cNvCxnSpPr>
-          <p:nvPr/>
-        </p:nvCxnSpPr>
-        <p:spPr>
-          <a:xfrm flipH="1">
-            <a:off x="12678141" y="13835594"/>
-            <a:ext cx="2415812" cy="20567"/>
-          </a:xfrm>
-          <a:prstGeom prst="straightConnector1">
-            <a:avLst/>
-          </a:prstGeom>
-          <a:ln w="171450">
-            <a:solidFill>
-              <a:srgbClr val="92D050"/>
-            </a:solidFill>
-            <a:headEnd type="triangle"/>
-            <a:tailEnd type="triangle"/>
-          </a:ln>
-        </p:spPr>
-        <p:style>
-          <a:lnRef idx="1">
-            <a:schemeClr val="accent1"/>
-          </a:lnRef>
-          <a:fillRef idx="0">
-            <a:schemeClr val="accent1"/>
-          </a:fillRef>
-          <a:effectRef idx="0">
-            <a:schemeClr val="accent1"/>
-          </a:effectRef>
-          <a:fontRef idx="minor">
-            <a:schemeClr val="tx1"/>
-          </a:fontRef>
-        </p:style>
-      </p:cxnSp>
       <p:sp>
         <p:nvSpPr>
           <p:cNvPr id="37" name="TextBox 36">
@@ -7424,468 +7338,12 @@
           </a:p>
         </p:txBody>
       </p:sp>
-      <p:pic>
-        <p:nvPicPr>
-          <p:cNvPr id="38" name="Picture 37" descr="A close up&#10;&#10;Description automatically generated">
+      <p:grpSp>
+        <p:nvGrpSpPr>
+          <p:cNvPr id="2" name="Group 1">
             <a:extLst>
               <a:ext uri="{FF2B5EF4-FFF2-40B4-BE49-F238E27FC236}">
-                <a16:creationId xmlns:a16="http://schemas.microsoft.com/office/drawing/2014/main" id="{FF3823C6-E6AA-4CD9-ABB2-7611FFEA90F5}"/>
-              </a:ext>
-            </a:extLst>
-          </p:cNvPr>
-          <p:cNvPicPr>
-            <a:picLocks noChangeAspect="1"/>
-          </p:cNvPicPr>
-          <p:nvPr/>
-        </p:nvPicPr>
-        <p:blipFill>
-          <a:blip r:embed="rId3">
-            <a:clrChange>
-              <a:clrFrom>
-                <a:srgbClr val="FFFFFF"/>
-              </a:clrFrom>
-              <a:clrTo>
-                <a:srgbClr val="FFFFFF">
-                  <a:alpha val="0"/>
-                </a:srgbClr>
-              </a:clrTo>
-            </a:clrChange>
-          </a:blip>
-          <a:stretch>
-            <a:fillRect/>
-          </a:stretch>
-        </p:blipFill>
-        <p:spPr>
-          <a:xfrm>
-            <a:off x="5537062" y="11779957"/>
-            <a:ext cx="1807722" cy="1483767"/>
-          </a:xfrm>
-          <a:prstGeom prst="rect">
-            <a:avLst/>
-          </a:prstGeom>
-        </p:spPr>
-      </p:pic>
-      <p:sp>
-        <p:nvSpPr>
-          <p:cNvPr id="49" name="Arc 48">
-            <a:extLst>
-              <a:ext uri="{FF2B5EF4-FFF2-40B4-BE49-F238E27FC236}">
-                <a16:creationId xmlns:a16="http://schemas.microsoft.com/office/drawing/2014/main" id="{D09B1C64-B96F-4F56-8957-BB309E0087D8}"/>
-              </a:ext>
-            </a:extLst>
-          </p:cNvPr>
-          <p:cNvSpPr/>
-          <p:nvPr/>
-        </p:nvSpPr>
-        <p:spPr>
-          <a:xfrm>
-            <a:off x="5884844" y="12576945"/>
-            <a:ext cx="5600700" cy="4164476"/>
-          </a:xfrm>
-          <a:prstGeom prst="arc">
-            <a:avLst>
-              <a:gd name="adj1" fmla="val 16230895"/>
-              <a:gd name="adj2" fmla="val 20674209"/>
-            </a:avLst>
-          </a:prstGeom>
-          <a:ln w="117475">
-            <a:solidFill>
-              <a:schemeClr val="tx1"/>
-            </a:solidFill>
-            <a:tailEnd type="stealth"/>
-          </a:ln>
-        </p:spPr>
-        <p:style>
-          <a:lnRef idx="1">
-            <a:schemeClr val="accent1"/>
-          </a:lnRef>
-          <a:fillRef idx="0">
-            <a:schemeClr val="accent1"/>
-          </a:fillRef>
-          <a:effectRef idx="0">
-            <a:schemeClr val="accent1"/>
-          </a:effectRef>
-          <a:fontRef idx="minor">
-            <a:schemeClr val="tx1"/>
-          </a:fontRef>
-        </p:style>
-        <p:txBody>
-          <a:bodyPr rtlCol="0" anchor="ctr"/>
-          <a:lstStyle/>
-          <a:p>
-            <a:pPr algn="ctr"/>
-            <a:endParaRPr lang="en-US"/>
-          </a:p>
-        </p:txBody>
-      </p:sp>
-      <p:pic>
-        <p:nvPicPr>
-          <p:cNvPr id="59" name="Picture 58" descr="A silhouette of a person&#10;&#10;Description automatically generated">
-            <a:extLst>
-              <a:ext uri="{FF2B5EF4-FFF2-40B4-BE49-F238E27FC236}">
-                <a16:creationId xmlns:a16="http://schemas.microsoft.com/office/drawing/2014/main" id="{E531503D-9FCA-4271-9B9F-D5E3D4A540D7}"/>
-              </a:ext>
-            </a:extLst>
-          </p:cNvPr>
-          <p:cNvPicPr>
-            <a:picLocks noChangeAspect="1"/>
-          </p:cNvPicPr>
-          <p:nvPr/>
-        </p:nvPicPr>
-        <p:blipFill>
-          <a:blip r:embed="rId2">
-            <a:clrChange>
-              <a:clrFrom>
-                <a:srgbClr val="FFFFFF"/>
-              </a:clrFrom>
-              <a:clrTo>
-                <a:srgbClr val="FFFFFF">
-                  <a:alpha val="0"/>
-                </a:srgbClr>
-              </a:clrTo>
-            </a:clrChange>
-          </a:blip>
-          <a:stretch>
-            <a:fillRect/>
-          </a:stretch>
-        </p:blipFill>
-        <p:spPr>
-          <a:xfrm>
-            <a:off x="14994850" y="12698288"/>
-            <a:ext cx="2046952" cy="2046952"/>
-          </a:xfrm>
-          <a:prstGeom prst="rect">
-            <a:avLst/>
-          </a:prstGeom>
-        </p:spPr>
-      </p:pic>
-      <p:pic>
-        <p:nvPicPr>
-          <p:cNvPr id="66" name="Picture 65" descr="A silhouette of a person&#10;&#10;Description automatically generated">
-            <a:extLst>
-              <a:ext uri="{FF2B5EF4-FFF2-40B4-BE49-F238E27FC236}">
-                <a16:creationId xmlns:a16="http://schemas.microsoft.com/office/drawing/2014/main" id="{BBDCC513-E291-4055-BA37-F05A6CF950E2}"/>
-              </a:ext>
-            </a:extLst>
-          </p:cNvPr>
-          <p:cNvPicPr>
-            <a:picLocks noChangeAspect="1"/>
-          </p:cNvPicPr>
-          <p:nvPr/>
-        </p:nvPicPr>
-        <p:blipFill>
-          <a:blip r:embed="rId2">
-            <a:clrChange>
-              <a:clrFrom>
-                <a:srgbClr val="FFFFFF"/>
-              </a:clrFrom>
-              <a:clrTo>
-                <a:srgbClr val="FFFFFF">
-                  <a:alpha val="0"/>
-                </a:srgbClr>
-              </a:clrTo>
-            </a:clrChange>
-          </a:blip>
-          <a:stretch>
-            <a:fillRect/>
-          </a:stretch>
-        </p:blipFill>
-        <p:spPr>
-          <a:xfrm>
-            <a:off x="14994849" y="15627213"/>
-            <a:ext cx="2046953" cy="2046953"/>
-          </a:xfrm>
-          <a:prstGeom prst="rect">
-            <a:avLst/>
-          </a:prstGeom>
-        </p:spPr>
-      </p:pic>
-      <p:sp>
-        <p:nvSpPr>
-          <p:cNvPr id="56" name="TextBox 55">
-            <a:extLst>
-              <a:ext uri="{FF2B5EF4-FFF2-40B4-BE49-F238E27FC236}">
-                <a16:creationId xmlns:a16="http://schemas.microsoft.com/office/drawing/2014/main" id="{422E489C-E6C1-4B63-BB7E-7215AD8AC31D}"/>
-              </a:ext>
-            </a:extLst>
-          </p:cNvPr>
-          <p:cNvSpPr txBox="1"/>
-          <p:nvPr/>
-        </p:nvSpPr>
-        <p:spPr>
-          <a:xfrm>
-            <a:off x="7692566" y="13090074"/>
-            <a:ext cx="3880351" cy="584775"/>
-          </a:xfrm>
-          <a:prstGeom prst="rect">
-            <a:avLst/>
-          </a:prstGeom>
-          <a:noFill/>
-        </p:spPr>
-        <p:txBody>
-          <a:bodyPr wrap="square" rtlCol="0">
-            <a:spAutoFit/>
-          </a:bodyPr>
-          <a:lstStyle/>
-          <a:p>
-            <a:r>
-              <a:rPr lang="en-US" sz="3200" dirty="0"/>
-              <a:t>Infect new host</a:t>
-            </a:r>
-          </a:p>
-        </p:txBody>
-      </p:sp>
-      <p:sp>
-        <p:nvSpPr>
-          <p:cNvPr id="69" name="TextBox 68">
-            <a:extLst>
-              <a:ext uri="{FF2B5EF4-FFF2-40B4-BE49-F238E27FC236}">
-                <a16:creationId xmlns:a16="http://schemas.microsoft.com/office/drawing/2014/main" id="{DB6C359C-B162-43B3-822B-53B5E5E7323D}"/>
-              </a:ext>
-            </a:extLst>
-          </p:cNvPr>
-          <p:cNvSpPr txBox="1"/>
-          <p:nvPr/>
-        </p:nvSpPr>
-        <p:spPr>
-          <a:xfrm>
-            <a:off x="12320761" y="16859748"/>
-            <a:ext cx="3041373" cy="1077218"/>
-          </a:xfrm>
-          <a:prstGeom prst="rect">
-            <a:avLst/>
-          </a:prstGeom>
-          <a:noFill/>
-        </p:spPr>
-        <p:txBody>
-          <a:bodyPr wrap="square" rtlCol="0">
-            <a:spAutoFit/>
-          </a:bodyPr>
-          <a:lstStyle/>
-          <a:p>
-            <a:pPr algn="ctr"/>
-            <a:r>
-              <a:rPr lang="en-US" sz="3200" dirty="0"/>
-              <a:t>Poor transmission</a:t>
-            </a:r>
-          </a:p>
-        </p:txBody>
-      </p:sp>
-      <p:sp>
-        <p:nvSpPr>
-          <p:cNvPr id="70" name="TextBox 69">
-            <a:extLst>
-              <a:ext uri="{FF2B5EF4-FFF2-40B4-BE49-F238E27FC236}">
-                <a16:creationId xmlns:a16="http://schemas.microsoft.com/office/drawing/2014/main" id="{B3878891-BABB-4CF2-B962-90D8C23E1ED2}"/>
-              </a:ext>
-            </a:extLst>
-          </p:cNvPr>
-          <p:cNvSpPr txBox="1"/>
-          <p:nvPr/>
-        </p:nvSpPr>
-        <p:spPr>
-          <a:xfrm>
-            <a:off x="12598746" y="14143381"/>
-            <a:ext cx="2574602" cy="1077218"/>
-          </a:xfrm>
-          <a:prstGeom prst="rect">
-            <a:avLst/>
-          </a:prstGeom>
-          <a:noFill/>
-        </p:spPr>
-        <p:txBody>
-          <a:bodyPr wrap="square" rtlCol="0">
-            <a:spAutoFit/>
-          </a:bodyPr>
-          <a:lstStyle/>
-          <a:p>
-            <a:pPr algn="ctr"/>
-            <a:r>
-              <a:rPr lang="en-US" sz="3200" dirty="0"/>
-              <a:t>Efficient transmission</a:t>
-            </a:r>
-          </a:p>
-        </p:txBody>
-      </p:sp>
-      <p:sp>
-        <p:nvSpPr>
-          <p:cNvPr id="65" name="&quot;Not Allowed&quot; Symbol 64">
-            <a:extLst>
-              <a:ext uri="{FF2B5EF4-FFF2-40B4-BE49-F238E27FC236}">
-                <a16:creationId xmlns:a16="http://schemas.microsoft.com/office/drawing/2014/main" id="{5123CB53-BA4D-44FE-9748-1142982609C0}"/>
-              </a:ext>
-            </a:extLst>
-          </p:cNvPr>
-          <p:cNvSpPr/>
-          <p:nvPr/>
-        </p:nvSpPr>
-        <p:spPr>
-          <a:xfrm>
-            <a:off x="20957026" y="16297989"/>
-            <a:ext cx="837242" cy="815383"/>
-          </a:xfrm>
-          <a:prstGeom prst="noSmoking">
-            <a:avLst>
-              <a:gd name="adj" fmla="val 14148"/>
-            </a:avLst>
-          </a:prstGeom>
-          <a:solidFill>
-            <a:srgbClr val="FF0000"/>
-          </a:solidFill>
-          <a:ln w="0">
-            <a:noFill/>
-          </a:ln>
-        </p:spPr>
-        <p:style>
-          <a:lnRef idx="2">
-            <a:schemeClr val="accent1">
-              <a:shade val="50000"/>
-            </a:schemeClr>
-          </a:lnRef>
-          <a:fillRef idx="1">
-            <a:schemeClr val="accent1"/>
-          </a:fillRef>
-          <a:effectRef idx="0">
-            <a:schemeClr val="accent1"/>
-          </a:effectRef>
-          <a:fontRef idx="minor">
-            <a:schemeClr val="lt1"/>
-          </a:fontRef>
-        </p:style>
-        <p:txBody>
-          <a:bodyPr rtlCol="0" anchor="ctr"/>
-          <a:lstStyle/>
-          <a:p>
-            <a:pPr algn="ctr"/>
-            <a:endParaRPr lang="en-US">
-              <a:solidFill>
-                <a:schemeClr val="tx1"/>
-              </a:solidFill>
-            </a:endParaRPr>
-          </a:p>
-        </p:txBody>
-      </p:sp>
-      <p:sp>
-        <p:nvSpPr>
-          <p:cNvPr id="77" name="TextBox 76">
-            <a:extLst>
-              <a:ext uri="{FF2B5EF4-FFF2-40B4-BE49-F238E27FC236}">
-                <a16:creationId xmlns:a16="http://schemas.microsoft.com/office/drawing/2014/main" id="{2A3607E4-90C1-4F94-B6B2-406E9FC780AA}"/>
-              </a:ext>
-            </a:extLst>
-          </p:cNvPr>
-          <p:cNvSpPr txBox="1"/>
-          <p:nvPr/>
-        </p:nvSpPr>
-        <p:spPr>
-          <a:xfrm>
-            <a:off x="17778390" y="16375534"/>
-            <a:ext cx="3216581" cy="607053"/>
-          </a:xfrm>
-          <a:prstGeom prst="rect">
-            <a:avLst/>
-          </a:prstGeom>
-          <a:noFill/>
-        </p:spPr>
-        <p:txBody>
-          <a:bodyPr wrap="square" rtlCol="0">
-            <a:spAutoFit/>
-          </a:bodyPr>
-          <a:lstStyle/>
-          <a:p>
-            <a:r>
-              <a:rPr lang="en-US" sz="3200" dirty="0"/>
-              <a:t>Virus goes extinct</a:t>
-            </a:r>
-          </a:p>
-        </p:txBody>
-      </p:sp>
-      <p:sp>
-        <p:nvSpPr>
-          <p:cNvPr id="78" name="TextBox 77">
-            <a:extLst>
-              <a:ext uri="{FF2B5EF4-FFF2-40B4-BE49-F238E27FC236}">
-                <a16:creationId xmlns:a16="http://schemas.microsoft.com/office/drawing/2014/main" id="{00C7CFA6-D633-4D61-8EED-41EFB1E3B8D8}"/>
-              </a:ext>
-            </a:extLst>
-          </p:cNvPr>
-          <p:cNvSpPr txBox="1"/>
-          <p:nvPr/>
-        </p:nvSpPr>
-        <p:spPr>
-          <a:xfrm>
-            <a:off x="17778390" y="13505296"/>
-            <a:ext cx="3664651" cy="584775"/>
-          </a:xfrm>
-          <a:prstGeom prst="rect">
-            <a:avLst/>
-          </a:prstGeom>
-          <a:noFill/>
-        </p:spPr>
-        <p:txBody>
-          <a:bodyPr wrap="square" rtlCol="0">
-            <a:spAutoFit/>
-          </a:bodyPr>
-          <a:lstStyle/>
-          <a:p>
-            <a:r>
-              <a:rPr lang="en-US" sz="3200" dirty="0"/>
-              <a:t>Zoonotic emergence</a:t>
-            </a:r>
-          </a:p>
-        </p:txBody>
-      </p:sp>
-      <p:cxnSp>
-        <p:nvCxnSpPr>
-          <p:cNvPr id="79" name="Straight Arrow Connector 78">
-            <a:extLst>
-              <a:ext uri="{FF2B5EF4-FFF2-40B4-BE49-F238E27FC236}">
-                <a16:creationId xmlns:a16="http://schemas.microsoft.com/office/drawing/2014/main" id="{1F787AC4-4659-4F0C-9196-D15A6FB6029C}"/>
-              </a:ext>
-            </a:extLst>
-          </p:cNvPr>
-          <p:cNvCxnSpPr>
-            <a:cxnSpLocks/>
-          </p:cNvCxnSpPr>
-          <p:nvPr/>
-        </p:nvCxnSpPr>
-        <p:spPr>
-          <a:xfrm flipH="1">
-            <a:off x="16659878" y="13797684"/>
-            <a:ext cx="1047789" cy="1"/>
-          </a:xfrm>
-          <a:prstGeom prst="straightConnector1">
-            <a:avLst/>
-          </a:prstGeom>
-          <a:ln w="76200">
-            <a:solidFill>
-              <a:srgbClr val="92D050"/>
-            </a:solidFill>
-            <a:headEnd type="triangle"/>
-            <a:tailEnd type="none"/>
-          </a:ln>
-        </p:spPr>
-        <p:style>
-          <a:lnRef idx="1">
-            <a:schemeClr val="accent1"/>
-          </a:lnRef>
-          <a:fillRef idx="0">
-            <a:schemeClr val="accent1"/>
-          </a:fillRef>
-          <a:effectRef idx="0">
-            <a:schemeClr val="accent1"/>
-          </a:effectRef>
-          <a:fontRef idx="minor">
-            <a:schemeClr val="tx1"/>
-          </a:fontRef>
-        </p:style>
-      </p:cxnSp>
-      <p:grpSp>
-        <p:nvGrpSpPr>
-          <p:cNvPr id="81" name="Group 80">
-            <a:extLst>
-              <a:ext uri="{FF2B5EF4-FFF2-40B4-BE49-F238E27FC236}">
-                <a16:creationId xmlns:a16="http://schemas.microsoft.com/office/drawing/2014/main" id="{82FA0A52-350F-4D01-A851-D3EB74DD640F}"/>
+                <a16:creationId xmlns:a16="http://schemas.microsoft.com/office/drawing/2014/main" id="{E01A931E-A1F9-48D1-98B0-CB6051ACB626}"/>
               </a:ext>
             </a:extLst>
           </p:cNvPr>
@@ -7894,18 +7352,145 @@
         </p:nvGrpSpPr>
         <p:grpSpPr>
           <a:xfrm>
-            <a:off x="9879797" y="14855577"/>
-            <a:ext cx="1208416" cy="864972"/>
-            <a:chOff x="10992852" y="10836877"/>
-            <a:chExt cx="1208416" cy="864972"/>
+            <a:off x="5537062" y="11779957"/>
+            <a:ext cx="17124631" cy="6157009"/>
+            <a:chOff x="5537062" y="11779957"/>
+            <a:chExt cx="17124631" cy="6157009"/>
           </a:xfrm>
         </p:grpSpPr>
+        <p:pic>
+          <p:nvPicPr>
+            <p:cNvPr id="15" name="Picture 14" descr="A silhouette of a person&#10;&#10;Description automatically generated">
+              <a:extLst>
+                <a:ext uri="{FF2B5EF4-FFF2-40B4-BE49-F238E27FC236}">
+                  <a16:creationId xmlns:a16="http://schemas.microsoft.com/office/drawing/2014/main" id="{BD8C2028-8CD8-4002-A2F4-08A54BAD822E}"/>
+                </a:ext>
+              </a:extLst>
+            </p:cNvPr>
+            <p:cNvPicPr>
+              <a:picLocks noChangeAspect="1"/>
+            </p:cNvPicPr>
+            <p:nvPr/>
+          </p:nvPicPr>
+          <p:blipFill>
+            <a:blip r:embed="rId2">
+              <a:clrChange>
+                <a:clrFrom>
+                  <a:srgbClr val="FFFFFF"/>
+                </a:clrFrom>
+                <a:clrTo>
+                  <a:srgbClr val="FFFFFF">
+                    <a:alpha val="0"/>
+                  </a:srgbClr>
+                </a:clrTo>
+              </a:clrChange>
+            </a:blip>
+            <a:stretch>
+              <a:fillRect/>
+            </a:stretch>
+          </p:blipFill>
+          <p:spPr>
+            <a:xfrm>
+              <a:off x="10356194" y="13856161"/>
+              <a:ext cx="3041373" cy="3041373"/>
+            </a:xfrm>
+            <a:prstGeom prst="rect">
+              <a:avLst/>
+            </a:prstGeom>
+          </p:spPr>
+        </p:pic>
+        <p:cxnSp>
+          <p:nvCxnSpPr>
+            <p:cNvPr id="16" name="Straight Arrow Connector 15">
+              <a:extLst>
+                <a:ext uri="{FF2B5EF4-FFF2-40B4-BE49-F238E27FC236}">
+                  <a16:creationId xmlns:a16="http://schemas.microsoft.com/office/drawing/2014/main" id="{2F3EF815-D5B7-4410-BC8E-3AF1D59E48BE}"/>
+                </a:ext>
+              </a:extLst>
+            </p:cNvPr>
+            <p:cNvCxnSpPr>
+              <a:cxnSpLocks/>
+            </p:cNvCxnSpPr>
+            <p:nvPr/>
+          </p:nvCxnSpPr>
+          <p:spPr>
+            <a:xfrm flipH="1">
+              <a:off x="12678141" y="13835594"/>
+              <a:ext cx="2415812" cy="20567"/>
+            </a:xfrm>
+            <a:prstGeom prst="straightConnector1">
+              <a:avLst/>
+            </a:prstGeom>
+            <a:ln w="171450">
+              <a:solidFill>
+                <a:srgbClr val="92D050"/>
+              </a:solidFill>
+              <a:headEnd type="triangle"/>
+              <a:tailEnd type="triangle"/>
+            </a:ln>
+          </p:spPr>
+          <p:style>
+            <a:lnRef idx="1">
+              <a:schemeClr val="accent1"/>
+            </a:lnRef>
+            <a:fillRef idx="0">
+              <a:schemeClr val="accent1"/>
+            </a:fillRef>
+            <a:effectRef idx="0">
+              <a:schemeClr val="accent1"/>
+            </a:effectRef>
+            <a:fontRef idx="minor">
+              <a:schemeClr val="tx1"/>
+            </a:fontRef>
+          </p:style>
+        </p:cxnSp>
+        <p:pic>
+          <p:nvPicPr>
+            <p:cNvPr id="38" name="Picture 37" descr="A close up&#10;&#10;Description automatically generated">
+              <a:extLst>
+                <a:ext uri="{FF2B5EF4-FFF2-40B4-BE49-F238E27FC236}">
+                  <a16:creationId xmlns:a16="http://schemas.microsoft.com/office/drawing/2014/main" id="{FF3823C6-E6AA-4CD9-ABB2-7611FFEA90F5}"/>
+                </a:ext>
+              </a:extLst>
+            </p:cNvPr>
+            <p:cNvPicPr>
+              <a:picLocks noChangeAspect="1"/>
+            </p:cNvPicPr>
+            <p:nvPr/>
+          </p:nvPicPr>
+          <p:blipFill>
+            <a:blip r:embed="rId3">
+              <a:clrChange>
+                <a:clrFrom>
+                  <a:srgbClr val="FFFFFF"/>
+                </a:clrFrom>
+                <a:clrTo>
+                  <a:srgbClr val="FFFFFF">
+                    <a:alpha val="0"/>
+                  </a:srgbClr>
+                </a:clrTo>
+              </a:clrChange>
+            </a:blip>
+            <a:stretch>
+              <a:fillRect/>
+            </a:stretch>
+          </p:blipFill>
+          <p:spPr>
+            <a:xfrm>
+              <a:off x="5537062" y="11779957"/>
+              <a:ext cx="1807722" cy="1483767"/>
+            </a:xfrm>
+            <a:prstGeom prst="rect">
+              <a:avLst/>
+            </a:prstGeom>
+          </p:spPr>
+        </p:pic>
         <p:sp>
           <p:nvSpPr>
-            <p:cNvPr id="82" name="Oval 81">
+            <p:cNvPr id="49" name="Arc 48">
               <a:extLst>
                 <a:ext uri="{FF2B5EF4-FFF2-40B4-BE49-F238E27FC236}">
-                  <a16:creationId xmlns:a16="http://schemas.microsoft.com/office/drawing/2014/main" id="{C0EEEA27-9DAC-4D62-BD8E-58FD5A10AF98}"/>
+                  <a16:creationId xmlns:a16="http://schemas.microsoft.com/office/drawing/2014/main" id="{D09B1C64-B96F-4F56-8957-BB309E0087D8}"/>
                 </a:ext>
               </a:extLst>
             </p:cNvPr>
@@ -7914,19 +7499,261 @@
           </p:nvSpPr>
           <p:spPr>
             <a:xfrm>
-              <a:off x="10992852" y="10836877"/>
-              <a:ext cx="931417" cy="864972"/>
+              <a:off x="5884844" y="12576945"/>
+              <a:ext cx="5600700" cy="4164476"/>
             </a:xfrm>
-            <a:prstGeom prst="ellipse">
+            <a:prstGeom prst="arc">
+              <a:avLst>
+                <a:gd name="adj1" fmla="val 16230895"/>
+                <a:gd name="adj2" fmla="val 20674209"/>
+              </a:avLst>
+            </a:prstGeom>
+            <a:ln w="117475">
+              <a:solidFill>
+                <a:schemeClr val="tx1"/>
+              </a:solidFill>
+              <a:tailEnd type="stealth"/>
+            </a:ln>
+          </p:spPr>
+          <p:style>
+            <a:lnRef idx="1">
+              <a:schemeClr val="accent1"/>
+            </a:lnRef>
+            <a:fillRef idx="0">
+              <a:schemeClr val="accent1"/>
+            </a:fillRef>
+            <a:effectRef idx="0">
+              <a:schemeClr val="accent1"/>
+            </a:effectRef>
+            <a:fontRef idx="minor">
+              <a:schemeClr val="tx1"/>
+            </a:fontRef>
+          </p:style>
+          <p:txBody>
+            <a:bodyPr rtlCol="0" anchor="ctr"/>
+            <a:lstStyle/>
+            <a:p>
+              <a:pPr algn="ctr"/>
+              <a:endParaRPr lang="en-US"/>
+            </a:p>
+          </p:txBody>
+        </p:sp>
+        <p:pic>
+          <p:nvPicPr>
+            <p:cNvPr id="59" name="Picture 58" descr="A silhouette of a person&#10;&#10;Description automatically generated">
+              <a:extLst>
+                <a:ext uri="{FF2B5EF4-FFF2-40B4-BE49-F238E27FC236}">
+                  <a16:creationId xmlns:a16="http://schemas.microsoft.com/office/drawing/2014/main" id="{E531503D-9FCA-4271-9B9F-D5E3D4A540D7}"/>
+                </a:ext>
+              </a:extLst>
+            </p:cNvPr>
+            <p:cNvPicPr>
+              <a:picLocks noChangeAspect="1"/>
+            </p:cNvPicPr>
+            <p:nvPr/>
+          </p:nvPicPr>
+          <p:blipFill>
+            <a:blip r:embed="rId2">
+              <a:clrChange>
+                <a:clrFrom>
+                  <a:srgbClr val="FFFFFF"/>
+                </a:clrFrom>
+                <a:clrTo>
+                  <a:srgbClr val="FFFFFF">
+                    <a:alpha val="0"/>
+                  </a:srgbClr>
+                </a:clrTo>
+              </a:clrChange>
+            </a:blip>
+            <a:stretch>
+              <a:fillRect/>
+            </a:stretch>
+          </p:blipFill>
+          <p:spPr>
+            <a:xfrm>
+              <a:off x="14994850" y="12698288"/>
+              <a:ext cx="2046952" cy="2046952"/>
+            </a:xfrm>
+            <a:prstGeom prst="rect">
+              <a:avLst/>
+            </a:prstGeom>
+          </p:spPr>
+        </p:pic>
+        <p:pic>
+          <p:nvPicPr>
+            <p:cNvPr id="66" name="Picture 65" descr="A silhouette of a person&#10;&#10;Description automatically generated">
+              <a:extLst>
+                <a:ext uri="{FF2B5EF4-FFF2-40B4-BE49-F238E27FC236}">
+                  <a16:creationId xmlns:a16="http://schemas.microsoft.com/office/drawing/2014/main" id="{BBDCC513-E291-4055-BA37-F05A6CF950E2}"/>
+                </a:ext>
+              </a:extLst>
+            </p:cNvPr>
+            <p:cNvPicPr>
+              <a:picLocks noChangeAspect="1"/>
+            </p:cNvPicPr>
+            <p:nvPr/>
+          </p:nvPicPr>
+          <p:blipFill>
+            <a:blip r:embed="rId2">
+              <a:clrChange>
+                <a:clrFrom>
+                  <a:srgbClr val="FFFFFF"/>
+                </a:clrFrom>
+                <a:clrTo>
+                  <a:srgbClr val="FFFFFF">
+                    <a:alpha val="0"/>
+                  </a:srgbClr>
+                </a:clrTo>
+              </a:clrChange>
+            </a:blip>
+            <a:stretch>
+              <a:fillRect/>
+            </a:stretch>
+          </p:blipFill>
+          <p:spPr>
+            <a:xfrm>
+              <a:off x="14994849" y="15627213"/>
+              <a:ext cx="2046953" cy="2046953"/>
+            </a:xfrm>
+            <a:prstGeom prst="rect">
+              <a:avLst/>
+            </a:prstGeom>
+          </p:spPr>
+        </p:pic>
+        <p:sp>
+          <p:nvSpPr>
+            <p:cNvPr id="56" name="TextBox 55">
+              <a:extLst>
+                <a:ext uri="{FF2B5EF4-FFF2-40B4-BE49-F238E27FC236}">
+                  <a16:creationId xmlns:a16="http://schemas.microsoft.com/office/drawing/2014/main" id="{422E489C-E6C1-4B63-BB7E-7215AD8AC31D}"/>
+                </a:ext>
+              </a:extLst>
+            </p:cNvPr>
+            <p:cNvSpPr txBox="1"/>
+            <p:nvPr/>
+          </p:nvSpPr>
+          <p:spPr>
+            <a:xfrm>
+              <a:off x="7692566" y="13090074"/>
+              <a:ext cx="3880351" cy="584775"/>
+            </a:xfrm>
+            <a:prstGeom prst="rect">
               <a:avLst/>
             </a:prstGeom>
             <a:noFill/>
-            <a:ln w="50800">
-              <a:solidFill>
-                <a:schemeClr val="bg2">
-                  <a:lumMod val="50000"/>
-                </a:schemeClr>
-              </a:solidFill>
+          </p:spPr>
+          <p:txBody>
+            <a:bodyPr wrap="square" rtlCol="0">
+              <a:spAutoFit/>
+            </a:bodyPr>
+            <a:lstStyle/>
+            <a:p>
+              <a:r>
+                <a:rPr lang="en-US" sz="3200" dirty="0"/>
+                <a:t>Infect new host</a:t>
+              </a:r>
+            </a:p>
+          </p:txBody>
+        </p:sp>
+        <p:sp>
+          <p:nvSpPr>
+            <p:cNvPr id="69" name="TextBox 68">
+              <a:extLst>
+                <a:ext uri="{FF2B5EF4-FFF2-40B4-BE49-F238E27FC236}">
+                  <a16:creationId xmlns:a16="http://schemas.microsoft.com/office/drawing/2014/main" id="{DB6C359C-B162-43B3-822B-53B5E5E7323D}"/>
+                </a:ext>
+              </a:extLst>
+            </p:cNvPr>
+            <p:cNvSpPr txBox="1"/>
+            <p:nvPr/>
+          </p:nvSpPr>
+          <p:spPr>
+            <a:xfrm>
+              <a:off x="12320761" y="16859748"/>
+              <a:ext cx="3041373" cy="1077218"/>
+            </a:xfrm>
+            <a:prstGeom prst="rect">
+              <a:avLst/>
+            </a:prstGeom>
+            <a:noFill/>
+          </p:spPr>
+          <p:txBody>
+            <a:bodyPr wrap="square" rtlCol="0">
+              <a:spAutoFit/>
+            </a:bodyPr>
+            <a:lstStyle/>
+            <a:p>
+              <a:pPr algn="ctr"/>
+              <a:r>
+                <a:rPr lang="en-US" sz="3200" dirty="0"/>
+                <a:t>Poor transmission</a:t>
+              </a:r>
+            </a:p>
+          </p:txBody>
+        </p:sp>
+        <p:sp>
+          <p:nvSpPr>
+            <p:cNvPr id="70" name="TextBox 69">
+              <a:extLst>
+                <a:ext uri="{FF2B5EF4-FFF2-40B4-BE49-F238E27FC236}">
+                  <a16:creationId xmlns:a16="http://schemas.microsoft.com/office/drawing/2014/main" id="{B3878891-BABB-4CF2-B962-90D8C23E1ED2}"/>
+                </a:ext>
+              </a:extLst>
+            </p:cNvPr>
+            <p:cNvSpPr txBox="1"/>
+            <p:nvPr/>
+          </p:nvSpPr>
+          <p:spPr>
+            <a:xfrm>
+              <a:off x="12598746" y="14143381"/>
+              <a:ext cx="2574602" cy="1077218"/>
+            </a:xfrm>
+            <a:prstGeom prst="rect">
+              <a:avLst/>
+            </a:prstGeom>
+            <a:noFill/>
+          </p:spPr>
+          <p:txBody>
+            <a:bodyPr wrap="square" rtlCol="0">
+              <a:spAutoFit/>
+            </a:bodyPr>
+            <a:lstStyle/>
+            <a:p>
+              <a:pPr algn="ctr"/>
+              <a:r>
+                <a:rPr lang="en-US" sz="3200" dirty="0"/>
+                <a:t>Efficient transmission</a:t>
+              </a:r>
+            </a:p>
+          </p:txBody>
+        </p:sp>
+        <p:sp>
+          <p:nvSpPr>
+            <p:cNvPr id="65" name="&quot;Not Allowed&quot; Symbol 64">
+              <a:extLst>
+                <a:ext uri="{FF2B5EF4-FFF2-40B4-BE49-F238E27FC236}">
+                  <a16:creationId xmlns:a16="http://schemas.microsoft.com/office/drawing/2014/main" id="{5123CB53-BA4D-44FE-9748-1142982609C0}"/>
+                </a:ext>
+              </a:extLst>
+            </p:cNvPr>
+            <p:cNvSpPr/>
+            <p:nvPr/>
+          </p:nvSpPr>
+          <p:spPr>
+            <a:xfrm>
+              <a:off x="20957026" y="16297989"/>
+              <a:ext cx="837242" cy="815383"/>
+            </a:xfrm>
+            <a:prstGeom prst="noSmoking">
+              <a:avLst>
+                <a:gd name="adj" fmla="val 14148"/>
+              </a:avLst>
+            </a:prstGeom>
+            <a:solidFill>
+              <a:srgbClr val="FF0000"/>
+            </a:solidFill>
+            <a:ln w="0">
+              <a:noFill/>
             </a:ln>
           </p:spPr>
           <p:style>
@@ -7950,16 +7777,20 @@
             <a:lstStyle/>
             <a:p>
               <a:pPr algn="ctr"/>
-              <a:endParaRPr lang="en-US"/>
+              <a:endParaRPr lang="en-US">
+                <a:solidFill>
+                  <a:schemeClr val="tx1"/>
+                </a:solidFill>
+              </a:endParaRPr>
             </a:p>
           </p:txBody>
         </p:sp>
         <p:sp>
           <p:nvSpPr>
-            <p:cNvPr id="83" name="TextBox 82">
+            <p:cNvPr id="77" name="TextBox 76">
               <a:extLst>
                 <a:ext uri="{FF2B5EF4-FFF2-40B4-BE49-F238E27FC236}">
-                  <a16:creationId xmlns:a16="http://schemas.microsoft.com/office/drawing/2014/main" id="{B3DB2541-4BB7-4C80-883C-0DFAC466D793}"/>
+                  <a16:creationId xmlns:a16="http://schemas.microsoft.com/office/drawing/2014/main" id="{2A3607E4-90C1-4F94-B6B2-406E9FC780AA}"/>
                 </a:ext>
               </a:extLst>
             </p:cNvPr>
@@ -7968,8 +7799,8 @@
           </p:nvSpPr>
           <p:spPr>
             <a:xfrm>
-              <a:off x="11037534" y="11035568"/>
-              <a:ext cx="1163734" cy="461665"/>
+              <a:off x="17778390" y="16375534"/>
+              <a:ext cx="3216581" cy="607053"/>
             </a:xfrm>
             <a:prstGeom prst="rect">
               <a:avLst/>
@@ -7983,91 +7814,18 @@
             <a:lstStyle/>
             <a:p>
               <a:r>
-                <a:rPr lang="en-US" sz="2400" dirty="0"/>
-                <a:t>Virus</a:t>
+                <a:rPr lang="en-US" sz="3200" dirty="0"/>
+                <a:t>Virus goes extinct</a:t>
               </a:r>
-            </a:p>
-          </p:txBody>
-        </p:sp>
-      </p:grpSp>
-      <p:grpSp>
-        <p:nvGrpSpPr>
-          <p:cNvPr id="84" name="Group 83">
-            <a:extLst>
-              <a:ext uri="{FF2B5EF4-FFF2-40B4-BE49-F238E27FC236}">
-                <a16:creationId xmlns:a16="http://schemas.microsoft.com/office/drawing/2014/main" id="{09AF6C46-372B-4FD2-AEAE-9B5F1CCFE984}"/>
-              </a:ext>
-            </a:extLst>
-          </p:cNvPr>
-          <p:cNvGrpSpPr/>
-          <p:nvPr/>
-        </p:nvGrpSpPr>
-        <p:grpSpPr>
-          <a:xfrm>
-            <a:off x="7504507" y="12144459"/>
-            <a:ext cx="1208416" cy="864972"/>
-            <a:chOff x="10992852" y="10836877"/>
-            <a:chExt cx="1208416" cy="864972"/>
-          </a:xfrm>
-        </p:grpSpPr>
-        <p:sp>
-          <p:nvSpPr>
-            <p:cNvPr id="85" name="Oval 84">
-              <a:extLst>
-                <a:ext uri="{FF2B5EF4-FFF2-40B4-BE49-F238E27FC236}">
-                  <a16:creationId xmlns:a16="http://schemas.microsoft.com/office/drawing/2014/main" id="{7843F10E-DE05-4067-A380-FAE90134DC23}"/>
-                </a:ext>
-              </a:extLst>
-            </p:cNvPr>
-            <p:cNvSpPr/>
-            <p:nvPr/>
-          </p:nvSpPr>
-          <p:spPr>
-            <a:xfrm>
-              <a:off x="10992852" y="10836877"/>
-              <a:ext cx="931417" cy="864972"/>
-            </a:xfrm>
-            <a:prstGeom prst="ellipse">
-              <a:avLst/>
-            </a:prstGeom>
-            <a:noFill/>
-            <a:ln w="50800">
-              <a:solidFill>
-                <a:srgbClr val="0070C0"/>
-              </a:solidFill>
-            </a:ln>
-          </p:spPr>
-          <p:style>
-            <a:lnRef idx="2">
-              <a:schemeClr val="accent1">
-                <a:shade val="50000"/>
-              </a:schemeClr>
-            </a:lnRef>
-            <a:fillRef idx="1">
-              <a:schemeClr val="accent1"/>
-            </a:fillRef>
-            <a:effectRef idx="0">
-              <a:schemeClr val="accent1"/>
-            </a:effectRef>
-            <a:fontRef idx="minor">
-              <a:schemeClr val="lt1"/>
-            </a:fontRef>
-          </p:style>
-          <p:txBody>
-            <a:bodyPr rtlCol="0" anchor="ctr"/>
-            <a:lstStyle/>
-            <a:p>
-              <a:pPr algn="ctr"/>
-              <a:endParaRPr lang="en-US"/>
             </a:p>
           </p:txBody>
         </p:sp>
         <p:sp>
           <p:nvSpPr>
-            <p:cNvPr id="86" name="TextBox 85">
+            <p:cNvPr id="78" name="TextBox 77">
               <a:extLst>
                 <a:ext uri="{FF2B5EF4-FFF2-40B4-BE49-F238E27FC236}">
-                  <a16:creationId xmlns:a16="http://schemas.microsoft.com/office/drawing/2014/main" id="{8182A3FA-5BCF-414C-AEEB-F8F12BCC14C4}"/>
+                  <a16:creationId xmlns:a16="http://schemas.microsoft.com/office/drawing/2014/main" id="{00C7CFA6-D633-4D61-8EED-41EFB1E3B8D8}"/>
                 </a:ext>
               </a:extLst>
             </p:cNvPr>
@@ -8076,8 +7834,8 @@
           </p:nvSpPr>
           <p:spPr>
             <a:xfrm>
-              <a:off x="11037534" y="11035568"/>
-              <a:ext cx="1163734" cy="461665"/>
+              <a:off x="17778390" y="13505296"/>
+              <a:ext cx="3664651" cy="584775"/>
             </a:xfrm>
             <a:prstGeom prst="rect">
               <a:avLst/>
@@ -8091,127 +7849,281 @@
             <a:lstStyle/>
             <a:p>
               <a:r>
-                <a:rPr lang="en-US" sz="2400" dirty="0"/>
-                <a:t>Virus</a:t>
+                <a:rPr lang="en-US" sz="3200" dirty="0"/>
+                <a:t>Zoonotic emergence</a:t>
               </a:r>
             </a:p>
           </p:txBody>
         </p:sp>
-      </p:grpSp>
-      <p:sp>
-        <p:nvSpPr>
-          <p:cNvPr id="87" name="TextBox 86">
-            <a:extLst>
-              <a:ext uri="{FF2B5EF4-FFF2-40B4-BE49-F238E27FC236}">
-                <a16:creationId xmlns:a16="http://schemas.microsoft.com/office/drawing/2014/main" id="{D2D6A686-5D6D-4210-9873-94A51EB77721}"/>
-              </a:ext>
-            </a:extLst>
-          </p:cNvPr>
-          <p:cNvSpPr txBox="1"/>
-          <p:nvPr/>
-        </p:nvSpPr>
-        <p:spPr>
-          <a:xfrm>
-            <a:off x="8991949" y="15766511"/>
-            <a:ext cx="2639746" cy="1077218"/>
-          </a:xfrm>
-          <a:prstGeom prst="rect">
-            <a:avLst/>
-          </a:prstGeom>
-          <a:noFill/>
-        </p:spPr>
-        <p:txBody>
-          <a:bodyPr wrap="square" rtlCol="0">
-            <a:spAutoFit/>
-          </a:bodyPr>
-          <a:lstStyle/>
-          <a:p>
-            <a:pPr algn="ctr"/>
-            <a:r>
-              <a:rPr lang="en-US" sz="3200" dirty="0"/>
-              <a:t>Adaptation to host</a:t>
-            </a:r>
-          </a:p>
-        </p:txBody>
-      </p:sp>
-      <p:grpSp>
-        <p:nvGrpSpPr>
-          <p:cNvPr id="91" name="Group 90">
-            <a:extLst>
-              <a:ext uri="{FF2B5EF4-FFF2-40B4-BE49-F238E27FC236}">
-                <a16:creationId xmlns:a16="http://schemas.microsoft.com/office/drawing/2014/main" id="{8F8BCC2D-2025-4309-A2C6-2273F9F1A8BF}"/>
-              </a:ext>
-            </a:extLst>
-          </p:cNvPr>
-          <p:cNvGrpSpPr/>
-          <p:nvPr/>
-        </p:nvGrpSpPr>
-        <p:grpSpPr>
-          <a:xfrm>
-            <a:off x="13397567" y="12627399"/>
-            <a:ext cx="1208416" cy="864972"/>
-            <a:chOff x="10992852" y="10836877"/>
-            <a:chExt cx="1208416" cy="864972"/>
-          </a:xfrm>
-        </p:grpSpPr>
-        <p:sp>
-          <p:nvSpPr>
-            <p:cNvPr id="92" name="Oval 91">
+        <p:cxnSp>
+          <p:nvCxnSpPr>
+            <p:cNvPr id="79" name="Straight Arrow Connector 78">
               <a:extLst>
                 <a:ext uri="{FF2B5EF4-FFF2-40B4-BE49-F238E27FC236}">
-                  <a16:creationId xmlns:a16="http://schemas.microsoft.com/office/drawing/2014/main" id="{66E44D2C-8CCE-4D59-8B74-5088262D482B}"/>
+                  <a16:creationId xmlns:a16="http://schemas.microsoft.com/office/drawing/2014/main" id="{1F787AC4-4659-4F0C-9196-D15A6FB6029C}"/>
                 </a:ext>
               </a:extLst>
             </p:cNvPr>
-            <p:cNvSpPr/>
+            <p:cNvCxnSpPr>
+              <a:cxnSpLocks/>
+            </p:cNvCxnSpPr>
             <p:nvPr/>
-          </p:nvSpPr>
+          </p:nvCxnSpPr>
           <p:spPr>
-            <a:xfrm>
-              <a:off x="10992852" y="10836877"/>
-              <a:ext cx="931417" cy="864972"/>
+            <a:xfrm flipH="1">
+              <a:off x="16659878" y="13797684"/>
+              <a:ext cx="1047789" cy="1"/>
             </a:xfrm>
-            <a:prstGeom prst="ellipse">
+            <a:prstGeom prst="straightConnector1">
               <a:avLst/>
             </a:prstGeom>
-            <a:noFill/>
-            <a:ln w="50800">
+            <a:ln w="76200">
               <a:solidFill>
                 <a:srgbClr val="92D050"/>
               </a:solidFill>
+              <a:headEnd type="triangle"/>
+              <a:tailEnd type="none"/>
             </a:ln>
           </p:spPr>
           <p:style>
-            <a:lnRef idx="2">
-              <a:schemeClr val="accent1">
-                <a:shade val="50000"/>
-              </a:schemeClr>
+            <a:lnRef idx="1">
+              <a:schemeClr val="accent1"/>
             </a:lnRef>
-            <a:fillRef idx="1">
+            <a:fillRef idx="0">
               <a:schemeClr val="accent1"/>
             </a:fillRef>
             <a:effectRef idx="0">
               <a:schemeClr val="accent1"/>
             </a:effectRef>
             <a:fontRef idx="minor">
-              <a:schemeClr val="lt1"/>
+              <a:schemeClr val="tx1"/>
             </a:fontRef>
           </p:style>
-          <p:txBody>
-            <a:bodyPr rtlCol="0" anchor="ctr"/>
-            <a:lstStyle/>
-            <a:p>
-              <a:pPr algn="ctr"/>
-              <a:endParaRPr lang="en-US"/>
-            </a:p>
-          </p:txBody>
-        </p:sp>
+        </p:cxnSp>
+        <p:grpSp>
+          <p:nvGrpSpPr>
+            <p:cNvPr id="81" name="Group 80">
+              <a:extLst>
+                <a:ext uri="{FF2B5EF4-FFF2-40B4-BE49-F238E27FC236}">
+                  <a16:creationId xmlns:a16="http://schemas.microsoft.com/office/drawing/2014/main" id="{82FA0A52-350F-4D01-A851-D3EB74DD640F}"/>
+                </a:ext>
+              </a:extLst>
+            </p:cNvPr>
+            <p:cNvGrpSpPr/>
+            <p:nvPr/>
+          </p:nvGrpSpPr>
+          <p:grpSpPr>
+            <a:xfrm>
+              <a:off x="9879797" y="14855577"/>
+              <a:ext cx="1208416" cy="864972"/>
+              <a:chOff x="10992852" y="10836877"/>
+              <a:chExt cx="1208416" cy="864972"/>
+            </a:xfrm>
+          </p:grpSpPr>
+          <p:sp>
+            <p:nvSpPr>
+              <p:cNvPr id="82" name="Oval 81">
+                <a:extLst>
+                  <a:ext uri="{FF2B5EF4-FFF2-40B4-BE49-F238E27FC236}">
+                    <a16:creationId xmlns:a16="http://schemas.microsoft.com/office/drawing/2014/main" id="{C0EEEA27-9DAC-4D62-BD8E-58FD5A10AF98}"/>
+                  </a:ext>
+                </a:extLst>
+              </p:cNvPr>
+              <p:cNvSpPr/>
+              <p:nvPr/>
+            </p:nvSpPr>
+            <p:spPr>
+              <a:xfrm>
+                <a:off x="10992852" y="10836877"/>
+                <a:ext cx="931417" cy="864972"/>
+              </a:xfrm>
+              <a:prstGeom prst="ellipse">
+                <a:avLst/>
+              </a:prstGeom>
+              <a:noFill/>
+              <a:ln w="50800">
+                <a:solidFill>
+                  <a:schemeClr val="bg2">
+                    <a:lumMod val="50000"/>
+                  </a:schemeClr>
+                </a:solidFill>
+              </a:ln>
+            </p:spPr>
+            <p:style>
+              <a:lnRef idx="2">
+                <a:schemeClr val="accent1">
+                  <a:shade val="50000"/>
+                </a:schemeClr>
+              </a:lnRef>
+              <a:fillRef idx="1">
+                <a:schemeClr val="accent1"/>
+              </a:fillRef>
+              <a:effectRef idx="0">
+                <a:schemeClr val="accent1"/>
+              </a:effectRef>
+              <a:fontRef idx="minor">
+                <a:schemeClr val="lt1"/>
+              </a:fontRef>
+            </p:style>
+            <p:txBody>
+              <a:bodyPr rtlCol="0" anchor="ctr"/>
+              <a:lstStyle/>
+              <a:p>
+                <a:pPr algn="ctr"/>
+                <a:endParaRPr lang="en-US"/>
+              </a:p>
+            </p:txBody>
+          </p:sp>
+          <p:sp>
+            <p:nvSpPr>
+              <p:cNvPr id="83" name="TextBox 82">
+                <a:extLst>
+                  <a:ext uri="{FF2B5EF4-FFF2-40B4-BE49-F238E27FC236}">
+                    <a16:creationId xmlns:a16="http://schemas.microsoft.com/office/drawing/2014/main" id="{B3DB2541-4BB7-4C80-883C-0DFAC466D793}"/>
+                  </a:ext>
+                </a:extLst>
+              </p:cNvPr>
+              <p:cNvSpPr txBox="1"/>
+              <p:nvPr/>
+            </p:nvSpPr>
+            <p:spPr>
+              <a:xfrm>
+                <a:off x="11037534" y="11035568"/>
+                <a:ext cx="1163734" cy="461665"/>
+              </a:xfrm>
+              <a:prstGeom prst="rect">
+                <a:avLst/>
+              </a:prstGeom>
+              <a:noFill/>
+            </p:spPr>
+            <p:txBody>
+              <a:bodyPr wrap="square" rtlCol="0">
+                <a:spAutoFit/>
+              </a:bodyPr>
+              <a:lstStyle/>
+              <a:p>
+                <a:r>
+                  <a:rPr lang="en-US" sz="2400" dirty="0"/>
+                  <a:t>Virus</a:t>
+                </a:r>
+              </a:p>
+            </p:txBody>
+          </p:sp>
+        </p:grpSp>
+        <p:grpSp>
+          <p:nvGrpSpPr>
+            <p:cNvPr id="84" name="Group 83">
+              <a:extLst>
+                <a:ext uri="{FF2B5EF4-FFF2-40B4-BE49-F238E27FC236}">
+                  <a16:creationId xmlns:a16="http://schemas.microsoft.com/office/drawing/2014/main" id="{09AF6C46-372B-4FD2-AEAE-9B5F1CCFE984}"/>
+                </a:ext>
+              </a:extLst>
+            </p:cNvPr>
+            <p:cNvGrpSpPr/>
+            <p:nvPr/>
+          </p:nvGrpSpPr>
+          <p:grpSpPr>
+            <a:xfrm>
+              <a:off x="7504507" y="12144459"/>
+              <a:ext cx="1208416" cy="864972"/>
+              <a:chOff x="10992852" y="10836877"/>
+              <a:chExt cx="1208416" cy="864972"/>
+            </a:xfrm>
+          </p:grpSpPr>
+          <p:sp>
+            <p:nvSpPr>
+              <p:cNvPr id="85" name="Oval 84">
+                <a:extLst>
+                  <a:ext uri="{FF2B5EF4-FFF2-40B4-BE49-F238E27FC236}">
+                    <a16:creationId xmlns:a16="http://schemas.microsoft.com/office/drawing/2014/main" id="{7843F10E-DE05-4067-A380-FAE90134DC23}"/>
+                  </a:ext>
+                </a:extLst>
+              </p:cNvPr>
+              <p:cNvSpPr/>
+              <p:nvPr/>
+            </p:nvSpPr>
+            <p:spPr>
+              <a:xfrm>
+                <a:off x="10992852" y="10836877"/>
+                <a:ext cx="931417" cy="864972"/>
+              </a:xfrm>
+              <a:prstGeom prst="ellipse">
+                <a:avLst/>
+              </a:prstGeom>
+              <a:noFill/>
+              <a:ln w="50800">
+                <a:solidFill>
+                  <a:srgbClr val="0070C0"/>
+                </a:solidFill>
+              </a:ln>
+            </p:spPr>
+            <p:style>
+              <a:lnRef idx="2">
+                <a:schemeClr val="accent1">
+                  <a:shade val="50000"/>
+                </a:schemeClr>
+              </a:lnRef>
+              <a:fillRef idx="1">
+                <a:schemeClr val="accent1"/>
+              </a:fillRef>
+              <a:effectRef idx="0">
+                <a:schemeClr val="accent1"/>
+              </a:effectRef>
+              <a:fontRef idx="minor">
+                <a:schemeClr val="lt1"/>
+              </a:fontRef>
+            </p:style>
+            <p:txBody>
+              <a:bodyPr rtlCol="0" anchor="ctr"/>
+              <a:lstStyle/>
+              <a:p>
+                <a:pPr algn="ctr"/>
+                <a:endParaRPr lang="en-US"/>
+              </a:p>
+            </p:txBody>
+          </p:sp>
+          <p:sp>
+            <p:nvSpPr>
+              <p:cNvPr id="86" name="TextBox 85">
+                <a:extLst>
+                  <a:ext uri="{FF2B5EF4-FFF2-40B4-BE49-F238E27FC236}">
+                    <a16:creationId xmlns:a16="http://schemas.microsoft.com/office/drawing/2014/main" id="{8182A3FA-5BCF-414C-AEEB-F8F12BCC14C4}"/>
+                  </a:ext>
+                </a:extLst>
+              </p:cNvPr>
+              <p:cNvSpPr txBox="1"/>
+              <p:nvPr/>
+            </p:nvSpPr>
+            <p:spPr>
+              <a:xfrm>
+                <a:off x="11037534" y="11035568"/>
+                <a:ext cx="1163734" cy="461665"/>
+              </a:xfrm>
+              <a:prstGeom prst="rect">
+                <a:avLst/>
+              </a:prstGeom>
+              <a:noFill/>
+            </p:spPr>
+            <p:txBody>
+              <a:bodyPr wrap="square" rtlCol="0">
+                <a:spAutoFit/>
+              </a:bodyPr>
+              <a:lstStyle/>
+              <a:p>
+                <a:r>
+                  <a:rPr lang="en-US" sz="2400" dirty="0"/>
+                  <a:t>Virus</a:t>
+                </a:r>
+              </a:p>
+            </p:txBody>
+          </p:sp>
+        </p:grpSp>
         <p:sp>
           <p:nvSpPr>
-            <p:cNvPr id="93" name="TextBox 92">
+            <p:cNvPr id="87" name="TextBox 86">
               <a:extLst>
                 <a:ext uri="{FF2B5EF4-FFF2-40B4-BE49-F238E27FC236}">
-                  <a16:creationId xmlns:a16="http://schemas.microsoft.com/office/drawing/2014/main" id="{9CBE9C4A-4DE6-4A4A-8EA7-1C2330FD2135}"/>
+                  <a16:creationId xmlns:a16="http://schemas.microsoft.com/office/drawing/2014/main" id="{D2D6A686-5D6D-4210-9873-94A51EB77721}"/>
                 </a:ext>
               </a:extLst>
             </p:cNvPr>
@@ -8220,8 +8132,8 @@
           </p:nvSpPr>
           <p:spPr>
             <a:xfrm>
-              <a:off x="11037534" y="11035568"/>
-              <a:ext cx="1163734" cy="461665"/>
+              <a:off x="8991949" y="15766511"/>
+              <a:ext cx="2639746" cy="1077218"/>
             </a:xfrm>
             <a:prstGeom prst="rect">
               <a:avLst/>
@@ -8234,319 +8146,428 @@
             </a:bodyPr>
             <a:lstStyle/>
             <a:p>
+              <a:pPr algn="ctr"/>
               <a:r>
-                <a:rPr lang="en-US" sz="2400" dirty="0"/>
-                <a:t>Virus</a:t>
+                <a:rPr lang="en-US" sz="3200" dirty="0"/>
+                <a:t>Adaptation to host</a:t>
               </a:r>
             </a:p>
           </p:txBody>
         </p:sp>
-      </p:grpSp>
-      <p:cxnSp>
-        <p:nvCxnSpPr>
-          <p:cNvPr id="99" name="Straight Arrow Connector 98">
-            <a:extLst>
-              <a:ext uri="{FF2B5EF4-FFF2-40B4-BE49-F238E27FC236}">
-                <a16:creationId xmlns:a16="http://schemas.microsoft.com/office/drawing/2014/main" id="{7EBDC9CF-4596-4F27-8E11-C362AC9757FD}"/>
-              </a:ext>
-            </a:extLst>
-          </p:cNvPr>
-          <p:cNvCxnSpPr>
-            <a:cxnSpLocks/>
-          </p:cNvCxnSpPr>
-          <p:nvPr/>
-        </p:nvCxnSpPr>
-        <p:spPr>
-          <a:xfrm flipH="1">
-            <a:off x="12678141" y="16685114"/>
-            <a:ext cx="2415812" cy="20567"/>
-          </a:xfrm>
-          <a:prstGeom prst="straightConnector1">
-            <a:avLst/>
-          </a:prstGeom>
-          <a:ln w="95250">
-            <a:solidFill>
-              <a:srgbClr val="FF0000"/>
-            </a:solidFill>
-            <a:headEnd type="triangle"/>
-            <a:tailEnd type="triangle"/>
-          </a:ln>
-        </p:spPr>
-        <p:style>
-          <a:lnRef idx="1">
-            <a:schemeClr val="accent1"/>
-          </a:lnRef>
-          <a:fillRef idx="0">
-            <a:schemeClr val="accent1"/>
-          </a:fillRef>
-          <a:effectRef idx="0">
-            <a:schemeClr val="accent1"/>
-          </a:effectRef>
-          <a:fontRef idx="minor">
-            <a:schemeClr val="tx1"/>
-          </a:fontRef>
-        </p:style>
-      </p:cxnSp>
-      <p:cxnSp>
-        <p:nvCxnSpPr>
-          <p:cNvPr id="100" name="Straight Arrow Connector 99">
-            <a:extLst>
-              <a:ext uri="{FF2B5EF4-FFF2-40B4-BE49-F238E27FC236}">
-                <a16:creationId xmlns:a16="http://schemas.microsoft.com/office/drawing/2014/main" id="{C0521514-56AB-4E04-A19B-F608771B5D4A}"/>
-              </a:ext>
-            </a:extLst>
-          </p:cNvPr>
-          <p:cNvCxnSpPr>
-            <a:cxnSpLocks/>
-          </p:cNvCxnSpPr>
-          <p:nvPr/>
-        </p:nvCxnSpPr>
-        <p:spPr>
-          <a:xfrm flipH="1" flipV="1">
-            <a:off x="16659877" y="16690658"/>
-            <a:ext cx="1047790" cy="4739"/>
-          </a:xfrm>
-          <a:prstGeom prst="straightConnector1">
-            <a:avLst/>
-          </a:prstGeom>
-          <a:ln w="76200">
-            <a:solidFill>
-              <a:srgbClr val="FF0000"/>
-            </a:solidFill>
-            <a:headEnd type="triangle"/>
-            <a:tailEnd type="none"/>
-          </a:ln>
-        </p:spPr>
-        <p:style>
-          <a:lnRef idx="1">
-            <a:schemeClr val="accent1"/>
-          </a:lnRef>
-          <a:fillRef idx="0">
-            <a:schemeClr val="accent1"/>
-          </a:fillRef>
-          <a:effectRef idx="0">
-            <a:schemeClr val="accent1"/>
-          </a:effectRef>
-          <a:fontRef idx="minor">
-            <a:schemeClr val="tx1"/>
-          </a:fontRef>
-        </p:style>
-      </p:cxnSp>
-      <p:grpSp>
-        <p:nvGrpSpPr>
-          <p:cNvPr id="101" name="Group 100">
-            <a:extLst>
-              <a:ext uri="{FF2B5EF4-FFF2-40B4-BE49-F238E27FC236}">
-                <a16:creationId xmlns:a16="http://schemas.microsoft.com/office/drawing/2014/main" id="{816BBBD9-F15E-4B7F-AE9C-E5321E985153}"/>
-              </a:ext>
-            </a:extLst>
-          </p:cNvPr>
-          <p:cNvGrpSpPr/>
-          <p:nvPr/>
-        </p:nvGrpSpPr>
-        <p:grpSpPr>
-          <a:xfrm>
-            <a:off x="13397567" y="15630986"/>
-            <a:ext cx="1208416" cy="864972"/>
-            <a:chOff x="10992852" y="10836877"/>
-            <a:chExt cx="1208416" cy="864972"/>
-          </a:xfrm>
-        </p:grpSpPr>
-        <p:sp>
-          <p:nvSpPr>
-            <p:cNvPr id="102" name="Oval 101">
+        <p:grpSp>
+          <p:nvGrpSpPr>
+            <p:cNvPr id="91" name="Group 90">
               <a:extLst>
                 <a:ext uri="{FF2B5EF4-FFF2-40B4-BE49-F238E27FC236}">
-                  <a16:creationId xmlns:a16="http://schemas.microsoft.com/office/drawing/2014/main" id="{5A547B1F-DF1F-40DF-9BF3-8524D90D4753}"/>
+                  <a16:creationId xmlns:a16="http://schemas.microsoft.com/office/drawing/2014/main" id="{8F8BCC2D-2025-4309-A2C6-2273F9F1A8BF}"/>
                 </a:ext>
               </a:extLst>
             </p:cNvPr>
-            <p:cNvSpPr/>
+            <p:cNvGrpSpPr/>
             <p:nvPr/>
-          </p:nvSpPr>
+          </p:nvGrpSpPr>
+          <p:grpSpPr>
+            <a:xfrm>
+              <a:off x="13397567" y="12627399"/>
+              <a:ext cx="1208416" cy="864972"/>
+              <a:chOff x="10992852" y="10836877"/>
+              <a:chExt cx="1208416" cy="864972"/>
+            </a:xfrm>
+          </p:grpSpPr>
+          <p:sp>
+            <p:nvSpPr>
+              <p:cNvPr id="92" name="Oval 91">
+                <a:extLst>
+                  <a:ext uri="{FF2B5EF4-FFF2-40B4-BE49-F238E27FC236}">
+                    <a16:creationId xmlns:a16="http://schemas.microsoft.com/office/drawing/2014/main" id="{66E44D2C-8CCE-4D59-8B74-5088262D482B}"/>
+                  </a:ext>
+                </a:extLst>
+              </p:cNvPr>
+              <p:cNvSpPr/>
+              <p:nvPr/>
+            </p:nvSpPr>
+            <p:spPr>
+              <a:xfrm>
+                <a:off x="10992852" y="10836877"/>
+                <a:ext cx="931417" cy="864972"/>
+              </a:xfrm>
+              <a:prstGeom prst="ellipse">
+                <a:avLst/>
+              </a:prstGeom>
+              <a:noFill/>
+              <a:ln w="50800">
+                <a:solidFill>
+                  <a:srgbClr val="92D050"/>
+                </a:solidFill>
+              </a:ln>
+            </p:spPr>
+            <p:style>
+              <a:lnRef idx="2">
+                <a:schemeClr val="accent1">
+                  <a:shade val="50000"/>
+                </a:schemeClr>
+              </a:lnRef>
+              <a:fillRef idx="1">
+                <a:schemeClr val="accent1"/>
+              </a:fillRef>
+              <a:effectRef idx="0">
+                <a:schemeClr val="accent1"/>
+              </a:effectRef>
+              <a:fontRef idx="minor">
+                <a:schemeClr val="lt1"/>
+              </a:fontRef>
+            </p:style>
+            <p:txBody>
+              <a:bodyPr rtlCol="0" anchor="ctr"/>
+              <a:lstStyle/>
+              <a:p>
+                <a:pPr algn="ctr"/>
+                <a:endParaRPr lang="en-US"/>
+              </a:p>
+            </p:txBody>
+          </p:sp>
+          <p:sp>
+            <p:nvSpPr>
+              <p:cNvPr id="93" name="TextBox 92">
+                <a:extLst>
+                  <a:ext uri="{FF2B5EF4-FFF2-40B4-BE49-F238E27FC236}">
+                    <a16:creationId xmlns:a16="http://schemas.microsoft.com/office/drawing/2014/main" id="{9CBE9C4A-4DE6-4A4A-8EA7-1C2330FD2135}"/>
+                  </a:ext>
+                </a:extLst>
+              </p:cNvPr>
+              <p:cNvSpPr txBox="1"/>
+              <p:nvPr/>
+            </p:nvSpPr>
+            <p:spPr>
+              <a:xfrm>
+                <a:off x="11037534" y="11035568"/>
+                <a:ext cx="1163734" cy="461665"/>
+              </a:xfrm>
+              <a:prstGeom prst="rect">
+                <a:avLst/>
+              </a:prstGeom>
+              <a:noFill/>
+            </p:spPr>
+            <p:txBody>
+              <a:bodyPr wrap="square" rtlCol="0">
+                <a:spAutoFit/>
+              </a:bodyPr>
+              <a:lstStyle/>
+              <a:p>
+                <a:r>
+                  <a:rPr lang="en-US" sz="2400" dirty="0"/>
+                  <a:t>Virus</a:t>
+                </a:r>
+              </a:p>
+            </p:txBody>
+          </p:sp>
+        </p:grpSp>
+        <p:cxnSp>
+          <p:nvCxnSpPr>
+            <p:cNvPr id="99" name="Straight Arrow Connector 98">
+              <a:extLst>
+                <a:ext uri="{FF2B5EF4-FFF2-40B4-BE49-F238E27FC236}">
+                  <a16:creationId xmlns:a16="http://schemas.microsoft.com/office/drawing/2014/main" id="{7EBDC9CF-4596-4F27-8E11-C362AC9757FD}"/>
+                </a:ext>
+              </a:extLst>
+            </p:cNvPr>
+            <p:cNvCxnSpPr>
+              <a:cxnSpLocks/>
+            </p:cNvCxnSpPr>
+            <p:nvPr/>
+          </p:nvCxnSpPr>
           <p:spPr>
-            <a:xfrm>
-              <a:off x="10992852" y="10836877"/>
-              <a:ext cx="931417" cy="864972"/>
+            <a:xfrm flipH="1">
+              <a:off x="12678141" y="16685114"/>
+              <a:ext cx="2415812" cy="20567"/>
             </a:xfrm>
-            <a:prstGeom prst="ellipse">
+            <a:prstGeom prst="straightConnector1">
               <a:avLst/>
             </a:prstGeom>
-            <a:noFill/>
-            <a:ln w="50800">
+            <a:ln w="95250">
               <a:solidFill>
                 <a:srgbClr val="FF0000"/>
               </a:solidFill>
+              <a:headEnd type="triangle"/>
+              <a:tailEnd type="triangle"/>
             </a:ln>
           </p:spPr>
           <p:style>
-            <a:lnRef idx="2">
-              <a:schemeClr val="accent1">
-                <a:shade val="50000"/>
-              </a:schemeClr>
+            <a:lnRef idx="1">
+              <a:schemeClr val="accent1"/>
             </a:lnRef>
-            <a:fillRef idx="1">
+            <a:fillRef idx="0">
               <a:schemeClr val="accent1"/>
             </a:fillRef>
             <a:effectRef idx="0">
               <a:schemeClr val="accent1"/>
             </a:effectRef>
             <a:fontRef idx="minor">
-              <a:schemeClr val="lt1"/>
+              <a:schemeClr val="tx1"/>
             </a:fontRef>
           </p:style>
-          <p:txBody>
-            <a:bodyPr rtlCol="0" anchor="ctr"/>
-            <a:lstStyle/>
-            <a:p>
-              <a:pPr algn="ctr"/>
-              <a:endParaRPr lang="en-US"/>
-            </a:p>
-          </p:txBody>
-        </p:sp>
-        <p:sp>
-          <p:nvSpPr>
-            <p:cNvPr id="103" name="TextBox 102">
+        </p:cxnSp>
+        <p:cxnSp>
+          <p:nvCxnSpPr>
+            <p:cNvPr id="100" name="Straight Arrow Connector 99">
               <a:extLst>
                 <a:ext uri="{FF2B5EF4-FFF2-40B4-BE49-F238E27FC236}">
-                  <a16:creationId xmlns:a16="http://schemas.microsoft.com/office/drawing/2014/main" id="{0F7ADB4F-F516-483C-8F3C-A225B671ED0F}"/>
+                  <a16:creationId xmlns:a16="http://schemas.microsoft.com/office/drawing/2014/main" id="{C0521514-56AB-4E04-A19B-F608771B5D4A}"/>
                 </a:ext>
               </a:extLst>
             </p:cNvPr>
-            <p:cNvSpPr txBox="1"/>
+            <p:cNvCxnSpPr>
+              <a:cxnSpLocks/>
+            </p:cNvCxnSpPr>
             <p:nvPr/>
-          </p:nvSpPr>
+          </p:nvCxnSpPr>
           <p:spPr>
-            <a:xfrm>
-              <a:off x="11037534" y="11035568"/>
-              <a:ext cx="1163734" cy="461665"/>
+            <a:xfrm flipH="1" flipV="1">
+              <a:off x="16659877" y="16690658"/>
+              <a:ext cx="1047790" cy="4739"/>
             </a:xfrm>
-            <a:prstGeom prst="rect">
+            <a:prstGeom prst="straightConnector1">
               <a:avLst/>
             </a:prstGeom>
-            <a:noFill/>
-          </p:spPr>
-          <p:txBody>
-            <a:bodyPr wrap="square" rtlCol="0">
-              <a:spAutoFit/>
-            </a:bodyPr>
-            <a:lstStyle/>
-            <a:p>
-              <a:r>
-                <a:rPr lang="en-US" sz="2400" dirty="0"/>
-                <a:t>Virus</a:t>
-              </a:r>
-            </a:p>
-          </p:txBody>
-        </p:sp>
-      </p:grpSp>
-      <p:grpSp>
-        <p:nvGrpSpPr>
-          <p:cNvPr id="106" name="Group 105">
-            <a:extLst>
-              <a:ext uri="{FF2B5EF4-FFF2-40B4-BE49-F238E27FC236}">
-                <a16:creationId xmlns:a16="http://schemas.microsoft.com/office/drawing/2014/main" id="{ED6225CD-FF36-4029-934E-7EE79817A539}"/>
-              </a:ext>
-            </a:extLst>
-          </p:cNvPr>
-          <p:cNvGrpSpPr/>
-          <p:nvPr/>
-        </p:nvGrpSpPr>
-        <p:grpSpPr>
-          <a:xfrm>
-            <a:off x="21453277" y="13423675"/>
-            <a:ext cx="1208416" cy="864972"/>
-            <a:chOff x="10992852" y="10836877"/>
-            <a:chExt cx="1208416" cy="864972"/>
-          </a:xfrm>
-        </p:grpSpPr>
-        <p:sp>
-          <p:nvSpPr>
-            <p:cNvPr id="107" name="Oval 106">
-              <a:extLst>
-                <a:ext uri="{FF2B5EF4-FFF2-40B4-BE49-F238E27FC236}">
-                  <a16:creationId xmlns:a16="http://schemas.microsoft.com/office/drawing/2014/main" id="{A835FCAC-5E8F-4468-BD94-285EE7D8AB0C}"/>
-                </a:ext>
-              </a:extLst>
-            </p:cNvPr>
-            <p:cNvSpPr/>
-            <p:nvPr/>
-          </p:nvSpPr>
-          <p:spPr>
-            <a:xfrm>
-              <a:off x="10992852" y="10836877"/>
-              <a:ext cx="931417" cy="864972"/>
-            </a:xfrm>
-            <a:prstGeom prst="ellipse">
-              <a:avLst/>
-            </a:prstGeom>
-            <a:noFill/>
-            <a:ln w="50800">
+            <a:ln w="76200">
               <a:solidFill>
-                <a:srgbClr val="92D050"/>
+                <a:srgbClr val="FF0000"/>
               </a:solidFill>
+              <a:headEnd type="triangle"/>
+              <a:tailEnd type="none"/>
             </a:ln>
           </p:spPr>
           <p:style>
-            <a:lnRef idx="2">
-              <a:schemeClr val="accent1">
-                <a:shade val="50000"/>
-              </a:schemeClr>
+            <a:lnRef idx="1">
+              <a:schemeClr val="accent1"/>
             </a:lnRef>
-            <a:fillRef idx="1">
+            <a:fillRef idx="0">
               <a:schemeClr val="accent1"/>
             </a:fillRef>
             <a:effectRef idx="0">
               <a:schemeClr val="accent1"/>
             </a:effectRef>
             <a:fontRef idx="minor">
-              <a:schemeClr val="lt1"/>
+              <a:schemeClr val="tx1"/>
             </a:fontRef>
           </p:style>
-          <p:txBody>
-            <a:bodyPr rtlCol="0" anchor="ctr"/>
-            <a:lstStyle/>
-            <a:p>
-              <a:pPr algn="ctr"/>
-              <a:endParaRPr lang="en-US"/>
-            </a:p>
-          </p:txBody>
-        </p:sp>
-        <p:sp>
-          <p:nvSpPr>
-            <p:cNvPr id="108" name="TextBox 107">
+        </p:cxnSp>
+        <p:grpSp>
+          <p:nvGrpSpPr>
+            <p:cNvPr id="101" name="Group 100">
               <a:extLst>
                 <a:ext uri="{FF2B5EF4-FFF2-40B4-BE49-F238E27FC236}">
-                  <a16:creationId xmlns:a16="http://schemas.microsoft.com/office/drawing/2014/main" id="{F1C74FFA-1F90-4F0D-BCD4-4676CA853BBC}"/>
+                  <a16:creationId xmlns:a16="http://schemas.microsoft.com/office/drawing/2014/main" id="{816BBBD9-F15E-4B7F-AE9C-E5321E985153}"/>
                 </a:ext>
               </a:extLst>
             </p:cNvPr>
-            <p:cNvSpPr txBox="1"/>
+            <p:cNvGrpSpPr/>
             <p:nvPr/>
-          </p:nvSpPr>
-          <p:spPr>
+          </p:nvGrpSpPr>
+          <p:grpSpPr>
             <a:xfrm>
-              <a:off x="11037534" y="11035568"/>
-              <a:ext cx="1163734" cy="461665"/>
+              <a:off x="13397567" y="15630986"/>
+              <a:ext cx="1208416" cy="864972"/>
+              <a:chOff x="10992852" y="10836877"/>
+              <a:chExt cx="1208416" cy="864972"/>
             </a:xfrm>
-            <a:prstGeom prst="rect">
-              <a:avLst/>
-            </a:prstGeom>
-            <a:noFill/>
-          </p:spPr>
-          <p:txBody>
-            <a:bodyPr wrap="square" rtlCol="0">
-              <a:spAutoFit/>
-            </a:bodyPr>
-            <a:lstStyle/>
-            <a:p>
-              <a:r>
-                <a:rPr lang="en-US" sz="2400" dirty="0"/>
-                <a:t>Virus</a:t>
-              </a:r>
-            </a:p>
-          </p:txBody>
-        </p:sp>
+          </p:grpSpPr>
+          <p:sp>
+            <p:nvSpPr>
+              <p:cNvPr id="102" name="Oval 101">
+                <a:extLst>
+                  <a:ext uri="{FF2B5EF4-FFF2-40B4-BE49-F238E27FC236}">
+                    <a16:creationId xmlns:a16="http://schemas.microsoft.com/office/drawing/2014/main" id="{5A547B1F-DF1F-40DF-9BF3-8524D90D4753}"/>
+                  </a:ext>
+                </a:extLst>
+              </p:cNvPr>
+              <p:cNvSpPr/>
+              <p:nvPr/>
+            </p:nvSpPr>
+            <p:spPr>
+              <a:xfrm>
+                <a:off x="10992852" y="10836877"/>
+                <a:ext cx="931417" cy="864972"/>
+              </a:xfrm>
+              <a:prstGeom prst="ellipse">
+                <a:avLst/>
+              </a:prstGeom>
+              <a:noFill/>
+              <a:ln w="50800">
+                <a:solidFill>
+                  <a:srgbClr val="FF0000"/>
+                </a:solidFill>
+              </a:ln>
+            </p:spPr>
+            <p:style>
+              <a:lnRef idx="2">
+                <a:schemeClr val="accent1">
+                  <a:shade val="50000"/>
+                </a:schemeClr>
+              </a:lnRef>
+              <a:fillRef idx="1">
+                <a:schemeClr val="accent1"/>
+              </a:fillRef>
+              <a:effectRef idx="0">
+                <a:schemeClr val="accent1"/>
+              </a:effectRef>
+              <a:fontRef idx="minor">
+                <a:schemeClr val="lt1"/>
+              </a:fontRef>
+            </p:style>
+            <p:txBody>
+              <a:bodyPr rtlCol="0" anchor="ctr"/>
+              <a:lstStyle/>
+              <a:p>
+                <a:pPr algn="ctr"/>
+                <a:endParaRPr lang="en-US"/>
+              </a:p>
+            </p:txBody>
+          </p:sp>
+          <p:sp>
+            <p:nvSpPr>
+              <p:cNvPr id="103" name="TextBox 102">
+                <a:extLst>
+                  <a:ext uri="{FF2B5EF4-FFF2-40B4-BE49-F238E27FC236}">
+                    <a16:creationId xmlns:a16="http://schemas.microsoft.com/office/drawing/2014/main" id="{0F7ADB4F-F516-483C-8F3C-A225B671ED0F}"/>
+                  </a:ext>
+                </a:extLst>
+              </p:cNvPr>
+              <p:cNvSpPr txBox="1"/>
+              <p:nvPr/>
+            </p:nvSpPr>
+            <p:spPr>
+              <a:xfrm>
+                <a:off x="11037534" y="11035568"/>
+                <a:ext cx="1163734" cy="461665"/>
+              </a:xfrm>
+              <a:prstGeom prst="rect">
+                <a:avLst/>
+              </a:prstGeom>
+              <a:noFill/>
+            </p:spPr>
+            <p:txBody>
+              <a:bodyPr wrap="square" rtlCol="0">
+                <a:spAutoFit/>
+              </a:bodyPr>
+              <a:lstStyle/>
+              <a:p>
+                <a:r>
+                  <a:rPr lang="en-US" sz="2400" dirty="0"/>
+                  <a:t>Virus</a:t>
+                </a:r>
+              </a:p>
+            </p:txBody>
+          </p:sp>
+        </p:grpSp>
+        <p:grpSp>
+          <p:nvGrpSpPr>
+            <p:cNvPr id="106" name="Group 105">
+              <a:extLst>
+                <a:ext uri="{FF2B5EF4-FFF2-40B4-BE49-F238E27FC236}">
+                  <a16:creationId xmlns:a16="http://schemas.microsoft.com/office/drawing/2014/main" id="{ED6225CD-FF36-4029-934E-7EE79817A539}"/>
+                </a:ext>
+              </a:extLst>
+            </p:cNvPr>
+            <p:cNvGrpSpPr/>
+            <p:nvPr/>
+          </p:nvGrpSpPr>
+          <p:grpSpPr>
+            <a:xfrm>
+              <a:off x="21453277" y="13423675"/>
+              <a:ext cx="1208416" cy="864972"/>
+              <a:chOff x="10992852" y="10836877"/>
+              <a:chExt cx="1208416" cy="864972"/>
+            </a:xfrm>
+          </p:grpSpPr>
+          <p:sp>
+            <p:nvSpPr>
+              <p:cNvPr id="107" name="Oval 106">
+                <a:extLst>
+                  <a:ext uri="{FF2B5EF4-FFF2-40B4-BE49-F238E27FC236}">
+                    <a16:creationId xmlns:a16="http://schemas.microsoft.com/office/drawing/2014/main" id="{A835FCAC-5E8F-4468-BD94-285EE7D8AB0C}"/>
+                  </a:ext>
+                </a:extLst>
+              </p:cNvPr>
+              <p:cNvSpPr/>
+              <p:nvPr/>
+            </p:nvSpPr>
+            <p:spPr>
+              <a:xfrm>
+                <a:off x="10992852" y="10836877"/>
+                <a:ext cx="931417" cy="864972"/>
+              </a:xfrm>
+              <a:prstGeom prst="ellipse">
+                <a:avLst/>
+              </a:prstGeom>
+              <a:noFill/>
+              <a:ln w="50800">
+                <a:solidFill>
+                  <a:srgbClr val="92D050"/>
+                </a:solidFill>
+              </a:ln>
+            </p:spPr>
+            <p:style>
+              <a:lnRef idx="2">
+                <a:schemeClr val="accent1">
+                  <a:shade val="50000"/>
+                </a:schemeClr>
+              </a:lnRef>
+              <a:fillRef idx="1">
+                <a:schemeClr val="accent1"/>
+              </a:fillRef>
+              <a:effectRef idx="0">
+                <a:schemeClr val="accent1"/>
+              </a:effectRef>
+              <a:fontRef idx="minor">
+                <a:schemeClr val="lt1"/>
+              </a:fontRef>
+            </p:style>
+            <p:txBody>
+              <a:bodyPr rtlCol="0" anchor="ctr"/>
+              <a:lstStyle/>
+              <a:p>
+                <a:pPr algn="ctr"/>
+                <a:endParaRPr lang="en-US"/>
+              </a:p>
+            </p:txBody>
+          </p:sp>
+          <p:sp>
+            <p:nvSpPr>
+              <p:cNvPr id="108" name="TextBox 107">
+                <a:extLst>
+                  <a:ext uri="{FF2B5EF4-FFF2-40B4-BE49-F238E27FC236}">
+                    <a16:creationId xmlns:a16="http://schemas.microsoft.com/office/drawing/2014/main" id="{F1C74FFA-1F90-4F0D-BCD4-4676CA853BBC}"/>
+                  </a:ext>
+                </a:extLst>
+              </p:cNvPr>
+              <p:cNvSpPr txBox="1"/>
+              <p:nvPr/>
+            </p:nvSpPr>
+            <p:spPr>
+              <a:xfrm>
+                <a:off x="11037534" y="11035568"/>
+                <a:ext cx="1163734" cy="461665"/>
+              </a:xfrm>
+              <a:prstGeom prst="rect">
+                <a:avLst/>
+              </a:prstGeom>
+              <a:noFill/>
+            </p:spPr>
+            <p:txBody>
+              <a:bodyPr wrap="square" rtlCol="0">
+                <a:spAutoFit/>
+              </a:bodyPr>
+              <a:lstStyle/>
+              <a:p>
+                <a:r>
+                  <a:rPr lang="en-US" sz="2400" dirty="0"/>
+                  <a:t>Virus</a:t>
+                </a:r>
+              </a:p>
+            </p:txBody>
+          </p:sp>
+        </p:grpSp>
       </p:grpSp>
     </p:spTree>
     <p:extLst>
@@ -17404,76 +17425,6 @@
               <a:r>
                 <a:rPr lang="en-US" sz="4000" dirty="0"/>
                 <a:t>Plasmid</a:t>
-              </a:r>
-            </a:p>
-          </p:txBody>
-        </p:sp>
-        <p:sp>
-          <p:nvSpPr>
-            <p:cNvPr id="70" name="TextBox 69">
-              <a:extLst>
-                <a:ext uri="{FF2B5EF4-FFF2-40B4-BE49-F238E27FC236}">
-                  <a16:creationId xmlns:a16="http://schemas.microsoft.com/office/drawing/2014/main" id="{079C4A01-98D9-4006-93B0-E66484D53BC7}"/>
-                </a:ext>
-              </a:extLst>
-            </p:cNvPr>
-            <p:cNvSpPr txBox="1"/>
-            <p:nvPr/>
-          </p:nvSpPr>
-          <p:spPr>
-            <a:xfrm>
-              <a:off x="18707732" y="16984680"/>
-              <a:ext cx="822251" cy="400110"/>
-            </a:xfrm>
-            <a:prstGeom prst="rect">
-              <a:avLst/>
-            </a:prstGeom>
-            <a:noFill/>
-          </p:spPr>
-          <p:txBody>
-            <a:bodyPr wrap="square" rtlCol="0">
-              <a:spAutoFit/>
-            </a:bodyPr>
-            <a:lstStyle/>
-            <a:p>
-              <a:r>
-                <a:rPr lang="en-US" sz="2000" dirty="0"/>
-                <a:t>+1</a:t>
-              </a:r>
-            </a:p>
-          </p:txBody>
-        </p:sp>
-        <p:sp>
-          <p:nvSpPr>
-            <p:cNvPr id="71" name="TextBox 70">
-              <a:extLst>
-                <a:ext uri="{FF2B5EF4-FFF2-40B4-BE49-F238E27FC236}">
-                  <a16:creationId xmlns:a16="http://schemas.microsoft.com/office/drawing/2014/main" id="{F437FA84-BC2C-4359-B2A4-700800F14535}"/>
-                </a:ext>
-              </a:extLst>
-            </p:cNvPr>
-            <p:cNvSpPr txBox="1"/>
-            <p:nvPr/>
-          </p:nvSpPr>
-          <p:spPr>
-            <a:xfrm>
-              <a:off x="20193065" y="16784625"/>
-              <a:ext cx="568372" cy="400110"/>
-            </a:xfrm>
-            <a:prstGeom prst="rect">
-              <a:avLst/>
-            </a:prstGeom>
-            <a:noFill/>
-          </p:spPr>
-          <p:txBody>
-            <a:bodyPr wrap="square" rtlCol="0">
-              <a:spAutoFit/>
-            </a:bodyPr>
-            <a:lstStyle/>
-            <a:p>
-              <a:r>
-                <a:rPr lang="en-US" sz="2000" dirty="0"/>
-                <a:t>+9</a:t>
               </a:r>
             </a:p>
           </p:txBody>
@@ -38536,7 +38487,7 @@
         </p:nvSpPr>
         <p:spPr>
           <a:xfrm>
-            <a:off x="7516124" y="4837428"/>
+            <a:off x="7516124" y="4346367"/>
             <a:ext cx="1176902" cy="646331"/>
           </a:xfrm>
           <a:prstGeom prst="rect">
@@ -39224,6 +39175,56 @@
           </a:p>
         </p:txBody>
       </p:sp>
+      <p:sp>
+        <p:nvSpPr>
+          <p:cNvPr id="77" name="TextBox 76">
+            <a:extLst>
+              <a:ext uri="{FF2B5EF4-FFF2-40B4-BE49-F238E27FC236}">
+                <a16:creationId xmlns:a16="http://schemas.microsoft.com/office/drawing/2014/main" id="{816C7D5D-BF72-4520-AA5A-4F05303F2295}"/>
+              </a:ext>
+            </a:extLst>
+          </p:cNvPr>
+          <p:cNvSpPr txBox="1"/>
+          <p:nvPr/>
+        </p:nvSpPr>
+        <p:spPr>
+          <a:xfrm>
+            <a:off x="11848969" y="4360374"/>
+            <a:ext cx="4642738" cy="954107"/>
+          </a:xfrm>
+          <a:prstGeom prst="rect">
+            <a:avLst/>
+          </a:prstGeom>
+          <a:noFill/>
+        </p:spPr>
+        <p:txBody>
+          <a:bodyPr wrap="square" rtlCol="0">
+            <a:spAutoFit/>
+          </a:bodyPr>
+          <a:lstStyle/>
+          <a:p>
+            <a:pPr marL="285750" indent="-285750">
+              <a:buFont typeface="Arial" panose="020B0604020202020204" pitchFamily="34" charset="0"/>
+              <a:buChar char="•"/>
+            </a:pPr>
+            <a:r>
+              <a:rPr lang="en-US" sz="2800" dirty="0">
+                <a:solidFill>
+                  <a:srgbClr val="0070C0"/>
+                </a:solidFill>
+              </a:rPr>
+              <a:t>Dual-specificity phosphatase</a:t>
+            </a:r>
+          </a:p>
+          <a:p>
+            <a:endParaRPr lang="en-US" sz="2800" dirty="0">
+              <a:solidFill>
+                <a:srgbClr val="0070C0"/>
+              </a:solidFill>
+            </a:endParaRPr>
+          </a:p>
+        </p:txBody>
+      </p:sp>
     </p:spTree>
     <p:extLst>
       <p:ext uri="{BB962C8B-B14F-4D97-AF65-F5344CB8AC3E}">
